--- a/99_Thinktank/Talks/21-12-07_Kolloquium/CERED_Presentation.pptx
+++ b/99_Thinktank/Talks/21-12-07_Kolloquium/CERED_Presentation.pptx
@@ -8,22 +8,25 @@
     <p:sldId id="256" r:id="rId2"/>
     <p:sldId id="257" r:id="rId3"/>
     <p:sldId id="258" r:id="rId4"/>
-    <p:sldId id="259" r:id="rId5"/>
-    <p:sldId id="260" r:id="rId6"/>
-    <p:sldId id="261" r:id="rId7"/>
-    <p:sldId id="264" r:id="rId8"/>
-    <p:sldId id="262" r:id="rId9"/>
-    <p:sldId id="263" r:id="rId10"/>
+    <p:sldId id="266" r:id="rId5"/>
+    <p:sldId id="259" r:id="rId6"/>
+    <p:sldId id="260" r:id="rId7"/>
+    <p:sldId id="261" r:id="rId8"/>
+    <p:sldId id="264" r:id="rId9"/>
+    <p:sldId id="265" r:id="rId10"/>
+    <p:sldId id="262" r:id="rId11"/>
+    <p:sldId id="263" r:id="rId12"/>
+    <p:sldId id="267" r:id="rId13"/>
   </p:sldIdLst>
   <p:sldSz cx="9144000" cy="5715000" type="screen16x10"/>
   <p:notesSz cx="6858000" cy="9144000"/>
   <p:embeddedFontLst>
     <p:embeddedFont>
       <p:font typeface="Open Sans" panose="020B0606030504020204" pitchFamily="34" charset="0"/>
-      <p:regular r:id="rId11"/>
-      <p:bold r:id="rId12"/>
-      <p:italic r:id="rId13"/>
-      <p:boldItalic r:id="rId14"/>
+      <p:regular r:id="rId14"/>
+      <p:bold r:id="rId15"/>
+      <p:italic r:id="rId16"/>
+      <p:boldItalic r:id="rId17"/>
     </p:embeddedFont>
   </p:embeddedFontLst>
   <p:defaultTextStyle>
@@ -3170,6 +3173,510 @@
 </p:sld>
 </file>
 
+<file path=ppt/slides/slide10.xml><?xml version="1.0" encoding="utf-8"?>
+<p:sld xmlns:a="http://schemas.openxmlformats.org/drawingml/2006/main" xmlns:r="http://schemas.openxmlformats.org/officeDocument/2006/relationships" xmlns:p="http://schemas.openxmlformats.org/presentationml/2006/main">
+  <p:cSld>
+    <p:spTree>
+      <p:nvGrpSpPr>
+        <p:cNvPr id="1" name=""/>
+        <p:cNvGrpSpPr/>
+        <p:nvPr/>
+      </p:nvGrpSpPr>
+      <p:grpSpPr>
+        <a:xfrm>
+          <a:off x="0" y="0"/>
+          <a:ext cx="0" cy="0"/>
+          <a:chOff x="0" y="0"/>
+          <a:chExt cx="0" cy="0"/>
+        </a:xfrm>
+      </p:grpSpPr>
+      <p:sp>
+        <p:nvSpPr>
+          <p:cNvPr id="2" name="Titel 1"/>
+          <p:cNvSpPr>
+            <a:spLocks noGrp="1"/>
+          </p:cNvSpPr>
+          <p:nvPr>
+            <p:ph type="title"/>
+          </p:nvPr>
+        </p:nvSpPr>
+        <p:spPr/>
+        <p:txBody>
+          <a:bodyPr/>
+          <a:lstStyle/>
+          <a:p>
+            <a:r>
+              <a:rPr lang="en-GB" dirty="0" smtClean="0"/>
+              <a:t>3. The study: Structure</a:t>
+            </a:r>
+            <a:endParaRPr lang="en-GB" dirty="0"/>
+          </a:p>
+        </p:txBody>
+      </p:sp>
+      <p:sp>
+        <p:nvSpPr>
+          <p:cNvPr id="3" name="Inhaltsplatzhalter 2"/>
+          <p:cNvSpPr>
+            <a:spLocks noGrp="1"/>
+          </p:cNvSpPr>
+          <p:nvPr>
+            <p:ph sz="quarter" idx="10"/>
+          </p:nvPr>
+        </p:nvSpPr>
+        <p:spPr>
+          <a:xfrm>
+            <a:off x="656033" y="1160728"/>
+            <a:ext cx="7935516" cy="3620823"/>
+          </a:xfrm>
+        </p:spPr>
+        <p:txBody>
+          <a:bodyPr/>
+          <a:lstStyle/>
+          <a:p>
+            <a:r>
+              <a:rPr lang="en-GB" sz="1400" dirty="0" smtClean="0"/>
+              <a:t>T1: Lab session with n-back</a:t>
+            </a:r>
+          </a:p>
+          <a:p>
+            <a:r>
+              <a:rPr lang="en-GB" sz="1400" dirty="0" smtClean="0"/>
+              <a:t>	1-back, 2-back, 3-back, and 4-back with 2 runs each</a:t>
+            </a:r>
+          </a:p>
+          <a:p>
+            <a:r>
+              <a:rPr lang="en-GB" sz="1400" dirty="0"/>
+              <a:t>	</a:t>
+            </a:r>
+            <a:r>
+              <a:rPr lang="en-GB" sz="1400" dirty="0" smtClean="0"/>
+              <a:t>NASA-TLX after each level</a:t>
+            </a:r>
+          </a:p>
+          <a:p>
+            <a:r>
+              <a:rPr lang="en-GB" sz="1400" dirty="0"/>
+              <a:t>	</a:t>
+            </a:r>
+            <a:r>
+              <a:rPr lang="en-GB" sz="1400" dirty="0" smtClean="0"/>
+              <a:t>ED paradigm</a:t>
+            </a:r>
+          </a:p>
+          <a:p>
+            <a:r>
+              <a:rPr lang="en-GB" sz="1400" dirty="0"/>
+              <a:t>	</a:t>
+            </a:r>
+            <a:r>
+              <a:rPr lang="en-GB" sz="1400" dirty="0" smtClean="0"/>
+              <a:t>One run of a randomly chosen n-back level</a:t>
+            </a:r>
+          </a:p>
+          <a:p>
+            <a:r>
+              <a:rPr lang="en-GB" sz="1400" dirty="0" smtClean="0"/>
+              <a:t>T2: Lab session with ER task</a:t>
+            </a:r>
+          </a:p>
+          <a:p>
+            <a:r>
+              <a:rPr lang="en-GB" sz="1400" dirty="0"/>
+              <a:t>	</a:t>
+            </a:r>
+            <a:r>
+              <a:rPr lang="en-GB" sz="1400" dirty="0" smtClean="0"/>
+              <a:t>ER training</a:t>
+            </a:r>
+          </a:p>
+          <a:p>
+            <a:r>
+              <a:rPr lang="en-GB" sz="1400" dirty="0"/>
+              <a:t>	</a:t>
+            </a:r>
+            <a:r>
+              <a:rPr lang="en-GB" sz="1400" dirty="0" smtClean="0"/>
+              <a:t>ER paradigm with EMG on corrugator &amp; </a:t>
+            </a:r>
+            <a:r>
+              <a:rPr lang="en-GB" sz="1400" dirty="0" err="1" smtClean="0"/>
+              <a:t>levator</a:t>
+            </a:r>
+            <a:endParaRPr lang="en-GB" sz="1400" dirty="0" smtClean="0"/>
+          </a:p>
+          <a:p>
+            <a:r>
+              <a:rPr lang="en-GB" sz="1400" dirty="0"/>
+              <a:t>	</a:t>
+            </a:r>
+            <a:r>
+              <a:rPr lang="en-GB" sz="1400" dirty="0" smtClean="0"/>
+              <a:t>ED paradigm</a:t>
+            </a:r>
+          </a:p>
+          <a:p>
+            <a:r>
+              <a:rPr lang="en-GB" sz="1400" dirty="0"/>
+              <a:t>	</a:t>
+            </a:r>
+            <a:r>
+              <a:rPr lang="en-GB" sz="1400" dirty="0" smtClean="0"/>
+              <a:t>ER choice block</a:t>
+            </a:r>
+          </a:p>
+          <a:p>
+            <a:r>
+              <a:rPr lang="en-GB" sz="1400" dirty="0" smtClean="0"/>
+              <a:t>Online: NFC, WHO-5, ERQ, </a:t>
+            </a:r>
+            <a:r>
+              <a:rPr lang="en-GB" sz="1400" dirty="0" err="1" smtClean="0"/>
+              <a:t>FlexER</a:t>
+            </a:r>
+            <a:r>
+              <a:rPr lang="en-GB" sz="1400" dirty="0" smtClean="0"/>
+              <a:t>, BIS-11, BSCS, SRS, ACS, CD-RISC, Lay Beliefs</a:t>
+            </a:r>
+            <a:endParaRPr lang="en-GB" sz="1400" dirty="0"/>
+          </a:p>
+        </p:txBody>
+      </p:sp>
+    </p:spTree>
+    <p:extLst>
+      <p:ext uri="{BB962C8B-B14F-4D97-AF65-F5344CB8AC3E}">
+        <p14:creationId xmlns:p14="http://schemas.microsoft.com/office/powerpoint/2010/main" val="1129855204"/>
+      </p:ext>
+    </p:extLst>
+  </p:cSld>
+  <p:clrMapOvr>
+    <a:masterClrMapping/>
+  </p:clrMapOvr>
+  <p:timing>
+    <p:tnLst>
+      <p:par>
+        <p:cTn id="1" dur="indefinite" restart="never" nodeType="tmRoot"/>
+      </p:par>
+    </p:tnLst>
+  </p:timing>
+</p:sld>
+</file>
+
+<file path=ppt/slides/slide11.xml><?xml version="1.0" encoding="utf-8"?>
+<p:sld xmlns:a="http://schemas.openxmlformats.org/drawingml/2006/main" xmlns:r="http://schemas.openxmlformats.org/officeDocument/2006/relationships" xmlns:p="http://schemas.openxmlformats.org/presentationml/2006/main">
+  <p:cSld>
+    <p:spTree>
+      <p:nvGrpSpPr>
+        <p:cNvPr id="1" name=""/>
+        <p:cNvGrpSpPr/>
+        <p:nvPr/>
+      </p:nvGrpSpPr>
+      <p:grpSpPr>
+        <a:xfrm>
+          <a:off x="0" y="0"/>
+          <a:ext cx="0" cy="0"/>
+          <a:chOff x="0" y="0"/>
+          <a:chExt cx="0" cy="0"/>
+        </a:xfrm>
+      </p:grpSpPr>
+      <p:sp>
+        <p:nvSpPr>
+          <p:cNvPr id="2" name="Titel 1"/>
+          <p:cNvSpPr>
+            <a:spLocks noGrp="1"/>
+          </p:cNvSpPr>
+          <p:nvPr>
+            <p:ph type="title"/>
+          </p:nvPr>
+        </p:nvSpPr>
+        <p:spPr/>
+        <p:txBody>
+          <a:bodyPr/>
+          <a:lstStyle/>
+          <a:p>
+            <a:r>
+              <a:rPr lang="en-GB" dirty="0" smtClean="0"/>
+              <a:t>3. The study: Results of the pilot session 1</a:t>
+            </a:r>
+            <a:endParaRPr lang="en-GB" dirty="0"/>
+          </a:p>
+        </p:txBody>
+      </p:sp>
+      <p:sp>
+        <p:nvSpPr>
+          <p:cNvPr id="3" name="Inhaltsplatzhalter 2"/>
+          <p:cNvSpPr>
+            <a:spLocks noGrp="1"/>
+          </p:cNvSpPr>
+          <p:nvPr>
+            <p:ph sz="quarter" idx="10"/>
+          </p:nvPr>
+        </p:nvSpPr>
+        <p:spPr>
+          <a:xfrm>
+            <a:off x="656033" y="1160728"/>
+            <a:ext cx="7935516" cy="3620823"/>
+          </a:xfrm>
+        </p:spPr>
+        <p:txBody>
+          <a:bodyPr/>
+          <a:lstStyle/>
+          <a:p>
+            <a:r>
+              <a:rPr lang="en-GB" sz="1400" u="sng" dirty="0" smtClean="0"/>
+              <a:t>Objective task load:</a:t>
+            </a:r>
+          </a:p>
+          <a:p>
+            <a:pPr marL="285750" indent="-285750">
+              <a:buFont typeface="Arial" panose="020B0604020202020204" pitchFamily="34" charset="0"/>
+              <a:buChar char="•"/>
+            </a:pPr>
+            <a:r>
+              <a:rPr lang="en-GB" sz="1400" dirty="0" smtClean="0"/>
+              <a:t>d’ did not increase between 2- and 4-back</a:t>
+            </a:r>
+          </a:p>
+          <a:p>
+            <a:pPr marL="285750" indent="-285750">
+              <a:buFont typeface="Arial" panose="020B0604020202020204" pitchFamily="34" charset="0"/>
+              <a:buChar char="•"/>
+            </a:pPr>
+            <a:r>
+              <a:rPr lang="en-GB" sz="1400" dirty="0" smtClean="0"/>
+              <a:t>RTs increased from 2- to 3-back (not between 2- &amp; 4-back or 3- &amp; 4-back)</a:t>
+            </a:r>
+          </a:p>
+          <a:p>
+            <a:endParaRPr lang="en-GB" sz="1400" u="sng" dirty="0" smtClean="0"/>
+          </a:p>
+          <a:p>
+            <a:r>
+              <a:rPr lang="en-GB" sz="1400" u="sng" dirty="0" smtClean="0"/>
+              <a:t>Subjective task load:</a:t>
+            </a:r>
+          </a:p>
+          <a:p>
+            <a:pPr marL="285750" indent="-285750">
+              <a:buFont typeface="Arial" panose="020B0604020202020204" pitchFamily="34" charset="0"/>
+              <a:buChar char="•"/>
+            </a:pPr>
+            <a:r>
+              <a:rPr lang="en-GB" sz="1400" dirty="0" smtClean="0"/>
+              <a:t>All NASA-TLX subscales increased between at least two n-back levels</a:t>
+            </a:r>
+          </a:p>
+          <a:p>
+            <a:pPr marL="285750" indent="-285750">
+              <a:buFont typeface="Arial" panose="020B0604020202020204" pitchFamily="34" charset="0"/>
+              <a:buChar char="•"/>
+            </a:pPr>
+            <a:r>
+              <a:rPr lang="en-GB" sz="1400" dirty="0" smtClean="0"/>
+              <a:t>Subjective values differed between most n-back levels, but </a:t>
+            </a:r>
+            <a:r>
+              <a:rPr lang="en-GB" sz="1400" u="sng" dirty="0" smtClean="0"/>
+              <a:t>not</a:t>
+            </a:r>
+            <a:r>
+              <a:rPr lang="en-GB" sz="1400" dirty="0" smtClean="0"/>
+              <a:t> between 1- &amp; 2-back!</a:t>
+            </a:r>
+          </a:p>
+          <a:p>
+            <a:endParaRPr lang="en-GB" sz="1400" u="sng" dirty="0" smtClean="0"/>
+          </a:p>
+          <a:p>
+            <a:r>
+              <a:rPr lang="en-GB" sz="1400" u="sng" dirty="0" smtClean="0"/>
+              <a:t>Association of NFC and task load:</a:t>
+            </a:r>
+          </a:p>
+          <a:p>
+            <a:pPr marL="285750" indent="-285750">
+              <a:buFont typeface="Arial" panose="020B0604020202020204" pitchFamily="34" charset="0"/>
+              <a:buChar char="•"/>
+            </a:pPr>
+            <a:r>
+              <a:rPr lang="en-GB" sz="1400" dirty="0" err="1" smtClean="0"/>
+              <a:t>Sum</a:t>
+            </a:r>
+            <a:r>
+              <a:rPr lang="en-GB" sz="1400" baseline="-25000" dirty="0" err="1" smtClean="0"/>
+              <a:t>A</a:t>
+            </a:r>
+            <a:r>
+              <a:rPr lang="en-GB" sz="1400" dirty="0" err="1" smtClean="0"/>
+              <a:t>xAUC</a:t>
+            </a:r>
+            <a:r>
+              <a:rPr lang="en-GB" sz="1400" dirty="0" smtClean="0"/>
+              <a:t> of the subjective values did </a:t>
+            </a:r>
+            <a:r>
+              <a:rPr lang="en-GB" sz="1400" u="sng" dirty="0" smtClean="0"/>
+              <a:t>not</a:t>
+            </a:r>
+            <a:r>
+              <a:rPr lang="en-GB" sz="1400" dirty="0" smtClean="0"/>
+              <a:t> predict NFC</a:t>
+            </a:r>
+          </a:p>
+          <a:p>
+            <a:pPr marL="285750" indent="-285750">
+              <a:buFont typeface="Arial" panose="020B0604020202020204" pitchFamily="34" charset="0"/>
+              <a:buChar char="•"/>
+            </a:pPr>
+            <a:r>
+              <a:rPr lang="en-GB" sz="1400" dirty="0" smtClean="0"/>
+              <a:t>Higher NASA-TLX scores predicted lower NFC</a:t>
+            </a:r>
+            <a:endParaRPr lang="en-GB" sz="1400" dirty="0"/>
+          </a:p>
+        </p:txBody>
+      </p:sp>
+    </p:spTree>
+    <p:extLst>
+      <p:ext uri="{BB962C8B-B14F-4D97-AF65-F5344CB8AC3E}">
+        <p14:creationId xmlns:p14="http://schemas.microsoft.com/office/powerpoint/2010/main" val="2699294908"/>
+      </p:ext>
+    </p:extLst>
+  </p:cSld>
+  <p:clrMapOvr>
+    <a:masterClrMapping/>
+  </p:clrMapOvr>
+  <p:timing>
+    <p:tnLst>
+      <p:par>
+        <p:cTn id="1" dur="indefinite" restart="never" nodeType="tmRoot"/>
+      </p:par>
+    </p:tnLst>
+  </p:timing>
+</p:sld>
+</file>
+
+<file path=ppt/slides/slide12.xml><?xml version="1.0" encoding="utf-8"?>
+<p:sld xmlns:a="http://schemas.openxmlformats.org/drawingml/2006/main" xmlns:r="http://schemas.openxmlformats.org/officeDocument/2006/relationships" xmlns:p="http://schemas.openxmlformats.org/presentationml/2006/main">
+  <p:cSld>
+    <p:spTree>
+      <p:nvGrpSpPr>
+        <p:cNvPr id="1" name=""/>
+        <p:cNvGrpSpPr/>
+        <p:nvPr/>
+      </p:nvGrpSpPr>
+      <p:grpSpPr>
+        <a:xfrm>
+          <a:off x="0" y="0"/>
+          <a:ext cx="0" cy="0"/>
+          <a:chOff x="0" y="0"/>
+          <a:chExt cx="0" cy="0"/>
+        </a:xfrm>
+      </p:grpSpPr>
+      <p:sp>
+        <p:nvSpPr>
+          <p:cNvPr id="2" name="Titel 1"/>
+          <p:cNvSpPr>
+            <a:spLocks noGrp="1"/>
+          </p:cNvSpPr>
+          <p:nvPr>
+            <p:ph type="title"/>
+          </p:nvPr>
+        </p:nvSpPr>
+        <p:spPr/>
+        <p:txBody>
+          <a:bodyPr/>
+          <a:lstStyle/>
+          <a:p>
+            <a:r>
+              <a:rPr lang="en-GB" dirty="0" smtClean="0"/>
+              <a:t>3. The study: Results of the pilot session </a:t>
+            </a:r>
+            <a:r>
+              <a:rPr lang="en-GB" dirty="0" smtClean="0"/>
+              <a:t>2</a:t>
+            </a:r>
+            <a:endParaRPr lang="en-GB" dirty="0"/>
+          </a:p>
+        </p:txBody>
+      </p:sp>
+      <p:sp>
+        <p:nvSpPr>
+          <p:cNvPr id="3" name="Inhaltsplatzhalter 2"/>
+          <p:cNvSpPr>
+            <a:spLocks noGrp="1"/>
+          </p:cNvSpPr>
+          <p:nvPr>
+            <p:ph sz="quarter" idx="10"/>
+          </p:nvPr>
+        </p:nvSpPr>
+        <p:spPr>
+          <a:xfrm>
+            <a:off x="656033" y="1160728"/>
+            <a:ext cx="7935516" cy="3620823"/>
+          </a:xfrm>
+        </p:spPr>
+        <p:txBody>
+          <a:bodyPr/>
+          <a:lstStyle/>
+          <a:p>
+            <a:r>
+              <a:rPr lang="en-GB" sz="1400" u="sng" dirty="0" smtClean="0"/>
+              <a:t>ER: Arousal</a:t>
+            </a:r>
+          </a:p>
+          <a:p>
+            <a:endParaRPr lang="en-GB" sz="1400" u="sng" dirty="0"/>
+          </a:p>
+          <a:p>
+            <a:r>
+              <a:rPr lang="en-GB" sz="1400" u="sng" dirty="0" smtClean="0"/>
+              <a:t>ER: Effort</a:t>
+            </a:r>
+            <a:endParaRPr lang="en-GB" sz="1400" u="sng" dirty="0" smtClean="0"/>
+          </a:p>
+          <a:p>
+            <a:pPr marL="285750" indent="-285750">
+              <a:buFont typeface="Arial" panose="020B0604020202020204" pitchFamily="34" charset="0"/>
+              <a:buChar char="•"/>
+            </a:pPr>
+            <a:endParaRPr lang="en-GB" sz="1400" dirty="0" smtClean="0"/>
+          </a:p>
+          <a:p>
+            <a:endParaRPr lang="en-GB" sz="1400" u="sng" dirty="0" smtClean="0"/>
+          </a:p>
+          <a:p>
+            <a:r>
+              <a:rPr lang="en-GB" sz="1400" u="sng" dirty="0" smtClean="0"/>
+              <a:t>ER Choice:</a:t>
+            </a:r>
+            <a:endParaRPr lang="en-GB" sz="1400" u="sng" dirty="0" smtClean="0"/>
+          </a:p>
+          <a:p>
+            <a:endParaRPr lang="en-GB" sz="1400" u="sng" dirty="0" smtClean="0"/>
+          </a:p>
+        </p:txBody>
+      </p:sp>
+    </p:spTree>
+    <p:extLst>
+      <p:ext uri="{BB962C8B-B14F-4D97-AF65-F5344CB8AC3E}">
+        <p14:creationId xmlns:p14="http://schemas.microsoft.com/office/powerpoint/2010/main" val="1797520817"/>
+      </p:ext>
+    </p:extLst>
+  </p:cSld>
+  <p:clrMapOvr>
+    <a:masterClrMapping/>
+  </p:clrMapOvr>
+  <p:timing>
+    <p:tnLst>
+      <p:par>
+        <p:cTn id="1" dur="indefinite" restart="never" nodeType="tmRoot"/>
+      </p:par>
+    </p:tnLst>
+  </p:timing>
+</p:sld>
+</file>
+
 <file path=ppt/slides/slide2.xml><?xml version="1.0" encoding="utf-8"?>
 <p:sld xmlns:a="http://schemas.openxmlformats.org/drawingml/2006/main" xmlns:r="http://schemas.openxmlformats.org/officeDocument/2006/relationships" xmlns:p="http://schemas.openxmlformats.org/presentationml/2006/main">
   <p:cSld>
@@ -3696,6 +4203,107 @@
       </p:grpSpPr>
       <p:sp>
         <p:nvSpPr>
+          <p:cNvPr id="4" name="Textplatzhalter 3"/>
+          <p:cNvSpPr>
+            <a:spLocks noGrp="1"/>
+          </p:cNvSpPr>
+          <p:nvPr>
+            <p:ph type="body" sz="quarter" idx="11"/>
+          </p:nvPr>
+        </p:nvSpPr>
+        <p:spPr/>
+        <p:txBody>
+          <a:bodyPr/>
+          <a:lstStyle/>
+          <a:p>
+            <a:r>
+              <a:rPr lang="de-DE" sz="2000" dirty="0" err="1" smtClean="0">
+                <a:solidFill>
+                  <a:schemeClr val="bg1"/>
+                </a:solidFill>
+              </a:rPr>
+              <a:t>Changes</a:t>
+            </a:r>
+            <a:r>
+              <a:rPr lang="de-DE" sz="2000" dirty="0" smtClean="0">
+                <a:solidFill>
+                  <a:schemeClr val="bg1"/>
+                </a:solidFill>
+              </a:rPr>
+              <a:t> </a:t>
+            </a:r>
+            <a:r>
+              <a:rPr lang="de-DE" sz="2000" dirty="0" err="1" smtClean="0">
+                <a:solidFill>
+                  <a:schemeClr val="bg1"/>
+                </a:solidFill>
+              </a:rPr>
+              <a:t>from</a:t>
+            </a:r>
+            <a:r>
+              <a:rPr lang="de-DE" sz="2000" dirty="0" smtClean="0">
+                <a:solidFill>
+                  <a:schemeClr val="bg1"/>
+                </a:solidFill>
+              </a:rPr>
+              <a:t> COG-ED </a:t>
+            </a:r>
+            <a:r>
+              <a:rPr lang="de-DE" sz="2000" dirty="0" err="1" smtClean="0">
+                <a:solidFill>
+                  <a:schemeClr val="bg1"/>
+                </a:solidFill>
+              </a:rPr>
+              <a:t>to</a:t>
+            </a:r>
+            <a:r>
+              <a:rPr lang="de-DE" sz="2000" dirty="0" smtClean="0">
+                <a:solidFill>
+                  <a:schemeClr val="bg1"/>
+                </a:solidFill>
+              </a:rPr>
+              <a:t> CERED</a:t>
+            </a:r>
+            <a:endParaRPr lang="de-DE" sz="2000" dirty="0">
+              <a:solidFill>
+                <a:schemeClr val="bg1"/>
+              </a:solidFill>
+            </a:endParaRPr>
+          </a:p>
+        </p:txBody>
+      </p:sp>
+    </p:spTree>
+    <p:extLst>
+      <p:ext uri="{BB962C8B-B14F-4D97-AF65-F5344CB8AC3E}">
+        <p14:creationId xmlns:p14="http://schemas.microsoft.com/office/powerpoint/2010/main" val="812423298"/>
+      </p:ext>
+    </p:extLst>
+  </p:cSld>
+  <p:clrMapOvr>
+    <a:masterClrMapping/>
+  </p:clrMapOvr>
+</p:sld>
+</file>
+
+<file path=ppt/slides/slide5.xml><?xml version="1.0" encoding="utf-8"?>
+<p:sld xmlns:a="http://schemas.openxmlformats.org/drawingml/2006/main" xmlns:r="http://schemas.openxmlformats.org/officeDocument/2006/relationships" xmlns:p="http://schemas.openxmlformats.org/presentationml/2006/main">
+  <p:cSld>
+    <p:spTree>
+      <p:nvGrpSpPr>
+        <p:cNvPr id="1" name=""/>
+        <p:cNvGrpSpPr/>
+        <p:nvPr/>
+      </p:nvGrpSpPr>
+      <p:grpSpPr>
+        <a:xfrm>
+          <a:off x="0" y="0"/>
+          <a:ext cx="0" cy="0"/>
+          <a:chOff x="0" y="0"/>
+          <a:chExt cx="0" cy="0"/>
+        </a:xfrm>
+      </p:grpSpPr>
+      <p:sp>
+        <p:nvSpPr>
           <p:cNvPr id="8" name="Rechteck 7"/>
           <p:cNvSpPr/>
           <p:nvPr/>
@@ -3842,7 +4450,7 @@
 </p:sld>
 </file>
 
-<file path=ppt/slides/slide5.xml><?xml version="1.0" encoding="utf-8"?>
+<file path=ppt/slides/slide6.xml><?xml version="1.0" encoding="utf-8"?>
 <p:sld xmlns:a="http://schemas.openxmlformats.org/drawingml/2006/main" xmlns:r="http://schemas.openxmlformats.org/officeDocument/2006/relationships" xmlns:p="http://schemas.openxmlformats.org/presentationml/2006/main">
   <p:cSld>
     <p:spTree>
@@ -5872,7 +6480,7 @@
 </p:sld>
 </file>
 
-<file path=ppt/slides/slide6.xml><?xml version="1.0" encoding="utf-8"?>
+<file path=ppt/slides/slide7.xml><?xml version="1.0" encoding="utf-8"?>
 <p:sld xmlns:a="http://schemas.openxmlformats.org/drawingml/2006/main" xmlns:r="http://schemas.openxmlformats.org/officeDocument/2006/relationships" xmlns:p="http://schemas.openxmlformats.org/presentationml/2006/main">
   <p:cSld>
     <p:spTree>
@@ -12140,7 +12748,7 @@
 </p:sld>
 </file>
 
-<file path=ppt/slides/slide7.xml><?xml version="1.0" encoding="utf-8"?>
+<file path=ppt/slides/slide8.xml><?xml version="1.0" encoding="utf-8"?>
 <p:sld xmlns:a="http://schemas.openxmlformats.org/drawingml/2006/main" xmlns:r="http://schemas.openxmlformats.org/officeDocument/2006/relationships" xmlns:p="http://schemas.openxmlformats.org/presentationml/2006/main">
   <p:cSld>
     <p:spTree>
@@ -14997,195 +15605,6 @@
 </p:sld>
 </file>
 
-<file path=ppt/slides/slide8.xml><?xml version="1.0" encoding="utf-8"?>
-<p:sld xmlns:a="http://schemas.openxmlformats.org/drawingml/2006/main" xmlns:r="http://schemas.openxmlformats.org/officeDocument/2006/relationships" xmlns:p="http://schemas.openxmlformats.org/presentationml/2006/main">
-  <p:cSld>
-    <p:spTree>
-      <p:nvGrpSpPr>
-        <p:cNvPr id="1" name=""/>
-        <p:cNvGrpSpPr/>
-        <p:nvPr/>
-      </p:nvGrpSpPr>
-      <p:grpSpPr>
-        <a:xfrm>
-          <a:off x="0" y="0"/>
-          <a:ext cx="0" cy="0"/>
-          <a:chOff x="0" y="0"/>
-          <a:chExt cx="0" cy="0"/>
-        </a:xfrm>
-      </p:grpSpPr>
-      <p:sp>
-        <p:nvSpPr>
-          <p:cNvPr id="2" name="Titel 1"/>
-          <p:cNvSpPr>
-            <a:spLocks noGrp="1"/>
-          </p:cNvSpPr>
-          <p:nvPr>
-            <p:ph type="title"/>
-          </p:nvPr>
-        </p:nvSpPr>
-        <p:spPr/>
-        <p:txBody>
-          <a:bodyPr/>
-          <a:lstStyle/>
-          <a:p>
-            <a:r>
-              <a:rPr lang="en-GB" dirty="0" smtClean="0"/>
-              <a:t>3. The study: Structure</a:t>
-            </a:r>
-            <a:endParaRPr lang="en-GB" dirty="0"/>
-          </a:p>
-        </p:txBody>
-      </p:sp>
-      <p:sp>
-        <p:nvSpPr>
-          <p:cNvPr id="3" name="Inhaltsplatzhalter 2"/>
-          <p:cNvSpPr>
-            <a:spLocks noGrp="1"/>
-          </p:cNvSpPr>
-          <p:nvPr>
-            <p:ph sz="quarter" idx="10"/>
-          </p:nvPr>
-        </p:nvSpPr>
-        <p:spPr>
-          <a:xfrm>
-            <a:off x="656033" y="1160728"/>
-            <a:ext cx="7935516" cy="3620823"/>
-          </a:xfrm>
-        </p:spPr>
-        <p:txBody>
-          <a:bodyPr/>
-          <a:lstStyle/>
-          <a:p>
-            <a:r>
-              <a:rPr lang="en-GB" sz="1400" dirty="0" smtClean="0"/>
-              <a:t>T1: Lab session with n-back</a:t>
-            </a:r>
-          </a:p>
-          <a:p>
-            <a:r>
-              <a:rPr lang="en-GB" sz="1400" dirty="0" smtClean="0"/>
-              <a:t>	1-back, 2-back, 3-back, and 4-back with 2 runs each</a:t>
-            </a:r>
-          </a:p>
-          <a:p>
-            <a:r>
-              <a:rPr lang="en-GB" sz="1400" dirty="0"/>
-              <a:t>	</a:t>
-            </a:r>
-            <a:r>
-              <a:rPr lang="en-GB" sz="1400" dirty="0" smtClean="0"/>
-              <a:t>NASA-TLX after each level</a:t>
-            </a:r>
-          </a:p>
-          <a:p>
-            <a:r>
-              <a:rPr lang="en-GB" sz="1400" dirty="0"/>
-              <a:t>	</a:t>
-            </a:r>
-            <a:r>
-              <a:rPr lang="en-GB" sz="1400" dirty="0" smtClean="0"/>
-              <a:t>ED paradigm</a:t>
-            </a:r>
-          </a:p>
-          <a:p>
-            <a:r>
-              <a:rPr lang="en-GB" sz="1400" dirty="0"/>
-              <a:t>	</a:t>
-            </a:r>
-            <a:r>
-              <a:rPr lang="en-GB" sz="1400" dirty="0" smtClean="0"/>
-              <a:t>One run of a randomly chosen n-back level</a:t>
-            </a:r>
-          </a:p>
-          <a:p>
-            <a:r>
-              <a:rPr lang="en-GB" sz="1400" dirty="0" smtClean="0"/>
-              <a:t>T2: Lab session with ER task</a:t>
-            </a:r>
-          </a:p>
-          <a:p>
-            <a:r>
-              <a:rPr lang="en-GB" sz="1400" dirty="0"/>
-              <a:t>	</a:t>
-            </a:r>
-            <a:r>
-              <a:rPr lang="en-GB" sz="1400" dirty="0" smtClean="0"/>
-              <a:t>ER training</a:t>
-            </a:r>
-          </a:p>
-          <a:p>
-            <a:r>
-              <a:rPr lang="en-GB" sz="1400" dirty="0"/>
-              <a:t>	</a:t>
-            </a:r>
-            <a:r>
-              <a:rPr lang="en-GB" sz="1400" dirty="0" smtClean="0"/>
-              <a:t>ER paradigm with EMG on corrugator &amp; </a:t>
-            </a:r>
-            <a:r>
-              <a:rPr lang="en-GB" sz="1400" dirty="0" err="1" smtClean="0"/>
-              <a:t>levator</a:t>
-            </a:r>
-            <a:endParaRPr lang="en-GB" sz="1400" dirty="0" smtClean="0"/>
-          </a:p>
-          <a:p>
-            <a:r>
-              <a:rPr lang="en-GB" sz="1400" dirty="0"/>
-              <a:t>	</a:t>
-            </a:r>
-            <a:r>
-              <a:rPr lang="en-GB" sz="1400" dirty="0" smtClean="0"/>
-              <a:t>ED paradigm</a:t>
-            </a:r>
-          </a:p>
-          <a:p>
-            <a:r>
-              <a:rPr lang="en-GB" sz="1400" dirty="0"/>
-              <a:t>	</a:t>
-            </a:r>
-            <a:r>
-              <a:rPr lang="en-GB" sz="1400" dirty="0" smtClean="0"/>
-              <a:t>ER choice block</a:t>
-            </a:r>
-          </a:p>
-          <a:p>
-            <a:r>
-              <a:rPr lang="en-GB" sz="1400" dirty="0" smtClean="0"/>
-              <a:t>Online: NFC, WHO-5, ERQ, </a:t>
-            </a:r>
-            <a:r>
-              <a:rPr lang="en-GB" sz="1400" dirty="0" err="1" smtClean="0"/>
-              <a:t>FlexER</a:t>
-            </a:r>
-            <a:r>
-              <a:rPr lang="en-GB" sz="1400" dirty="0" smtClean="0"/>
-              <a:t>, BIS-11, BSCS, SRS, ACS, CD-RISC, Lay Beliefs</a:t>
-            </a:r>
-            <a:endParaRPr lang="en-GB" sz="1400" dirty="0"/>
-          </a:p>
-        </p:txBody>
-      </p:sp>
-    </p:spTree>
-    <p:extLst>
-      <p:ext uri="{BB962C8B-B14F-4D97-AF65-F5344CB8AC3E}">
-        <p14:creationId xmlns:p14="http://schemas.microsoft.com/office/powerpoint/2010/main" val="1129855204"/>
-      </p:ext>
-    </p:extLst>
-  </p:cSld>
-  <p:clrMapOvr>
-    <a:masterClrMapping/>
-  </p:clrMapOvr>
-  <p:timing>
-    <p:tnLst>
-      <p:par>
-        <p:cTn id="1" dur="indefinite" restart="never" nodeType="tmRoot"/>
-      </p:par>
-    </p:tnLst>
-  </p:timing>
-</p:sld>
-</file>
-
 <file path=ppt/slides/slide9.xml><?xml version="1.0" encoding="utf-8"?>
 <p:sld xmlns:a="http://schemas.openxmlformats.org/drawingml/2006/main" xmlns:r="http://schemas.openxmlformats.org/officeDocument/2006/relationships" xmlns:p="http://schemas.openxmlformats.org/presentationml/2006/main">
   <p:cSld>
@@ -15205,12 +15624,12 @@
       </p:grpSpPr>
       <p:sp>
         <p:nvSpPr>
-          <p:cNvPr id="2" name="Titel 1"/>
+          <p:cNvPr id="4" name="Textplatzhalter 3"/>
           <p:cNvSpPr>
             <a:spLocks noGrp="1"/>
           </p:cNvSpPr>
           <p:nvPr>
-            <p:ph type="title"/>
+            <p:ph type="body" sz="quarter" idx="11"/>
           </p:nvPr>
         </p:nvSpPr>
         <p:spPr/>
@@ -15219,164 +15638,31 @@
           <a:lstStyle/>
           <a:p>
             <a:r>
-              <a:rPr lang="en-GB" dirty="0" smtClean="0"/>
-              <a:t>3. The study: Results of the pilot session 1</a:t>
-            </a:r>
-            <a:endParaRPr lang="en-GB" dirty="0"/>
-          </a:p>
-        </p:txBody>
-      </p:sp>
-      <p:sp>
-        <p:nvSpPr>
-          <p:cNvPr id="3" name="Inhaltsplatzhalter 2"/>
-          <p:cNvSpPr>
-            <a:spLocks noGrp="1"/>
-          </p:cNvSpPr>
-          <p:nvPr>
-            <p:ph sz="quarter" idx="10"/>
-          </p:nvPr>
-        </p:nvSpPr>
-        <p:spPr>
-          <a:xfrm>
-            <a:off x="656033" y="1160728"/>
-            <a:ext cx="7935516" cy="3620823"/>
-          </a:xfrm>
-        </p:spPr>
-        <p:txBody>
-          <a:bodyPr/>
-          <a:lstStyle/>
-          <a:p>
-            <a:r>
-              <a:rPr lang="en-GB" sz="1400" u="sng" dirty="0" smtClean="0"/>
-              <a:t>Objective task load:</a:t>
-            </a:r>
-          </a:p>
-          <a:p>
-            <a:pPr marL="285750" indent="-285750">
-              <a:buFont typeface="Arial" panose="020B0604020202020204" pitchFamily="34" charset="0"/>
-              <a:buChar char="•"/>
-            </a:pPr>
-            <a:r>
-              <a:rPr lang="en-GB" sz="1400" dirty="0" smtClean="0"/>
-              <a:t>d’ did not increase between 2- and 4-back</a:t>
-            </a:r>
-          </a:p>
-          <a:p>
-            <a:pPr marL="285750" indent="-285750">
-              <a:buFont typeface="Arial" panose="020B0604020202020204" pitchFamily="34" charset="0"/>
-              <a:buChar char="•"/>
-            </a:pPr>
-            <a:r>
-              <a:rPr lang="en-GB" sz="1400" dirty="0" smtClean="0"/>
-              <a:t>RTs increased from 2- to 3-back (not between 2- &amp; 4-back or 3- &amp; 4-back)</a:t>
-            </a:r>
-          </a:p>
-          <a:p>
-            <a:endParaRPr lang="en-GB" sz="1400" u="sng" dirty="0" smtClean="0"/>
-          </a:p>
-          <a:p>
-            <a:r>
-              <a:rPr lang="en-GB" sz="1400" u="sng" dirty="0" smtClean="0"/>
-              <a:t>Subjective task load:</a:t>
-            </a:r>
-          </a:p>
-          <a:p>
-            <a:pPr marL="285750" indent="-285750">
-              <a:buFont typeface="Arial" panose="020B0604020202020204" pitchFamily="34" charset="0"/>
-              <a:buChar char="•"/>
-            </a:pPr>
-            <a:r>
-              <a:rPr lang="en-GB" sz="1400" dirty="0" smtClean="0"/>
-              <a:t>All NASA-TLX subscales increased between at least two n-back levels</a:t>
-            </a:r>
-          </a:p>
-          <a:p>
-            <a:pPr marL="285750" indent="-285750">
-              <a:buFont typeface="Arial" panose="020B0604020202020204" pitchFamily="34" charset="0"/>
-              <a:buChar char="•"/>
-            </a:pPr>
-            <a:r>
-              <a:rPr lang="en-GB" sz="1400" dirty="0" smtClean="0"/>
-              <a:t>Subjective values differed between most n-back levels, but </a:t>
-            </a:r>
-            <a:r>
-              <a:rPr lang="en-GB" sz="1400" u="sng" dirty="0" smtClean="0"/>
-              <a:t>not</a:t>
-            </a:r>
-            <a:r>
-              <a:rPr lang="en-GB" sz="1400" dirty="0" smtClean="0"/>
-              <a:t> between 1- &amp; 2-back!</a:t>
-            </a:r>
-          </a:p>
-          <a:p>
-            <a:endParaRPr lang="en-GB" sz="1400" u="sng" dirty="0" smtClean="0"/>
-          </a:p>
-          <a:p>
-            <a:r>
-              <a:rPr lang="en-GB" sz="1400" u="sng" dirty="0" smtClean="0"/>
-              <a:t>Association of NFC and task load:</a:t>
-            </a:r>
-          </a:p>
-          <a:p>
-            <a:pPr marL="285750" indent="-285750">
-              <a:buFont typeface="Arial" panose="020B0604020202020204" pitchFamily="34" charset="0"/>
-              <a:buChar char="•"/>
-            </a:pPr>
-            <a:r>
-              <a:rPr lang="en-GB" sz="1400" dirty="0" err="1" smtClean="0"/>
-              <a:t>Sum</a:t>
-            </a:r>
-            <a:r>
-              <a:rPr lang="en-GB" sz="1400" baseline="-25000" dirty="0" err="1" smtClean="0"/>
-              <a:t>A</a:t>
-            </a:r>
-            <a:r>
-              <a:rPr lang="en-GB" sz="1400" dirty="0" err="1" smtClean="0"/>
-              <a:t>xAUC</a:t>
-            </a:r>
-            <a:r>
-              <a:rPr lang="en-GB" sz="1400" dirty="0" smtClean="0"/>
-              <a:t> of the subjective values did </a:t>
-            </a:r>
-            <a:r>
-              <a:rPr lang="en-GB" sz="1400" u="sng" dirty="0" smtClean="0"/>
-              <a:t>not</a:t>
-            </a:r>
-            <a:r>
-              <a:rPr lang="en-GB" sz="1400" dirty="0" smtClean="0"/>
-              <a:t> predict NFC</a:t>
-            </a:r>
-          </a:p>
-          <a:p>
-            <a:pPr marL="285750" indent="-285750">
-              <a:buFont typeface="Arial" panose="020B0604020202020204" pitchFamily="34" charset="0"/>
-              <a:buChar char="•"/>
-            </a:pPr>
-            <a:r>
-              <a:rPr lang="en-GB" sz="1400" dirty="0" smtClean="0"/>
-              <a:t>Higher NASA-TLX scores predicted lower NFC</a:t>
-            </a:r>
-            <a:endParaRPr lang="en-GB" sz="1400" dirty="0"/>
+              <a:rPr lang="de-DE" sz="2000" dirty="0" smtClean="0">
+                <a:solidFill>
+                  <a:schemeClr val="bg1"/>
+                </a:solidFill>
+              </a:rPr>
+              <a:t>The Study</a:t>
+            </a:r>
+            <a:endParaRPr lang="de-DE" sz="2000" dirty="0">
+              <a:solidFill>
+                <a:schemeClr val="bg1"/>
+              </a:solidFill>
+            </a:endParaRPr>
           </a:p>
         </p:txBody>
       </p:sp>
     </p:spTree>
     <p:extLst>
       <p:ext uri="{BB962C8B-B14F-4D97-AF65-F5344CB8AC3E}">
-        <p14:creationId xmlns:p14="http://schemas.microsoft.com/office/powerpoint/2010/main" val="2699294908"/>
+        <p14:creationId xmlns:p14="http://schemas.microsoft.com/office/powerpoint/2010/main" val="20691278"/>
       </p:ext>
     </p:extLst>
   </p:cSld>
   <p:clrMapOvr>
     <a:masterClrMapping/>
   </p:clrMapOvr>
-  <p:timing>
-    <p:tnLst>
-      <p:par>
-        <p:cTn id="1" dur="indefinite" restart="never" nodeType="tmRoot"/>
-      </p:par>
-    </p:tnLst>
-  </p:timing>
 </p:sld>
 </file>
 

--- a/99_Thinktank/Talks/21-12-07_Kolloquium/CERED_Presentation.pptx
+++ b/99_Thinktank/Talks/21-12-07_Kolloquium/CERED_Presentation.pptx
@@ -3646,11 +3646,95 @@
             <a:endParaRPr lang="en-GB" sz="1400" u="sng" dirty="0" smtClean="0"/>
           </a:p>
           <a:p>
+            <a:endParaRPr lang="en-GB" sz="1400" u="sng" dirty="0"/>
+          </a:p>
+          <a:p>
             <a:r>
               <a:rPr lang="en-GB" sz="1400" u="sng" dirty="0" smtClean="0"/>
               <a:t>ER Choice:</a:t>
             </a:r>
-            <a:endParaRPr lang="en-GB" sz="1400" u="sng" dirty="0" smtClean="0"/>
+            <a:endParaRPr lang="en-GB" sz="1400" dirty="0" smtClean="0"/>
+          </a:p>
+          <a:p>
+            <a:pPr marL="285750" indent="-285750">
+              <a:buFont typeface="Wingdings" panose="05000000000000000000" pitchFamily="2" charset="2"/>
+              <a:buChar char="§"/>
+            </a:pPr>
+            <a:r>
+              <a:rPr lang="en-GB" sz="1400" dirty="0" smtClean="0"/>
+              <a:t>Distraction: 		3 von 16</a:t>
+            </a:r>
+          </a:p>
+          <a:p>
+            <a:pPr marL="285750" indent="-285750">
+              <a:buFont typeface="Wingdings" panose="05000000000000000000" pitchFamily="2" charset="2"/>
+              <a:buChar char="§"/>
+            </a:pPr>
+            <a:r>
+              <a:rPr lang="en-GB" sz="1400" dirty="0" smtClean="0"/>
+              <a:t>Distancing:		6 von 16</a:t>
+            </a:r>
+          </a:p>
+          <a:p>
+            <a:pPr marL="285750" indent="-285750">
+              <a:buFont typeface="Wingdings" panose="05000000000000000000" pitchFamily="2" charset="2"/>
+              <a:buChar char="§"/>
+            </a:pPr>
+            <a:r>
+              <a:rPr lang="en-GB" sz="1400" dirty="0" smtClean="0"/>
+              <a:t>Suppression:		7 von 16</a:t>
+            </a:r>
+          </a:p>
+          <a:p>
+            <a:r>
+              <a:rPr lang="en-GB" sz="1400" dirty="0" err="1" smtClean="0"/>
+              <a:t>Gründe</a:t>
+            </a:r>
+            <a:r>
+              <a:rPr lang="en-GB" sz="1400" dirty="0" smtClean="0"/>
+              <a:t>: 13 von 16 </a:t>
+            </a:r>
+            <a:r>
+              <a:rPr lang="en-GB" sz="1400" dirty="0" err="1" smtClean="0"/>
+              <a:t>gaben</a:t>
+            </a:r>
+            <a:r>
+              <a:rPr lang="en-GB" sz="1400" dirty="0" smtClean="0"/>
+              <a:t> an, </a:t>
+            </a:r>
+            <a:r>
+              <a:rPr lang="en-GB" sz="1400" dirty="0" err="1" smtClean="0"/>
+              <a:t>dass</a:t>
+            </a:r>
+            <a:r>
+              <a:rPr lang="en-GB" sz="1400" dirty="0" smtClean="0"/>
+              <a:t> die </a:t>
+            </a:r>
+            <a:r>
+              <a:rPr lang="en-GB" sz="1400" dirty="0" err="1" smtClean="0"/>
+              <a:t>gewählte</a:t>
+            </a:r>
+            <a:r>
+              <a:rPr lang="en-GB" sz="1400" dirty="0" smtClean="0"/>
+              <a:t> </a:t>
+            </a:r>
+            <a:r>
+              <a:rPr lang="en-GB" sz="1400" dirty="0" err="1" smtClean="0"/>
+              <a:t>Strategie</a:t>
+            </a:r>
+            <a:r>
+              <a:rPr lang="en-GB" sz="1400" dirty="0" smtClean="0"/>
+              <a:t> </a:t>
+            </a:r>
+            <a:r>
+              <a:rPr lang="en-GB" sz="1400" dirty="0" err="1" smtClean="0"/>
+              <a:t>leichter</a:t>
+            </a:r>
+            <a:r>
+              <a:rPr lang="en-GB" sz="1400" dirty="0" smtClean="0"/>
+              <a:t> war</a:t>
+            </a:r>
+            <a:endParaRPr lang="en-GB" sz="1400" dirty="0" smtClean="0"/>
           </a:p>
           <a:p>
             <a:endParaRPr lang="en-GB" sz="1400" u="sng" dirty="0" smtClean="0"/>

--- a/99_Thinktank/Talks/21-12-07_Kolloquium/CERED_Presentation.pptx
+++ b/99_Thinktank/Talks/21-12-07_Kolloquium/CERED_Presentation.pptx
@@ -17,16 +17,17 @@
     <p:sldId id="262" r:id="rId11"/>
     <p:sldId id="263" r:id="rId12"/>
     <p:sldId id="267" r:id="rId13"/>
+    <p:sldId id="268" r:id="rId14"/>
   </p:sldIdLst>
   <p:sldSz cx="9144000" cy="5715000" type="screen16x10"/>
   <p:notesSz cx="6858000" cy="9144000"/>
   <p:embeddedFontLst>
     <p:embeddedFont>
       <p:font typeface="Open Sans" panose="020B0606030504020204" pitchFamily="34" charset="0"/>
-      <p:regular r:id="rId14"/>
-      <p:bold r:id="rId15"/>
-      <p:italic r:id="rId16"/>
-      <p:boldItalic r:id="rId17"/>
+      <p:regular r:id="rId15"/>
+      <p:bold r:id="rId16"/>
+      <p:italic r:id="rId17"/>
+      <p:boldItalic r:id="rId18"/>
     </p:embeddedFont>
   </p:embeddedFontLst>
   <p:defaultTextStyle>
@@ -3761,6 +3762,169 @@
 </p:sld>
 </file>
 
+<file path=ppt/slides/slide13.xml><?xml version="1.0" encoding="utf-8"?>
+<p:sld xmlns:a="http://schemas.openxmlformats.org/drawingml/2006/main" xmlns:r="http://schemas.openxmlformats.org/officeDocument/2006/relationships" xmlns:p="http://schemas.openxmlformats.org/presentationml/2006/main">
+  <p:cSld>
+    <p:spTree>
+      <p:nvGrpSpPr>
+        <p:cNvPr id="1" name=""/>
+        <p:cNvGrpSpPr/>
+        <p:nvPr/>
+      </p:nvGrpSpPr>
+      <p:grpSpPr>
+        <a:xfrm>
+          <a:off x="0" y="0"/>
+          <a:ext cx="0" cy="0"/>
+          <a:chOff x="0" y="0"/>
+          <a:chExt cx="0" cy="0"/>
+        </a:xfrm>
+      </p:grpSpPr>
+      <p:sp>
+        <p:nvSpPr>
+          <p:cNvPr id="2" name="Titel 1"/>
+          <p:cNvSpPr>
+            <a:spLocks noGrp="1"/>
+          </p:cNvSpPr>
+          <p:nvPr>
+            <p:ph type="title"/>
+          </p:nvPr>
+        </p:nvSpPr>
+        <p:spPr/>
+        <p:txBody>
+          <a:bodyPr/>
+          <a:lstStyle/>
+          <a:p>
+            <a:r>
+              <a:rPr lang="en-GB" dirty="0" smtClean="0"/>
+              <a:t>3. The study: Results of the pilot session </a:t>
+            </a:r>
+            <a:r>
+              <a:rPr lang="en-GB" dirty="0" smtClean="0"/>
+              <a:t>2</a:t>
+            </a:r>
+            <a:endParaRPr lang="en-GB" dirty="0"/>
+          </a:p>
+        </p:txBody>
+      </p:sp>
+      <p:sp>
+        <p:nvSpPr>
+          <p:cNvPr id="3" name="Inhaltsplatzhalter 2"/>
+          <p:cNvSpPr>
+            <a:spLocks noGrp="1"/>
+          </p:cNvSpPr>
+          <p:nvPr>
+            <p:ph sz="quarter" idx="10"/>
+          </p:nvPr>
+        </p:nvSpPr>
+        <p:spPr>
+          <a:xfrm>
+            <a:off x="656035" y="858574"/>
+            <a:ext cx="7935516" cy="3620823"/>
+          </a:xfrm>
+        </p:spPr>
+        <p:txBody>
+          <a:bodyPr/>
+          <a:lstStyle/>
+          <a:p>
+            <a:r>
+              <a:rPr lang="en-GB" sz="1400" b="1" dirty="0" smtClean="0"/>
+              <a:t>Was </a:t>
+            </a:r>
+            <a:r>
+              <a:rPr lang="en-GB" sz="1400" b="1" dirty="0" err="1" smtClean="0"/>
+              <a:t>fehlt</a:t>
+            </a:r>
+            <a:r>
+              <a:rPr lang="en-GB" sz="1400" b="1" dirty="0" smtClean="0"/>
+              <a:t> </a:t>
+            </a:r>
+            <a:r>
+              <a:rPr lang="en-GB" sz="1400" b="1" dirty="0" err="1" smtClean="0"/>
+              <a:t>noch</a:t>
+            </a:r>
+            <a:r>
+              <a:rPr lang="en-GB" sz="1400" b="1" dirty="0" smtClean="0"/>
+              <a:t>?</a:t>
+            </a:r>
+          </a:p>
+          <a:p>
+            <a:endParaRPr lang="en-GB" sz="1400" dirty="0"/>
+          </a:p>
+          <a:p>
+            <a:pPr marL="285750" indent="-285750">
+              <a:buFontTx/>
+              <a:buChar char="-"/>
+            </a:pPr>
+            <a:r>
+              <a:rPr lang="en-GB" sz="1400" dirty="0" smtClean="0"/>
+              <a:t>EMG </a:t>
+            </a:r>
+            <a:r>
+              <a:rPr lang="en-GB" sz="1400" dirty="0" err="1" smtClean="0"/>
+              <a:t>Ergebnisse</a:t>
+            </a:r>
+            <a:endParaRPr lang="en-GB" sz="1400" dirty="0" smtClean="0"/>
+          </a:p>
+          <a:p>
+            <a:pPr marL="285750" indent="-285750">
+              <a:buFontTx/>
+              <a:buChar char="-"/>
+            </a:pPr>
+            <a:endParaRPr lang="en-GB" sz="1400" u="sng" dirty="0"/>
+          </a:p>
+          <a:p>
+            <a:pPr marL="285750" indent="-285750">
+              <a:buFontTx/>
+              <a:buChar char="-"/>
+            </a:pPr>
+            <a:r>
+              <a:rPr lang="en-GB" sz="1400" dirty="0" smtClean="0"/>
+              <a:t>Multiples </a:t>
+            </a:r>
+            <a:r>
+              <a:rPr lang="en-GB" sz="1400" dirty="0" err="1" smtClean="0"/>
+              <a:t>lineares</a:t>
+            </a:r>
+            <a:r>
+              <a:rPr lang="en-GB" sz="1400" dirty="0" smtClean="0"/>
+              <a:t> Modell um SVs der </a:t>
+            </a:r>
+            <a:r>
+              <a:rPr lang="en-GB" sz="1400" dirty="0" err="1" smtClean="0"/>
+              <a:t>Strategien</a:t>
+            </a:r>
+            <a:r>
+              <a:rPr lang="en-GB" sz="1400" dirty="0" smtClean="0"/>
+              <a:t> </a:t>
+            </a:r>
+            <a:r>
+              <a:rPr lang="en-GB" sz="1400" dirty="0" err="1" smtClean="0"/>
+              <a:t>vorherzusagen</a:t>
+            </a:r>
+            <a:endParaRPr lang="en-GB" sz="1400" dirty="0" smtClean="0"/>
+          </a:p>
+        </p:txBody>
+      </p:sp>
+    </p:spTree>
+    <p:extLst>
+      <p:ext uri="{BB962C8B-B14F-4D97-AF65-F5344CB8AC3E}">
+        <p14:creationId xmlns:p14="http://schemas.microsoft.com/office/powerpoint/2010/main" val="801955661"/>
+      </p:ext>
+    </p:extLst>
+  </p:cSld>
+  <p:clrMapOvr>
+    <a:masterClrMapping/>
+  </p:clrMapOvr>
+  <p:timing>
+    <p:tnLst>
+      <p:par>
+        <p:cTn id="1" dur="indefinite" restart="never" nodeType="tmRoot"/>
+      </p:par>
+    </p:tnLst>
+  </p:timing>
+</p:sld>
+</file>
+
 <file path=ppt/slides/slide2.xml><?xml version="1.0" encoding="utf-8"?>
 <p:sld xmlns:a="http://schemas.openxmlformats.org/drawingml/2006/main" xmlns:r="http://schemas.openxmlformats.org/officeDocument/2006/relationships" xmlns:p="http://schemas.openxmlformats.org/presentationml/2006/main">
   <p:cSld>

--- a/99_Thinktank/Talks/21-12-07_Kolloquium/CERED_Presentation.pptx
+++ b/99_Thinktank/Talks/21-12-07_Kolloquium/CERED_Presentation.pptx
@@ -3591,11 +3591,7 @@
           <a:p>
             <a:r>
               <a:rPr lang="en-GB" dirty="0" smtClean="0"/>
-              <a:t>3. The study: Results of the pilot session </a:t>
-            </a:r>
-            <a:r>
-              <a:rPr lang="en-GB" dirty="0" smtClean="0"/>
-              <a:t>2</a:t>
+              <a:t>3. The study: Results of the pilot session 2</a:t>
             </a:r>
             <a:endParaRPr lang="en-GB" dirty="0"/>
           </a:p>
@@ -3634,7 +3630,6 @@
               <a:rPr lang="en-GB" sz="1400" u="sng" dirty="0" smtClean="0"/>
               <a:t>ER: Effort</a:t>
             </a:r>
-            <a:endParaRPr lang="en-GB" sz="1400" u="sng" dirty="0" smtClean="0"/>
           </a:p>
           <a:p>
             <a:pPr marL="285750" indent="-285750">
@@ -3735,7 +3730,6 @@
               <a:rPr lang="en-GB" sz="1400" dirty="0" smtClean="0"/>
               <a:t> war</a:t>
             </a:r>
-            <a:endParaRPr lang="en-GB" sz="1400" dirty="0" smtClean="0"/>
           </a:p>
           <a:p>
             <a:endParaRPr lang="en-GB" sz="1400" u="sng" dirty="0" smtClean="0"/>
@@ -3796,11 +3790,7 @@
           <a:p>
             <a:r>
               <a:rPr lang="en-GB" dirty="0" smtClean="0"/>
-              <a:t>3. The study: Results of the pilot session </a:t>
-            </a:r>
-            <a:r>
-              <a:rPr lang="en-GB" dirty="0" smtClean="0"/>
-              <a:t>2</a:t>
+              <a:t>3. The study: Results of the pilot session 2</a:t>
             </a:r>
             <a:endParaRPr lang="en-GB" dirty="0"/>
           </a:p>
@@ -15567,12 +15557,20 @@
           <a:p>
             <a:pPr algn="ctr"/>
             <a:r>
+              <a:rPr lang="en-GB" sz="1200" dirty="0">
+                <a:solidFill>
+                  <a:schemeClr val="tx1"/>
+                </a:solidFill>
+              </a:rPr>
+              <a:t>1</a:t>
+            </a:r>
+            <a:r>
               <a:rPr lang="en-GB" sz="1200" dirty="0" smtClean="0">
                 <a:solidFill>
                   <a:schemeClr val="tx1"/>
                 </a:solidFill>
               </a:rPr>
-              <a:t>200 </a:t>
+              <a:t>00 </a:t>
             </a:r>
             <a:r>
               <a:rPr lang="en-GB" sz="1200" dirty="0" err="1" smtClean="0">

--- a/99_Thinktank/Talks/21-12-07_Kolloquium/CERED_Presentation.pptx
+++ b/99_Thinktank/Talks/21-12-07_Kolloquium/CERED_Presentation.pptx
@@ -4520,6 +4520,13 @@
   <p:clrMapOvr>
     <a:masterClrMapping/>
   </p:clrMapOvr>
+  <p:timing>
+    <p:tnLst>
+      <p:par>
+        <p:cTn id="1" dur="indefinite" restart="never" nodeType="tmRoot"/>
+      </p:par>
+    </p:tnLst>
+  </p:timing>
 </p:sld>
 </file>
 
@@ -8787,522 +8794,6 @@
           </a:p>
         </p:txBody>
       </p:sp>
-      <p:grpSp>
-        <p:nvGrpSpPr>
-          <p:cNvPr id="139" name="Gruppieren 138"/>
-          <p:cNvGrpSpPr/>
-          <p:nvPr/>
-        </p:nvGrpSpPr>
-        <p:grpSpPr>
-          <a:xfrm>
-            <a:off x="2528421" y="1456765"/>
-            <a:ext cx="1452282" cy="815788"/>
-            <a:chOff x="2528421" y="1456765"/>
-            <a:chExt cx="1452282" cy="815788"/>
-          </a:xfrm>
-        </p:grpSpPr>
-        <p:cxnSp>
-          <p:nvCxnSpPr>
-            <p:cNvPr id="84" name="Gerader Verbinder 83"/>
-            <p:cNvCxnSpPr>
-              <a:stCxn id="75" idx="1"/>
-              <a:endCxn id="75" idx="2"/>
-            </p:cNvCxnSpPr>
-            <p:nvPr/>
-          </p:nvCxnSpPr>
-          <p:spPr>
-            <a:xfrm>
-              <a:off x="2528421" y="1456765"/>
-              <a:ext cx="493058" cy="138953"/>
-            </a:xfrm>
-            <a:prstGeom prst="line">
-              <a:avLst/>
-            </a:prstGeom>
-            <a:ln w="57150">
-              <a:solidFill>
-                <a:srgbClr val="FF0000"/>
-              </a:solidFill>
-            </a:ln>
-          </p:spPr>
-          <p:style>
-            <a:lnRef idx="1">
-              <a:schemeClr val="accent1"/>
-            </a:lnRef>
-            <a:fillRef idx="0">
-              <a:schemeClr val="accent1"/>
-            </a:fillRef>
-            <a:effectRef idx="0">
-              <a:schemeClr val="accent1"/>
-            </a:effectRef>
-            <a:fontRef idx="minor">
-              <a:schemeClr val="tx1"/>
-            </a:fontRef>
-          </p:style>
-        </p:cxnSp>
-        <p:cxnSp>
-          <p:nvCxnSpPr>
-            <p:cNvPr id="86" name="Gerader Verbinder 85"/>
-            <p:cNvCxnSpPr>
-              <a:stCxn id="75" idx="2"/>
-              <a:endCxn id="75" idx="3"/>
-            </p:cNvCxnSpPr>
-            <p:nvPr/>
-          </p:nvCxnSpPr>
-          <p:spPr>
-            <a:xfrm>
-              <a:off x="3021479" y="1595718"/>
-              <a:ext cx="479612" cy="497541"/>
-            </a:xfrm>
-            <a:prstGeom prst="line">
-              <a:avLst/>
-            </a:prstGeom>
-            <a:ln w="57150">
-              <a:solidFill>
-                <a:srgbClr val="FF0000"/>
-              </a:solidFill>
-            </a:ln>
-          </p:spPr>
-          <p:style>
-            <a:lnRef idx="1">
-              <a:schemeClr val="accent1"/>
-            </a:lnRef>
-            <a:fillRef idx="0">
-              <a:schemeClr val="accent1"/>
-            </a:fillRef>
-            <a:effectRef idx="0">
-              <a:schemeClr val="accent1"/>
-            </a:effectRef>
-            <a:fontRef idx="minor">
-              <a:schemeClr val="tx1"/>
-            </a:fontRef>
-          </p:style>
-        </p:cxnSp>
-        <p:cxnSp>
-          <p:nvCxnSpPr>
-            <p:cNvPr id="89" name="Gerader Verbinder 88"/>
-            <p:cNvCxnSpPr>
-              <a:stCxn id="75" idx="3"/>
-              <a:endCxn id="75" idx="4"/>
-            </p:cNvCxnSpPr>
-            <p:nvPr/>
-          </p:nvCxnSpPr>
-          <p:spPr>
-            <a:xfrm>
-              <a:off x="3501091" y="2093259"/>
-              <a:ext cx="479612" cy="179294"/>
-            </a:xfrm>
-            <a:prstGeom prst="line">
-              <a:avLst/>
-            </a:prstGeom>
-            <a:ln w="57150">
-              <a:solidFill>
-                <a:srgbClr val="FF0000"/>
-              </a:solidFill>
-            </a:ln>
-          </p:spPr>
-          <p:style>
-            <a:lnRef idx="1">
-              <a:schemeClr val="accent1"/>
-            </a:lnRef>
-            <a:fillRef idx="0">
-              <a:schemeClr val="accent1"/>
-            </a:fillRef>
-            <a:effectRef idx="0">
-              <a:schemeClr val="accent1"/>
-            </a:effectRef>
-            <a:fontRef idx="minor">
-              <a:schemeClr val="tx1"/>
-            </a:fontRef>
-          </p:style>
-        </p:cxnSp>
-      </p:grpSp>
-      <p:grpSp>
-        <p:nvGrpSpPr>
-          <p:cNvPr id="140" name="Gruppieren 139"/>
-          <p:cNvGrpSpPr/>
-          <p:nvPr/>
-        </p:nvGrpSpPr>
-        <p:grpSpPr>
-          <a:xfrm>
-            <a:off x="2537949" y="3363682"/>
-            <a:ext cx="1452282" cy="815788"/>
-            <a:chOff x="2537949" y="3363682"/>
-            <a:chExt cx="1452282" cy="815788"/>
-          </a:xfrm>
-        </p:grpSpPr>
-        <p:cxnSp>
-          <p:nvCxnSpPr>
-            <p:cNvPr id="92" name="Gerader Verbinder 91"/>
-            <p:cNvCxnSpPr>
-              <a:stCxn id="76" idx="1"/>
-              <a:endCxn id="76" idx="2"/>
-            </p:cNvCxnSpPr>
-            <p:nvPr/>
-          </p:nvCxnSpPr>
-          <p:spPr>
-            <a:xfrm flipH="1">
-              <a:off x="3497173" y="3363682"/>
-              <a:ext cx="493058" cy="138953"/>
-            </a:xfrm>
-            <a:prstGeom prst="line">
-              <a:avLst/>
-            </a:prstGeom>
-            <a:ln w="57150">
-              <a:solidFill>
-                <a:srgbClr val="FF0000"/>
-              </a:solidFill>
-            </a:ln>
-          </p:spPr>
-          <p:style>
-            <a:lnRef idx="1">
-              <a:schemeClr val="accent1"/>
-            </a:lnRef>
-            <a:fillRef idx="0">
-              <a:schemeClr val="accent1"/>
-            </a:fillRef>
-            <a:effectRef idx="0">
-              <a:schemeClr val="accent1"/>
-            </a:effectRef>
-            <a:fontRef idx="minor">
-              <a:schemeClr val="tx1"/>
-            </a:fontRef>
-          </p:style>
-        </p:cxnSp>
-        <p:cxnSp>
-          <p:nvCxnSpPr>
-            <p:cNvPr id="95" name="Gerader Verbinder 94"/>
-            <p:cNvCxnSpPr>
-              <a:stCxn id="76" idx="3"/>
-              <a:endCxn id="76" idx="2"/>
-            </p:cNvCxnSpPr>
-            <p:nvPr/>
-          </p:nvCxnSpPr>
-          <p:spPr>
-            <a:xfrm flipV="1">
-              <a:off x="3017561" y="3502635"/>
-              <a:ext cx="479612" cy="497541"/>
-            </a:xfrm>
-            <a:prstGeom prst="line">
-              <a:avLst/>
-            </a:prstGeom>
-            <a:ln w="57150">
-              <a:solidFill>
-                <a:srgbClr val="FF0000"/>
-              </a:solidFill>
-            </a:ln>
-          </p:spPr>
-          <p:style>
-            <a:lnRef idx="1">
-              <a:schemeClr val="accent1"/>
-            </a:lnRef>
-            <a:fillRef idx="0">
-              <a:schemeClr val="accent1"/>
-            </a:fillRef>
-            <a:effectRef idx="0">
-              <a:schemeClr val="accent1"/>
-            </a:effectRef>
-            <a:fontRef idx="minor">
-              <a:schemeClr val="tx1"/>
-            </a:fontRef>
-          </p:style>
-        </p:cxnSp>
-        <p:cxnSp>
-          <p:nvCxnSpPr>
-            <p:cNvPr id="98" name="Gerader Verbinder 97"/>
-            <p:cNvCxnSpPr>
-              <a:stCxn id="76" idx="4"/>
-              <a:endCxn id="76" idx="3"/>
-            </p:cNvCxnSpPr>
-            <p:nvPr/>
-          </p:nvCxnSpPr>
-          <p:spPr>
-            <a:xfrm flipV="1">
-              <a:off x="2537949" y="4000176"/>
-              <a:ext cx="479612" cy="179294"/>
-            </a:xfrm>
-            <a:prstGeom prst="line">
-              <a:avLst/>
-            </a:prstGeom>
-            <a:ln w="57150">
-              <a:solidFill>
-                <a:srgbClr val="FF0000"/>
-              </a:solidFill>
-            </a:ln>
-          </p:spPr>
-          <p:style>
-            <a:lnRef idx="1">
-              <a:schemeClr val="accent1"/>
-            </a:lnRef>
-            <a:fillRef idx="0">
-              <a:schemeClr val="accent1"/>
-            </a:fillRef>
-            <a:effectRef idx="0">
-              <a:schemeClr val="accent1"/>
-            </a:effectRef>
-            <a:fontRef idx="minor">
-              <a:schemeClr val="tx1"/>
-            </a:fontRef>
-          </p:style>
-        </p:cxnSp>
-      </p:grpSp>
-      <p:grpSp>
-        <p:nvGrpSpPr>
-          <p:cNvPr id="141" name="Gruppieren 140"/>
-          <p:cNvGrpSpPr/>
-          <p:nvPr/>
-        </p:nvGrpSpPr>
-        <p:grpSpPr>
-          <a:xfrm>
-            <a:off x="5125720" y="2011680"/>
-            <a:ext cx="1437640" cy="325120"/>
-            <a:chOff x="5125720" y="2011680"/>
-            <a:chExt cx="1437640" cy="325120"/>
-          </a:xfrm>
-        </p:grpSpPr>
-        <p:cxnSp>
-          <p:nvCxnSpPr>
-            <p:cNvPr id="103" name="Gerader Verbinder 102"/>
-            <p:cNvCxnSpPr>
-              <a:stCxn id="81" idx="2"/>
-              <a:endCxn id="81" idx="1"/>
-            </p:cNvCxnSpPr>
-            <p:nvPr/>
-          </p:nvCxnSpPr>
-          <p:spPr>
-            <a:xfrm flipH="1" flipV="1">
-              <a:off x="5125720" y="2011680"/>
-              <a:ext cx="492760" cy="76200"/>
-            </a:xfrm>
-            <a:prstGeom prst="line">
-              <a:avLst/>
-            </a:prstGeom>
-            <a:ln w="57150">
-              <a:solidFill>
-                <a:srgbClr val="FF0000"/>
-              </a:solidFill>
-            </a:ln>
-          </p:spPr>
-          <p:style>
-            <a:lnRef idx="1">
-              <a:schemeClr val="accent1"/>
-            </a:lnRef>
-            <a:fillRef idx="0">
-              <a:schemeClr val="accent1"/>
-            </a:fillRef>
-            <a:effectRef idx="0">
-              <a:schemeClr val="accent1"/>
-            </a:effectRef>
-            <a:fontRef idx="minor">
-              <a:schemeClr val="tx1"/>
-            </a:fontRef>
-          </p:style>
-        </p:cxnSp>
-        <p:cxnSp>
-          <p:nvCxnSpPr>
-            <p:cNvPr id="106" name="Gerader Verbinder 105"/>
-            <p:cNvCxnSpPr>
-              <a:stCxn id="81" idx="3"/>
-              <a:endCxn id="81" idx="2"/>
-            </p:cNvCxnSpPr>
-            <p:nvPr/>
-          </p:nvCxnSpPr>
-          <p:spPr>
-            <a:xfrm flipH="1" flipV="1">
-              <a:off x="5618480" y="2087880"/>
-              <a:ext cx="462280" cy="76200"/>
-            </a:xfrm>
-            <a:prstGeom prst="line">
-              <a:avLst/>
-            </a:prstGeom>
-            <a:ln w="57150">
-              <a:solidFill>
-                <a:srgbClr val="FF0000"/>
-              </a:solidFill>
-            </a:ln>
-          </p:spPr>
-          <p:style>
-            <a:lnRef idx="1">
-              <a:schemeClr val="accent1"/>
-            </a:lnRef>
-            <a:fillRef idx="0">
-              <a:schemeClr val="accent1"/>
-            </a:fillRef>
-            <a:effectRef idx="0">
-              <a:schemeClr val="accent1"/>
-            </a:effectRef>
-            <a:fontRef idx="minor">
-              <a:schemeClr val="tx1"/>
-            </a:fontRef>
-          </p:style>
-        </p:cxnSp>
-        <p:cxnSp>
-          <p:nvCxnSpPr>
-            <p:cNvPr id="109" name="Gerader Verbinder 108"/>
-            <p:cNvCxnSpPr>
-              <a:stCxn id="81" idx="4"/>
-              <a:endCxn id="81" idx="3"/>
-            </p:cNvCxnSpPr>
-            <p:nvPr/>
-          </p:nvCxnSpPr>
-          <p:spPr>
-            <a:xfrm flipH="1" flipV="1">
-              <a:off x="6080760" y="2164080"/>
-              <a:ext cx="482600" cy="172720"/>
-            </a:xfrm>
-            <a:prstGeom prst="line">
-              <a:avLst/>
-            </a:prstGeom>
-            <a:ln w="57150">
-              <a:solidFill>
-                <a:srgbClr val="FF0000"/>
-              </a:solidFill>
-            </a:ln>
-          </p:spPr>
-          <p:style>
-            <a:lnRef idx="1">
-              <a:schemeClr val="accent1"/>
-            </a:lnRef>
-            <a:fillRef idx="0">
-              <a:schemeClr val="accent1"/>
-            </a:fillRef>
-            <a:effectRef idx="0">
-              <a:schemeClr val="accent1"/>
-            </a:effectRef>
-            <a:fontRef idx="minor">
-              <a:schemeClr val="tx1"/>
-            </a:fontRef>
-          </p:style>
-        </p:cxnSp>
-      </p:grpSp>
-      <p:grpSp>
-        <p:nvGrpSpPr>
-          <p:cNvPr id="142" name="Gruppieren 141"/>
-          <p:cNvGrpSpPr/>
-          <p:nvPr/>
-        </p:nvGrpSpPr>
-        <p:grpSpPr>
-          <a:xfrm>
-            <a:off x="5135880" y="3413760"/>
-            <a:ext cx="1437640" cy="335280"/>
-            <a:chOff x="5135880" y="3413760"/>
-            <a:chExt cx="1437640" cy="335280"/>
-          </a:xfrm>
-        </p:grpSpPr>
-        <p:cxnSp>
-          <p:nvCxnSpPr>
-            <p:cNvPr id="112" name="Gerader Verbinder 111"/>
-            <p:cNvCxnSpPr>
-              <a:stCxn id="82" idx="2"/>
-              <a:endCxn id="82" idx="1"/>
-            </p:cNvCxnSpPr>
-            <p:nvPr/>
-          </p:nvCxnSpPr>
-          <p:spPr>
-            <a:xfrm flipH="1" flipV="1">
-              <a:off x="5135880" y="3413760"/>
-              <a:ext cx="472440" cy="66040"/>
-            </a:xfrm>
-            <a:prstGeom prst="line">
-              <a:avLst/>
-            </a:prstGeom>
-            <a:ln w="57150">
-              <a:solidFill>
-                <a:srgbClr val="FF0000"/>
-              </a:solidFill>
-            </a:ln>
-          </p:spPr>
-          <p:style>
-            <a:lnRef idx="1">
-              <a:schemeClr val="accent1"/>
-            </a:lnRef>
-            <a:fillRef idx="0">
-              <a:schemeClr val="accent1"/>
-            </a:fillRef>
-            <a:effectRef idx="0">
-              <a:schemeClr val="accent1"/>
-            </a:effectRef>
-            <a:fontRef idx="minor">
-              <a:schemeClr val="tx1"/>
-            </a:fontRef>
-          </p:style>
-        </p:cxnSp>
-        <p:cxnSp>
-          <p:nvCxnSpPr>
-            <p:cNvPr id="115" name="Gerader Verbinder 114"/>
-            <p:cNvCxnSpPr>
-              <a:stCxn id="82" idx="3"/>
-              <a:endCxn id="82" idx="2"/>
-            </p:cNvCxnSpPr>
-            <p:nvPr/>
-          </p:nvCxnSpPr>
-          <p:spPr>
-            <a:xfrm flipH="1" flipV="1">
-              <a:off x="5608320" y="3479800"/>
-              <a:ext cx="477520" cy="81280"/>
-            </a:xfrm>
-            <a:prstGeom prst="line">
-              <a:avLst/>
-            </a:prstGeom>
-            <a:ln w="57150">
-              <a:solidFill>
-                <a:srgbClr val="FF0000"/>
-              </a:solidFill>
-            </a:ln>
-          </p:spPr>
-          <p:style>
-            <a:lnRef idx="1">
-              <a:schemeClr val="accent1"/>
-            </a:lnRef>
-            <a:fillRef idx="0">
-              <a:schemeClr val="accent1"/>
-            </a:fillRef>
-            <a:effectRef idx="0">
-              <a:schemeClr val="accent1"/>
-            </a:effectRef>
-            <a:fontRef idx="minor">
-              <a:schemeClr val="tx1"/>
-            </a:fontRef>
-          </p:style>
-        </p:cxnSp>
-        <p:cxnSp>
-          <p:nvCxnSpPr>
-            <p:cNvPr id="118" name="Gerader Verbinder 117"/>
-            <p:cNvCxnSpPr>
-              <a:stCxn id="82" idx="4"/>
-              <a:endCxn id="82" idx="3"/>
-            </p:cNvCxnSpPr>
-            <p:nvPr/>
-          </p:nvCxnSpPr>
-          <p:spPr>
-            <a:xfrm flipH="1" flipV="1">
-              <a:off x="6085840" y="3561080"/>
-              <a:ext cx="487680" cy="187960"/>
-            </a:xfrm>
-            <a:prstGeom prst="line">
-              <a:avLst/>
-            </a:prstGeom>
-            <a:ln w="57150">
-              <a:solidFill>
-                <a:srgbClr val="FF0000"/>
-              </a:solidFill>
-            </a:ln>
-          </p:spPr>
-          <p:style>
-            <a:lnRef idx="1">
-              <a:schemeClr val="accent1"/>
-            </a:lnRef>
-            <a:fillRef idx="0">
-              <a:schemeClr val="accent1"/>
-            </a:fillRef>
-            <a:effectRef idx="0">
-              <a:schemeClr val="accent1"/>
-            </a:effectRef>
-            <a:fontRef idx="minor">
-              <a:schemeClr val="tx1"/>
-            </a:fontRef>
-          </p:style>
-        </p:cxnSp>
-      </p:grpSp>
       <p:sp>
         <p:nvSpPr>
           <p:cNvPr id="124" name="Rechteck 123"/>
@@ -10358,6 +9849,658 @@
               <a:t>AUC</a:t>
             </a:r>
             <a:endParaRPr lang="en-GB" dirty="0"/>
+          </a:p>
+        </p:txBody>
+      </p:sp>
+      <p:cxnSp>
+        <p:nvCxnSpPr>
+          <p:cNvPr id="5" name="Gerader Verbinder 4"/>
+          <p:cNvCxnSpPr/>
+          <p:nvPr/>
+        </p:nvCxnSpPr>
+        <p:spPr>
+          <a:xfrm flipV="1">
+            <a:off x="4214164" y="1489326"/>
+            <a:ext cx="0" cy="756000"/>
+          </a:xfrm>
+          <a:prstGeom prst="line">
+            <a:avLst/>
+          </a:prstGeom>
+          <a:ln w="19050">
+            <a:solidFill>
+              <a:srgbClr val="FF0000"/>
+            </a:solidFill>
+            <a:headEnd type="triangle" w="med" len="med"/>
+            <a:tailEnd type="triangle" w="med" len="med"/>
+          </a:ln>
+        </p:spPr>
+        <p:style>
+          <a:lnRef idx="1">
+            <a:schemeClr val="accent1"/>
+          </a:lnRef>
+          <a:fillRef idx="0">
+            <a:schemeClr val="accent1"/>
+          </a:fillRef>
+          <a:effectRef idx="0">
+            <a:schemeClr val="accent1"/>
+          </a:effectRef>
+          <a:fontRef idx="minor">
+            <a:schemeClr val="tx1"/>
+          </a:fontRef>
+        </p:style>
+      </p:cxnSp>
+      <p:cxnSp>
+        <p:nvCxnSpPr>
+          <p:cNvPr id="87" name="Gerader Verbinder 86"/>
+          <p:cNvCxnSpPr/>
+          <p:nvPr/>
+        </p:nvCxnSpPr>
+        <p:spPr>
+          <a:xfrm flipH="1" flipV="1">
+            <a:off x="6812112" y="2025524"/>
+            <a:ext cx="0" cy="288000"/>
+          </a:xfrm>
+          <a:prstGeom prst="line">
+            <a:avLst/>
+          </a:prstGeom>
+          <a:ln w="19050">
+            <a:solidFill>
+              <a:srgbClr val="FF0000"/>
+            </a:solidFill>
+            <a:headEnd type="triangle" w="med" len="med"/>
+            <a:tailEnd type="triangle" w="med" len="med"/>
+          </a:ln>
+        </p:spPr>
+        <p:style>
+          <a:lnRef idx="1">
+            <a:schemeClr val="accent1"/>
+          </a:lnRef>
+          <a:fillRef idx="0">
+            <a:schemeClr val="accent1"/>
+          </a:fillRef>
+          <a:effectRef idx="0">
+            <a:schemeClr val="accent1"/>
+          </a:effectRef>
+          <a:fontRef idx="minor">
+            <a:schemeClr val="tx1"/>
+          </a:fontRef>
+        </p:style>
+      </p:cxnSp>
+      <p:cxnSp>
+        <p:nvCxnSpPr>
+          <p:cNvPr id="90" name="Gerader Verbinder 89"/>
+          <p:cNvCxnSpPr>
+            <a:stCxn id="75" idx="1"/>
+          </p:cNvCxnSpPr>
+          <p:nvPr/>
+        </p:nvCxnSpPr>
+        <p:spPr>
+          <a:xfrm>
+            <a:off x="2528421" y="1456765"/>
+            <a:ext cx="1802730" cy="0"/>
+          </a:xfrm>
+          <a:prstGeom prst="line">
+            <a:avLst/>
+          </a:prstGeom>
+          <a:ln w="19050">
+            <a:solidFill>
+              <a:srgbClr val="FF0000"/>
+            </a:solidFill>
+            <a:headEnd type="none" w="med" len="med"/>
+            <a:tailEnd type="none" w="med" len="med"/>
+          </a:ln>
+        </p:spPr>
+        <p:style>
+          <a:lnRef idx="1">
+            <a:schemeClr val="accent1"/>
+          </a:lnRef>
+          <a:fillRef idx="0">
+            <a:schemeClr val="accent1"/>
+          </a:fillRef>
+          <a:effectRef idx="0">
+            <a:schemeClr val="accent1"/>
+          </a:effectRef>
+          <a:fontRef idx="minor">
+            <a:schemeClr val="tx1"/>
+          </a:fontRef>
+        </p:style>
+      </p:cxnSp>
+      <p:cxnSp>
+        <p:nvCxnSpPr>
+          <p:cNvPr id="93" name="Gerader Verbinder 92"/>
+          <p:cNvCxnSpPr>
+            <a:stCxn id="75" idx="4"/>
+          </p:cNvCxnSpPr>
+          <p:nvPr/>
+        </p:nvCxnSpPr>
+        <p:spPr>
+          <a:xfrm flipV="1">
+            <a:off x="3980703" y="2270221"/>
+            <a:ext cx="350448" cy="0"/>
+          </a:xfrm>
+          <a:prstGeom prst="line">
+            <a:avLst/>
+          </a:prstGeom>
+          <a:ln w="19050">
+            <a:solidFill>
+              <a:srgbClr val="FF0000"/>
+            </a:solidFill>
+            <a:headEnd type="none" w="med" len="med"/>
+            <a:tailEnd type="none" w="med" len="med"/>
+          </a:ln>
+        </p:spPr>
+        <p:style>
+          <a:lnRef idx="1">
+            <a:schemeClr val="accent1"/>
+          </a:lnRef>
+          <a:fillRef idx="0">
+            <a:schemeClr val="accent1"/>
+          </a:fillRef>
+          <a:effectRef idx="0">
+            <a:schemeClr val="accent1"/>
+          </a:effectRef>
+          <a:fontRef idx="minor">
+            <a:schemeClr val="tx1"/>
+          </a:fontRef>
+        </p:style>
+      </p:cxnSp>
+      <p:cxnSp>
+        <p:nvCxnSpPr>
+          <p:cNvPr id="96" name="Gerader Verbinder 95"/>
+          <p:cNvCxnSpPr/>
+          <p:nvPr/>
+        </p:nvCxnSpPr>
+        <p:spPr>
+          <a:xfrm flipV="1">
+            <a:off x="4214164" y="3382585"/>
+            <a:ext cx="0" cy="756000"/>
+          </a:xfrm>
+          <a:prstGeom prst="line">
+            <a:avLst/>
+          </a:prstGeom>
+          <a:ln w="19050">
+            <a:solidFill>
+              <a:srgbClr val="FF0000"/>
+            </a:solidFill>
+            <a:headEnd type="triangle" w="med" len="med"/>
+            <a:tailEnd type="triangle" w="med" len="med"/>
+          </a:ln>
+        </p:spPr>
+        <p:style>
+          <a:lnRef idx="1">
+            <a:schemeClr val="accent1"/>
+          </a:lnRef>
+          <a:fillRef idx="0">
+            <a:schemeClr val="accent1"/>
+          </a:fillRef>
+          <a:effectRef idx="0">
+            <a:schemeClr val="accent1"/>
+          </a:effectRef>
+          <a:fontRef idx="minor">
+            <a:schemeClr val="tx1"/>
+          </a:fontRef>
+        </p:style>
+      </p:cxnSp>
+      <p:cxnSp>
+        <p:nvCxnSpPr>
+          <p:cNvPr id="97" name="Gerader Verbinder 96"/>
+          <p:cNvCxnSpPr>
+            <a:stCxn id="76" idx="4"/>
+          </p:cNvCxnSpPr>
+          <p:nvPr/>
+        </p:nvCxnSpPr>
+        <p:spPr>
+          <a:xfrm flipV="1">
+            <a:off x="2537949" y="4169158"/>
+            <a:ext cx="1793202" cy="0"/>
+          </a:xfrm>
+          <a:prstGeom prst="line">
+            <a:avLst/>
+          </a:prstGeom>
+          <a:ln w="19050">
+            <a:solidFill>
+              <a:srgbClr val="FF0000"/>
+            </a:solidFill>
+            <a:headEnd type="none" w="med" len="med"/>
+            <a:tailEnd type="none" w="med" len="med"/>
+          </a:ln>
+        </p:spPr>
+        <p:style>
+          <a:lnRef idx="1">
+            <a:schemeClr val="accent1"/>
+          </a:lnRef>
+          <a:fillRef idx="0">
+            <a:schemeClr val="accent1"/>
+          </a:fillRef>
+          <a:effectRef idx="0">
+            <a:schemeClr val="accent1"/>
+          </a:effectRef>
+          <a:fontRef idx="minor">
+            <a:schemeClr val="tx1"/>
+          </a:fontRef>
+        </p:style>
+      </p:cxnSp>
+      <p:cxnSp>
+        <p:nvCxnSpPr>
+          <p:cNvPr id="99" name="Gerader Verbinder 98"/>
+          <p:cNvCxnSpPr>
+            <a:stCxn id="43" idx="0"/>
+          </p:cNvCxnSpPr>
+          <p:nvPr/>
+        </p:nvCxnSpPr>
+        <p:spPr>
+          <a:xfrm>
+            <a:off x="3979672" y="3361163"/>
+            <a:ext cx="351479" cy="0"/>
+          </a:xfrm>
+          <a:prstGeom prst="line">
+            <a:avLst/>
+          </a:prstGeom>
+          <a:ln w="19050">
+            <a:solidFill>
+              <a:srgbClr val="FF0000"/>
+            </a:solidFill>
+            <a:headEnd type="none" w="med" len="med"/>
+            <a:tailEnd type="none" w="med" len="med"/>
+          </a:ln>
+        </p:spPr>
+        <p:style>
+          <a:lnRef idx="1">
+            <a:schemeClr val="accent1"/>
+          </a:lnRef>
+          <a:fillRef idx="0">
+            <a:schemeClr val="accent1"/>
+          </a:fillRef>
+          <a:effectRef idx="0">
+            <a:schemeClr val="accent1"/>
+          </a:effectRef>
+          <a:fontRef idx="minor">
+            <a:schemeClr val="tx1"/>
+          </a:fontRef>
+        </p:style>
+      </p:cxnSp>
+      <p:cxnSp>
+        <p:nvCxnSpPr>
+          <p:cNvPr id="101" name="Gerader Verbinder 100"/>
+          <p:cNvCxnSpPr>
+            <a:stCxn id="81" idx="1"/>
+          </p:cNvCxnSpPr>
+          <p:nvPr/>
+        </p:nvCxnSpPr>
+        <p:spPr>
+          <a:xfrm>
+            <a:off x="5125720" y="2011680"/>
+            <a:ext cx="1798633" cy="0"/>
+          </a:xfrm>
+          <a:prstGeom prst="line">
+            <a:avLst/>
+          </a:prstGeom>
+          <a:ln w="19050">
+            <a:solidFill>
+              <a:srgbClr val="FF0000"/>
+            </a:solidFill>
+            <a:headEnd type="none" w="med" len="med"/>
+            <a:tailEnd type="none" w="med" len="med"/>
+          </a:ln>
+        </p:spPr>
+        <p:style>
+          <a:lnRef idx="1">
+            <a:schemeClr val="accent1"/>
+          </a:lnRef>
+          <a:fillRef idx="0">
+            <a:schemeClr val="accent1"/>
+          </a:fillRef>
+          <a:effectRef idx="0">
+            <a:schemeClr val="accent1"/>
+          </a:effectRef>
+          <a:fontRef idx="minor">
+            <a:schemeClr val="tx1"/>
+          </a:fontRef>
+        </p:style>
+      </p:cxnSp>
+      <p:cxnSp>
+        <p:nvCxnSpPr>
+          <p:cNvPr id="104" name="Gerader Verbinder 103"/>
+          <p:cNvCxnSpPr>
+            <a:stCxn id="74" idx="0"/>
+          </p:cNvCxnSpPr>
+          <p:nvPr/>
+        </p:nvCxnSpPr>
+        <p:spPr>
+          <a:xfrm>
+            <a:off x="6569020" y="2335502"/>
+            <a:ext cx="355333" cy="0"/>
+          </a:xfrm>
+          <a:prstGeom prst="line">
+            <a:avLst/>
+          </a:prstGeom>
+          <a:ln w="19050">
+            <a:solidFill>
+              <a:srgbClr val="FF0000"/>
+            </a:solidFill>
+            <a:headEnd type="none" w="med" len="med"/>
+            <a:tailEnd type="none" w="med" len="med"/>
+          </a:ln>
+        </p:spPr>
+        <p:style>
+          <a:lnRef idx="1">
+            <a:schemeClr val="accent1"/>
+          </a:lnRef>
+          <a:fillRef idx="0">
+            <a:schemeClr val="accent1"/>
+          </a:fillRef>
+          <a:effectRef idx="0">
+            <a:schemeClr val="accent1"/>
+          </a:effectRef>
+          <a:fontRef idx="minor">
+            <a:schemeClr val="tx1"/>
+          </a:fontRef>
+        </p:style>
+      </p:cxnSp>
+      <p:cxnSp>
+        <p:nvCxnSpPr>
+          <p:cNvPr id="107" name="Gerader Verbinder 106"/>
+          <p:cNvCxnSpPr>
+            <a:stCxn id="82" idx="1"/>
+          </p:cNvCxnSpPr>
+          <p:nvPr/>
+        </p:nvCxnSpPr>
+        <p:spPr>
+          <a:xfrm>
+            <a:off x="5135880" y="3413760"/>
+            <a:ext cx="1788473" cy="0"/>
+          </a:xfrm>
+          <a:prstGeom prst="line">
+            <a:avLst/>
+          </a:prstGeom>
+          <a:ln w="19050">
+            <a:solidFill>
+              <a:srgbClr val="FF0000"/>
+            </a:solidFill>
+            <a:headEnd type="none" w="med" len="med"/>
+            <a:tailEnd type="none" w="med" len="med"/>
+          </a:ln>
+        </p:spPr>
+        <p:style>
+          <a:lnRef idx="1">
+            <a:schemeClr val="accent1"/>
+          </a:lnRef>
+          <a:fillRef idx="0">
+            <a:schemeClr val="accent1"/>
+          </a:fillRef>
+          <a:effectRef idx="0">
+            <a:schemeClr val="accent1"/>
+          </a:effectRef>
+          <a:fontRef idx="minor">
+            <a:schemeClr val="tx1"/>
+          </a:fontRef>
+        </p:style>
+      </p:cxnSp>
+      <p:cxnSp>
+        <p:nvCxnSpPr>
+          <p:cNvPr id="110" name="Gerader Verbinder 109"/>
+          <p:cNvCxnSpPr>
+            <a:stCxn id="59" idx="0"/>
+          </p:cNvCxnSpPr>
+          <p:nvPr/>
+        </p:nvCxnSpPr>
+        <p:spPr>
+          <a:xfrm>
+            <a:off x="6569020" y="3738630"/>
+            <a:ext cx="355333" cy="10410"/>
+          </a:xfrm>
+          <a:prstGeom prst="line">
+            <a:avLst/>
+          </a:prstGeom>
+          <a:ln w="19050">
+            <a:solidFill>
+              <a:srgbClr val="FF0000"/>
+            </a:solidFill>
+            <a:headEnd type="none" w="med" len="med"/>
+            <a:tailEnd type="none" w="med" len="med"/>
+          </a:ln>
+        </p:spPr>
+        <p:style>
+          <a:lnRef idx="1">
+            <a:schemeClr val="accent1"/>
+          </a:lnRef>
+          <a:fillRef idx="0">
+            <a:schemeClr val="accent1"/>
+          </a:fillRef>
+          <a:effectRef idx="0">
+            <a:schemeClr val="accent1"/>
+          </a:effectRef>
+          <a:fontRef idx="minor">
+            <a:schemeClr val="tx1"/>
+          </a:fontRef>
+        </p:style>
+      </p:cxnSp>
+      <p:cxnSp>
+        <p:nvCxnSpPr>
+          <p:cNvPr id="113" name="Gerader Verbinder 112"/>
+          <p:cNvCxnSpPr/>
+          <p:nvPr/>
+        </p:nvCxnSpPr>
+        <p:spPr>
+          <a:xfrm flipH="1" flipV="1">
+            <a:off x="6812112" y="3436116"/>
+            <a:ext cx="0" cy="288000"/>
+          </a:xfrm>
+          <a:prstGeom prst="line">
+            <a:avLst/>
+          </a:prstGeom>
+          <a:ln w="19050">
+            <a:solidFill>
+              <a:srgbClr val="FF0000"/>
+            </a:solidFill>
+            <a:headEnd type="triangle" w="med" len="med"/>
+            <a:tailEnd type="triangle" w="med" len="med"/>
+          </a:ln>
+        </p:spPr>
+        <p:style>
+          <a:lnRef idx="1">
+            <a:schemeClr val="accent1"/>
+          </a:lnRef>
+          <a:fillRef idx="0">
+            <a:schemeClr val="accent1"/>
+          </a:fillRef>
+          <a:effectRef idx="0">
+            <a:schemeClr val="accent1"/>
+          </a:effectRef>
+          <a:fontRef idx="minor">
+            <a:schemeClr val="tx1"/>
+          </a:fontRef>
+        </p:style>
+      </p:cxnSp>
+      <p:sp>
+        <p:nvSpPr>
+          <p:cNvPr id="24" name="Plus 23"/>
+          <p:cNvSpPr/>
+          <p:nvPr/>
+        </p:nvSpPr>
+        <p:spPr>
+          <a:xfrm>
+            <a:off x="3455484" y="3673539"/>
+            <a:ext cx="360000" cy="360000"/>
+          </a:xfrm>
+          <a:prstGeom prst="mathPlus">
+            <a:avLst>
+              <a:gd name="adj1" fmla="val 15456"/>
+            </a:avLst>
+          </a:prstGeom>
+          <a:solidFill>
+            <a:srgbClr val="FF0000"/>
+          </a:solidFill>
+          <a:ln>
+            <a:noFill/>
+          </a:ln>
+        </p:spPr>
+        <p:style>
+          <a:lnRef idx="2">
+            <a:schemeClr val="accent1">
+              <a:shade val="50000"/>
+            </a:schemeClr>
+          </a:lnRef>
+          <a:fillRef idx="1">
+            <a:schemeClr val="accent1"/>
+          </a:fillRef>
+          <a:effectRef idx="0">
+            <a:schemeClr val="accent1"/>
+          </a:effectRef>
+          <a:fontRef idx="minor">
+            <a:schemeClr val="lt1"/>
+          </a:fontRef>
+        </p:style>
+        <p:txBody>
+          <a:bodyPr rtlCol="0" anchor="ctr"/>
+          <a:lstStyle/>
+          <a:p>
+            <a:pPr algn="ctr"/>
+            <a:endParaRPr lang="en-GB"/>
+          </a:p>
+        </p:txBody>
+      </p:sp>
+      <p:sp>
+        <p:nvSpPr>
+          <p:cNvPr id="25" name="Minus 24"/>
+          <p:cNvSpPr/>
+          <p:nvPr/>
+        </p:nvSpPr>
+        <p:spPr>
+          <a:xfrm>
+            <a:off x="3455484" y="1728005"/>
+            <a:ext cx="360000" cy="198974"/>
+          </a:xfrm>
+          <a:prstGeom prst="mathMinus">
+            <a:avLst>
+              <a:gd name="adj1" fmla="val 30814"/>
+            </a:avLst>
+          </a:prstGeom>
+          <a:solidFill>
+            <a:srgbClr val="FF0000"/>
+          </a:solidFill>
+          <a:ln>
+            <a:noFill/>
+          </a:ln>
+        </p:spPr>
+        <p:style>
+          <a:lnRef idx="2">
+            <a:schemeClr val="accent1">
+              <a:shade val="50000"/>
+            </a:schemeClr>
+          </a:lnRef>
+          <a:fillRef idx="1">
+            <a:schemeClr val="accent1"/>
+          </a:fillRef>
+          <a:effectRef idx="0">
+            <a:schemeClr val="accent1"/>
+          </a:effectRef>
+          <a:fontRef idx="minor">
+            <a:schemeClr val="lt1"/>
+          </a:fontRef>
+        </p:style>
+        <p:txBody>
+          <a:bodyPr rtlCol="0" anchor="ctr"/>
+          <a:lstStyle/>
+          <a:p>
+            <a:pPr algn="ctr"/>
+            <a:endParaRPr lang="en-GB"/>
+          </a:p>
+        </p:txBody>
+      </p:sp>
+      <p:sp>
+        <p:nvSpPr>
+          <p:cNvPr id="116" name="Minus 115"/>
+          <p:cNvSpPr/>
+          <p:nvPr/>
+        </p:nvSpPr>
+        <p:spPr>
+          <a:xfrm>
+            <a:off x="6324884" y="2076243"/>
+            <a:ext cx="360000" cy="198974"/>
+          </a:xfrm>
+          <a:prstGeom prst="mathMinus">
+            <a:avLst>
+              <a:gd name="adj1" fmla="val 30814"/>
+            </a:avLst>
+          </a:prstGeom>
+          <a:solidFill>
+            <a:srgbClr val="FF0000"/>
+          </a:solidFill>
+          <a:ln>
+            <a:noFill/>
+          </a:ln>
+        </p:spPr>
+        <p:style>
+          <a:lnRef idx="2">
+            <a:schemeClr val="accent1">
+              <a:shade val="50000"/>
+            </a:schemeClr>
+          </a:lnRef>
+          <a:fillRef idx="1">
+            <a:schemeClr val="accent1"/>
+          </a:fillRef>
+          <a:effectRef idx="0">
+            <a:schemeClr val="accent1"/>
+          </a:effectRef>
+          <a:fontRef idx="minor">
+            <a:schemeClr val="lt1"/>
+          </a:fontRef>
+        </p:style>
+        <p:txBody>
+          <a:bodyPr rtlCol="0" anchor="ctr"/>
+          <a:lstStyle/>
+          <a:p>
+            <a:pPr algn="ctr"/>
+            <a:endParaRPr lang="en-GB"/>
+          </a:p>
+        </p:txBody>
+      </p:sp>
+      <p:sp>
+        <p:nvSpPr>
+          <p:cNvPr id="117" name="Minus 116"/>
+          <p:cNvSpPr/>
+          <p:nvPr/>
+        </p:nvSpPr>
+        <p:spPr>
+          <a:xfrm>
+            <a:off x="6318599" y="3471377"/>
+            <a:ext cx="360000" cy="198974"/>
+          </a:xfrm>
+          <a:prstGeom prst="mathMinus">
+            <a:avLst>
+              <a:gd name="adj1" fmla="val 30814"/>
+            </a:avLst>
+          </a:prstGeom>
+          <a:solidFill>
+            <a:srgbClr val="FF0000"/>
+          </a:solidFill>
+          <a:ln>
+            <a:noFill/>
+          </a:ln>
+        </p:spPr>
+        <p:style>
+          <a:lnRef idx="2">
+            <a:schemeClr val="accent1">
+              <a:shade val="50000"/>
+            </a:schemeClr>
+          </a:lnRef>
+          <a:fillRef idx="1">
+            <a:schemeClr val="accent1"/>
+          </a:fillRef>
+          <a:effectRef idx="0">
+            <a:schemeClr val="accent1"/>
+          </a:effectRef>
+          <a:fontRef idx="minor">
+            <a:schemeClr val="lt1"/>
+          </a:fontRef>
+        </p:style>
+        <p:txBody>
+          <a:bodyPr rtlCol="0" anchor="ctr"/>
+          <a:lstStyle/>
+          <a:p>
+            <a:pPr algn="ctr"/>
+            <a:endParaRPr lang="en-GB"/>
           </a:p>
         </p:txBody>
       </p:sp>
@@ -12473,7 +12616,7 @@
                                           </p:stCondLst>
                                         </p:cTn>
                                         <p:tgtEl>
-                                          <p:spTgt spid="139"/>
+                                          <p:spTgt spid="90"/>
                                         </p:tgtEl>
                                         <p:attrNameLst>
                                           <p:attrName>style.visibility</p:attrName>
@@ -12487,7 +12630,7 @@
                                       <p:cBhvr>
                                         <p:cTn id="187" dur="500"/>
                                         <p:tgtEl>
-                                          <p:spTgt spid="139"/>
+                                          <p:spTgt spid="90"/>
                                         </p:tgtEl>
                                       </p:cBhvr>
                                     </p:animEffect>
@@ -12508,7 +12651,7 @@
                                           </p:stCondLst>
                                         </p:cTn>
                                         <p:tgtEl>
-                                          <p:spTgt spid="141"/>
+                                          <p:spTgt spid="5"/>
                                         </p:tgtEl>
                                         <p:attrNameLst>
                                           <p:attrName>style.visibility</p:attrName>
@@ -12522,7 +12665,7 @@
                                       <p:cBhvr>
                                         <p:cTn id="190" dur="500"/>
                                         <p:tgtEl>
-                                          <p:spTgt spid="141"/>
+                                          <p:spTgt spid="5"/>
                                         </p:tgtEl>
                                       </p:cBhvr>
                                     </p:animEffect>
@@ -12543,7 +12686,7 @@
                                           </p:stCondLst>
                                         </p:cTn>
                                         <p:tgtEl>
-                                          <p:spTgt spid="142"/>
+                                          <p:spTgt spid="93"/>
                                         </p:tgtEl>
                                         <p:attrNameLst>
                                           <p:attrName>style.visibility</p:attrName>
@@ -12557,7 +12700,7 @@
                                       <p:cBhvr>
                                         <p:cTn id="193" dur="500"/>
                                         <p:tgtEl>
-                                          <p:spTgt spid="142"/>
+                                          <p:spTgt spid="93"/>
                                         </p:tgtEl>
                                       </p:cBhvr>
                                     </p:animEffect>
@@ -12578,7 +12721,7 @@
                                           </p:stCondLst>
                                         </p:cTn>
                                         <p:tgtEl>
-                                          <p:spTgt spid="140"/>
+                                          <p:spTgt spid="99"/>
                                         </p:tgtEl>
                                         <p:attrNameLst>
                                           <p:attrName>style.visibility</p:attrName>
@@ -12592,7 +12735,287 @@
                                       <p:cBhvr>
                                         <p:cTn id="196" dur="500"/>
                                         <p:tgtEl>
-                                          <p:spTgt spid="140"/>
+                                          <p:spTgt spid="99"/>
+                                        </p:tgtEl>
+                                      </p:cBhvr>
+                                    </p:animEffect>
+                                  </p:childTnLst>
+                                </p:cTn>
+                              </p:par>
+                              <p:par>
+                                <p:cTn id="197" presetID="10" presetClass="entr" presetSubtype="0" fill="hold" nodeType="withEffect">
+                                  <p:stCondLst>
+                                    <p:cond delay="0"/>
+                                  </p:stCondLst>
+                                  <p:childTnLst>
+                                    <p:set>
+                                      <p:cBhvr>
+                                        <p:cTn id="198" dur="1" fill="hold">
+                                          <p:stCondLst>
+                                            <p:cond delay="0"/>
+                                          </p:stCondLst>
+                                        </p:cTn>
+                                        <p:tgtEl>
+                                          <p:spTgt spid="96"/>
+                                        </p:tgtEl>
+                                        <p:attrNameLst>
+                                          <p:attrName>style.visibility</p:attrName>
+                                        </p:attrNameLst>
+                                      </p:cBhvr>
+                                      <p:to>
+                                        <p:strVal val="visible"/>
+                                      </p:to>
+                                    </p:set>
+                                    <p:animEffect transition="in" filter="fade">
+                                      <p:cBhvr>
+                                        <p:cTn id="199" dur="500"/>
+                                        <p:tgtEl>
+                                          <p:spTgt spid="96"/>
+                                        </p:tgtEl>
+                                      </p:cBhvr>
+                                    </p:animEffect>
+                                  </p:childTnLst>
+                                </p:cTn>
+                              </p:par>
+                              <p:par>
+                                <p:cTn id="200" presetID="10" presetClass="entr" presetSubtype="0" fill="hold" nodeType="withEffect">
+                                  <p:stCondLst>
+                                    <p:cond delay="0"/>
+                                  </p:stCondLst>
+                                  <p:childTnLst>
+                                    <p:set>
+                                      <p:cBhvr>
+                                        <p:cTn id="201" dur="1" fill="hold">
+                                          <p:stCondLst>
+                                            <p:cond delay="0"/>
+                                          </p:stCondLst>
+                                        </p:cTn>
+                                        <p:tgtEl>
+                                          <p:spTgt spid="97"/>
+                                        </p:tgtEl>
+                                        <p:attrNameLst>
+                                          <p:attrName>style.visibility</p:attrName>
+                                        </p:attrNameLst>
+                                      </p:cBhvr>
+                                      <p:to>
+                                        <p:strVal val="visible"/>
+                                      </p:to>
+                                    </p:set>
+                                    <p:animEffect transition="in" filter="fade">
+                                      <p:cBhvr>
+                                        <p:cTn id="202" dur="500"/>
+                                        <p:tgtEl>
+                                          <p:spTgt spid="97"/>
+                                        </p:tgtEl>
+                                      </p:cBhvr>
+                                    </p:animEffect>
+                                  </p:childTnLst>
+                                </p:cTn>
+                              </p:par>
+                              <p:par>
+                                <p:cTn id="203" presetID="10" presetClass="entr" presetSubtype="0" fill="hold" nodeType="withEffect">
+                                  <p:stCondLst>
+                                    <p:cond delay="0"/>
+                                  </p:stCondLst>
+                                  <p:childTnLst>
+                                    <p:set>
+                                      <p:cBhvr>
+                                        <p:cTn id="204" dur="1" fill="hold">
+                                          <p:stCondLst>
+                                            <p:cond delay="0"/>
+                                          </p:stCondLst>
+                                        </p:cTn>
+                                        <p:tgtEl>
+                                          <p:spTgt spid="110"/>
+                                        </p:tgtEl>
+                                        <p:attrNameLst>
+                                          <p:attrName>style.visibility</p:attrName>
+                                        </p:attrNameLst>
+                                      </p:cBhvr>
+                                      <p:to>
+                                        <p:strVal val="visible"/>
+                                      </p:to>
+                                    </p:set>
+                                    <p:animEffect transition="in" filter="fade">
+                                      <p:cBhvr>
+                                        <p:cTn id="205" dur="500"/>
+                                        <p:tgtEl>
+                                          <p:spTgt spid="110"/>
+                                        </p:tgtEl>
+                                      </p:cBhvr>
+                                    </p:animEffect>
+                                  </p:childTnLst>
+                                </p:cTn>
+                              </p:par>
+                              <p:par>
+                                <p:cTn id="206" presetID="10" presetClass="entr" presetSubtype="0" fill="hold" nodeType="withEffect">
+                                  <p:stCondLst>
+                                    <p:cond delay="0"/>
+                                  </p:stCondLst>
+                                  <p:childTnLst>
+                                    <p:set>
+                                      <p:cBhvr>
+                                        <p:cTn id="207" dur="1" fill="hold">
+                                          <p:stCondLst>
+                                            <p:cond delay="0"/>
+                                          </p:stCondLst>
+                                        </p:cTn>
+                                        <p:tgtEl>
+                                          <p:spTgt spid="113"/>
+                                        </p:tgtEl>
+                                        <p:attrNameLst>
+                                          <p:attrName>style.visibility</p:attrName>
+                                        </p:attrNameLst>
+                                      </p:cBhvr>
+                                      <p:to>
+                                        <p:strVal val="visible"/>
+                                      </p:to>
+                                    </p:set>
+                                    <p:animEffect transition="in" filter="fade">
+                                      <p:cBhvr>
+                                        <p:cTn id="208" dur="500"/>
+                                        <p:tgtEl>
+                                          <p:spTgt spid="113"/>
+                                        </p:tgtEl>
+                                      </p:cBhvr>
+                                    </p:animEffect>
+                                  </p:childTnLst>
+                                </p:cTn>
+                              </p:par>
+                              <p:par>
+                                <p:cTn id="209" presetID="10" presetClass="entr" presetSubtype="0" fill="hold" nodeType="withEffect">
+                                  <p:stCondLst>
+                                    <p:cond delay="0"/>
+                                  </p:stCondLst>
+                                  <p:childTnLst>
+                                    <p:set>
+                                      <p:cBhvr>
+                                        <p:cTn id="210" dur="1" fill="hold">
+                                          <p:stCondLst>
+                                            <p:cond delay="0"/>
+                                          </p:stCondLst>
+                                        </p:cTn>
+                                        <p:tgtEl>
+                                          <p:spTgt spid="107"/>
+                                        </p:tgtEl>
+                                        <p:attrNameLst>
+                                          <p:attrName>style.visibility</p:attrName>
+                                        </p:attrNameLst>
+                                      </p:cBhvr>
+                                      <p:to>
+                                        <p:strVal val="visible"/>
+                                      </p:to>
+                                    </p:set>
+                                    <p:animEffect transition="in" filter="fade">
+                                      <p:cBhvr>
+                                        <p:cTn id="211" dur="500"/>
+                                        <p:tgtEl>
+                                          <p:spTgt spid="107"/>
+                                        </p:tgtEl>
+                                      </p:cBhvr>
+                                    </p:animEffect>
+                                  </p:childTnLst>
+                                </p:cTn>
+                              </p:par>
+                              <p:par>
+                                <p:cTn id="212" presetID="10" presetClass="entr" presetSubtype="0" fill="hold" nodeType="withEffect">
+                                  <p:stCondLst>
+                                    <p:cond delay="0"/>
+                                  </p:stCondLst>
+                                  <p:childTnLst>
+                                    <p:set>
+                                      <p:cBhvr>
+                                        <p:cTn id="213" dur="1" fill="hold">
+                                          <p:stCondLst>
+                                            <p:cond delay="0"/>
+                                          </p:stCondLst>
+                                        </p:cTn>
+                                        <p:tgtEl>
+                                          <p:spTgt spid="104"/>
+                                        </p:tgtEl>
+                                        <p:attrNameLst>
+                                          <p:attrName>style.visibility</p:attrName>
+                                        </p:attrNameLst>
+                                      </p:cBhvr>
+                                      <p:to>
+                                        <p:strVal val="visible"/>
+                                      </p:to>
+                                    </p:set>
+                                    <p:animEffect transition="in" filter="fade">
+                                      <p:cBhvr>
+                                        <p:cTn id="214" dur="500"/>
+                                        <p:tgtEl>
+                                          <p:spTgt spid="104"/>
+                                        </p:tgtEl>
+                                      </p:cBhvr>
+                                    </p:animEffect>
+                                  </p:childTnLst>
+                                </p:cTn>
+                              </p:par>
+                              <p:par>
+                                <p:cTn id="215" presetID="10" presetClass="entr" presetSubtype="0" fill="hold" nodeType="withEffect">
+                                  <p:stCondLst>
+                                    <p:cond delay="0"/>
+                                  </p:stCondLst>
+                                  <p:childTnLst>
+                                    <p:set>
+                                      <p:cBhvr>
+                                        <p:cTn id="216" dur="1" fill="hold">
+                                          <p:stCondLst>
+                                            <p:cond delay="0"/>
+                                          </p:stCondLst>
+                                        </p:cTn>
+                                        <p:tgtEl>
+                                          <p:spTgt spid="87"/>
+                                        </p:tgtEl>
+                                        <p:attrNameLst>
+                                          <p:attrName>style.visibility</p:attrName>
+                                        </p:attrNameLst>
+                                      </p:cBhvr>
+                                      <p:to>
+                                        <p:strVal val="visible"/>
+                                      </p:to>
+                                    </p:set>
+                                    <p:animEffect transition="in" filter="fade">
+                                      <p:cBhvr>
+                                        <p:cTn id="217" dur="500"/>
+                                        <p:tgtEl>
+                                          <p:spTgt spid="87"/>
+                                        </p:tgtEl>
+                                      </p:cBhvr>
+                                    </p:animEffect>
+                                  </p:childTnLst>
+                                </p:cTn>
+                              </p:par>
+                              <p:par>
+                                <p:cTn id="218" presetID="10" presetClass="entr" presetSubtype="0" fill="hold" nodeType="withEffect">
+                                  <p:stCondLst>
+                                    <p:cond delay="0"/>
+                                  </p:stCondLst>
+                                  <p:childTnLst>
+                                    <p:set>
+                                      <p:cBhvr>
+                                        <p:cTn id="219" dur="1" fill="hold">
+                                          <p:stCondLst>
+                                            <p:cond delay="0"/>
+                                          </p:stCondLst>
+                                        </p:cTn>
+                                        <p:tgtEl>
+                                          <p:spTgt spid="101"/>
+                                        </p:tgtEl>
+                                        <p:attrNameLst>
+                                          <p:attrName>style.visibility</p:attrName>
+                                        </p:attrNameLst>
+                                      </p:cBhvr>
+                                      <p:to>
+                                        <p:strVal val="visible"/>
+                                      </p:to>
+                                    </p:set>
+                                    <p:animEffect transition="in" filter="fade">
+                                      <p:cBhvr>
+                                        <p:cTn id="220" dur="500"/>
+                                        <p:tgtEl>
+                                          <p:spTgt spid="101"/>
                                         </p:tgtEl>
                                       </p:cBhvr>
                                     </p:animEffect>
@@ -12606,26 +13029,26 @@
                     </p:cTn>
                   </p:par>
                   <p:par>
-                    <p:cTn id="197" fill="hold">
+                    <p:cTn id="221" fill="hold">
                       <p:stCondLst>
                         <p:cond delay="indefinite"/>
                       </p:stCondLst>
                       <p:childTnLst>
                         <p:par>
-                          <p:cTn id="198" fill="hold">
+                          <p:cTn id="222" fill="hold">
                             <p:stCondLst>
                               <p:cond delay="0"/>
                             </p:stCondLst>
                             <p:childTnLst>
                               <p:par>
-                                <p:cTn id="199" presetID="10" presetClass="entr" presetSubtype="0" fill="hold" grpId="0" nodeType="clickEffect">
+                                <p:cTn id="223" presetID="10" presetClass="entr" presetSubtype="0" fill="hold" grpId="0" nodeType="clickEffect">
                                   <p:stCondLst>
                                     <p:cond delay="0"/>
                                   </p:stCondLst>
                                   <p:childTnLst>
                                     <p:set>
                                       <p:cBhvr>
-                                        <p:cTn id="200" dur="1" fill="hold">
+                                        <p:cTn id="224" dur="1" fill="hold">
                                           <p:stCondLst>
                                             <p:cond delay="0"/>
                                           </p:stCondLst>
@@ -12643,7 +13066,7 @@
                                     </p:set>
                                     <p:animEffect transition="in" filter="fade">
                                       <p:cBhvr>
-                                        <p:cTn id="201" dur="500"/>
+                                        <p:cTn id="225" dur="500"/>
                                         <p:tgtEl>
                                           <p:spTgt spid="137"/>
                                         </p:tgtEl>
@@ -12653,14 +13076,14 @@
                                 </p:cTn>
                               </p:par>
                               <p:par>
-                                <p:cTn id="202" presetID="10" presetClass="entr" presetSubtype="0" fill="hold" grpId="0" nodeType="withEffect">
+                                <p:cTn id="226" presetID="10" presetClass="entr" presetSubtype="0" fill="hold" grpId="0" nodeType="withEffect">
                                   <p:stCondLst>
                                     <p:cond delay="0"/>
                                   </p:stCondLst>
                                   <p:childTnLst>
                                     <p:set>
                                       <p:cBhvr>
-                                        <p:cTn id="203" dur="1" fill="hold">
+                                        <p:cTn id="227" dur="1" fill="hold">
                                           <p:stCondLst>
                                             <p:cond delay="0"/>
                                           </p:stCondLst>
@@ -12678,7 +13101,7 @@
                                     </p:set>
                                     <p:animEffect transition="in" filter="fade">
                                       <p:cBhvr>
-                                        <p:cTn id="204" dur="500"/>
+                                        <p:cTn id="228" dur="500"/>
                                         <p:tgtEl>
                                           <p:spTgt spid="138"/>
                                         </p:tgtEl>
@@ -12694,32 +13117,32 @@
                     </p:cTn>
                   </p:par>
                   <p:par>
-                    <p:cTn id="205" fill="hold">
+                    <p:cTn id="229" fill="hold">
                       <p:stCondLst>
                         <p:cond delay="indefinite"/>
                       </p:stCondLst>
                       <p:childTnLst>
                         <p:par>
-                          <p:cTn id="206" fill="hold">
+                          <p:cTn id="230" fill="hold">
                             <p:stCondLst>
                               <p:cond delay="0"/>
                             </p:stCondLst>
                             <p:childTnLst>
                               <p:par>
-                                <p:cTn id="207" presetID="10" presetClass="entr" presetSubtype="0" fill="hold" grpId="0" nodeType="clickEffect">
+                                <p:cTn id="231" presetID="10" presetClass="entr" presetSubtype="0" fill="hold" grpId="0" nodeType="clickEffect">
                                   <p:stCondLst>
                                     <p:cond delay="0"/>
                                   </p:stCondLst>
                                   <p:childTnLst>
                                     <p:set>
                                       <p:cBhvr>
-                                        <p:cTn id="208" dur="1" fill="hold">
+                                        <p:cTn id="232" dur="1" fill="hold">
                                           <p:stCondLst>
                                             <p:cond delay="0"/>
                                           </p:stCondLst>
                                         </p:cTn>
                                         <p:tgtEl>
-                                          <p:spTgt spid="143"/>
+                                          <p:spTgt spid="25"/>
                                         </p:tgtEl>
                                         <p:attrNameLst>
                                           <p:attrName>style.visibility</p:attrName>
@@ -12731,9 +13154,9 @@
                                     </p:set>
                                     <p:animEffect transition="in" filter="fade">
                                       <p:cBhvr>
-                                        <p:cTn id="209" dur="500"/>
-                                        <p:tgtEl>
-                                          <p:spTgt spid="143"/>
+                                        <p:cTn id="233" dur="500"/>
+                                        <p:tgtEl>
+                                          <p:spTgt spid="25"/>
                                         </p:tgtEl>
                                       </p:cBhvr>
                                     </p:animEffect>
@@ -12741,20 +13164,20 @@
                                 </p:cTn>
                               </p:par>
                               <p:par>
-                                <p:cTn id="210" presetID="10" presetClass="entr" presetSubtype="0" fill="hold" grpId="0" nodeType="withEffect">
+                                <p:cTn id="234" presetID="10" presetClass="entr" presetSubtype="0" fill="hold" grpId="0" nodeType="withEffect">
                                   <p:stCondLst>
                                     <p:cond delay="0"/>
                                   </p:stCondLst>
                                   <p:childTnLst>
                                     <p:set>
                                       <p:cBhvr>
-                                        <p:cTn id="211" dur="1" fill="hold">
+                                        <p:cTn id="235" dur="1" fill="hold">
                                           <p:stCondLst>
                                             <p:cond delay="0"/>
                                           </p:stCondLst>
                                         </p:cTn>
                                         <p:tgtEl>
-                                          <p:spTgt spid="145"/>
+                                          <p:spTgt spid="116"/>
                                         </p:tgtEl>
                                         <p:attrNameLst>
                                           <p:attrName>style.visibility</p:attrName>
@@ -12766,9 +13189,9 @@
                                     </p:set>
                                     <p:animEffect transition="in" filter="fade">
                                       <p:cBhvr>
-                                        <p:cTn id="212" dur="500"/>
-                                        <p:tgtEl>
-                                          <p:spTgt spid="145"/>
+                                        <p:cTn id="236" dur="500"/>
+                                        <p:tgtEl>
+                                          <p:spTgt spid="116"/>
                                         </p:tgtEl>
                                       </p:cBhvr>
                                     </p:animEffect>
@@ -12776,20 +13199,20 @@
                                 </p:cTn>
                               </p:par>
                               <p:par>
-                                <p:cTn id="213" presetID="10" presetClass="entr" presetSubtype="0" fill="hold" grpId="0" nodeType="withEffect">
+                                <p:cTn id="237" presetID="10" presetClass="entr" presetSubtype="0" fill="hold" grpId="0" nodeType="withEffect">
                                   <p:stCondLst>
                                     <p:cond delay="0"/>
                                   </p:stCondLst>
                                   <p:childTnLst>
                                     <p:set>
                                       <p:cBhvr>
-                                        <p:cTn id="214" dur="1" fill="hold">
+                                        <p:cTn id="238" dur="1" fill="hold">
                                           <p:stCondLst>
                                             <p:cond delay="0"/>
                                           </p:stCondLst>
                                         </p:cTn>
                                         <p:tgtEl>
-                                          <p:spTgt spid="146"/>
+                                          <p:spTgt spid="117"/>
                                         </p:tgtEl>
                                         <p:attrNameLst>
                                           <p:attrName>style.visibility</p:attrName>
@@ -12801,9 +13224,9 @@
                                     </p:set>
                                     <p:animEffect transition="in" filter="fade">
                                       <p:cBhvr>
-                                        <p:cTn id="215" dur="500"/>
-                                        <p:tgtEl>
-                                          <p:spTgt spid="146"/>
+                                        <p:cTn id="239" dur="500"/>
+                                        <p:tgtEl>
+                                          <p:spTgt spid="117"/>
                                         </p:tgtEl>
                                       </p:cBhvr>
                                     </p:animEffect>
@@ -12811,20 +13234,20 @@
                                 </p:cTn>
                               </p:par>
                               <p:par>
-                                <p:cTn id="216" presetID="10" presetClass="entr" presetSubtype="0" fill="hold" grpId="0" nodeType="withEffect">
+                                <p:cTn id="240" presetID="10" presetClass="entr" presetSubtype="0" fill="hold" grpId="0" nodeType="withEffect">
                                   <p:stCondLst>
                                     <p:cond delay="0"/>
                                   </p:stCondLst>
                                   <p:childTnLst>
                                     <p:set>
                                       <p:cBhvr>
-                                        <p:cTn id="217" dur="1" fill="hold">
+                                        <p:cTn id="241" dur="1" fill="hold">
                                           <p:stCondLst>
                                             <p:cond delay="0"/>
                                           </p:stCondLst>
                                         </p:cTn>
                                         <p:tgtEl>
-                                          <p:spTgt spid="144"/>
+                                          <p:spTgt spid="24"/>
                                         </p:tgtEl>
                                         <p:attrNameLst>
                                           <p:attrName>style.visibility</p:attrName>
@@ -12836,9 +13259,9 @@
                                     </p:set>
                                     <p:animEffect transition="in" filter="fade">
                                       <p:cBhvr>
-                                        <p:cTn id="218" dur="500"/>
-                                        <p:tgtEl>
-                                          <p:spTgt spid="144"/>
+                                        <p:cTn id="242" dur="500"/>
+                                        <p:tgtEl>
+                                          <p:spTgt spid="24"/>
                                         </p:tgtEl>
                                       </p:cBhvr>
                                     </p:animEffect>
@@ -12852,32 +13275,32 @@
                     </p:cTn>
                   </p:par>
                   <p:par>
-                    <p:cTn id="219" fill="hold">
+                    <p:cTn id="243" fill="hold">
                       <p:stCondLst>
                         <p:cond delay="indefinite"/>
                       </p:stCondLst>
                       <p:childTnLst>
                         <p:par>
-                          <p:cTn id="220" fill="hold">
+                          <p:cTn id="244" fill="hold">
                             <p:stCondLst>
                               <p:cond delay="0"/>
                             </p:stCondLst>
                             <p:childTnLst>
                               <p:par>
-                                <p:cTn id="221" presetID="10" presetClass="entr" presetSubtype="0" fill="hold" grpId="0" nodeType="clickEffect">
+                                <p:cTn id="245" presetID="10" presetClass="entr" presetSubtype="0" fill="hold" grpId="0" nodeType="clickEffect">
                                   <p:stCondLst>
                                     <p:cond delay="0"/>
                                   </p:stCondLst>
                                   <p:childTnLst>
                                     <p:set>
                                       <p:cBhvr>
-                                        <p:cTn id="222" dur="1" fill="hold">
+                                        <p:cTn id="246" dur="1" fill="hold">
                                           <p:stCondLst>
                                             <p:cond delay="0"/>
                                           </p:stCondLst>
                                         </p:cTn>
                                         <p:tgtEl>
-                                          <p:spTgt spid="149"/>
+                                          <p:spTgt spid="144"/>
                                         </p:tgtEl>
                                         <p:attrNameLst>
                                           <p:attrName>style.visibility</p:attrName>
@@ -12889,7 +13312,165 @@
                                     </p:set>
                                     <p:animEffect transition="in" filter="fade">
                                       <p:cBhvr>
-                                        <p:cTn id="223" dur="500"/>
+                                        <p:cTn id="247" dur="500"/>
+                                        <p:tgtEl>
+                                          <p:spTgt spid="144"/>
+                                        </p:tgtEl>
+                                      </p:cBhvr>
+                                    </p:animEffect>
+                                  </p:childTnLst>
+                                </p:cTn>
+                              </p:par>
+                              <p:par>
+                                <p:cTn id="248" presetID="10" presetClass="entr" presetSubtype="0" fill="hold" grpId="0" nodeType="withEffect">
+                                  <p:stCondLst>
+                                    <p:cond delay="0"/>
+                                  </p:stCondLst>
+                                  <p:childTnLst>
+                                    <p:set>
+                                      <p:cBhvr>
+                                        <p:cTn id="249" dur="1" fill="hold">
+                                          <p:stCondLst>
+                                            <p:cond delay="0"/>
+                                          </p:stCondLst>
+                                        </p:cTn>
+                                        <p:tgtEl>
+                                          <p:spTgt spid="146"/>
+                                        </p:tgtEl>
+                                        <p:attrNameLst>
+                                          <p:attrName>style.visibility</p:attrName>
+                                        </p:attrNameLst>
+                                      </p:cBhvr>
+                                      <p:to>
+                                        <p:strVal val="visible"/>
+                                      </p:to>
+                                    </p:set>
+                                    <p:animEffect transition="in" filter="fade">
+                                      <p:cBhvr>
+                                        <p:cTn id="250" dur="500"/>
+                                        <p:tgtEl>
+                                          <p:spTgt spid="146"/>
+                                        </p:tgtEl>
+                                      </p:cBhvr>
+                                    </p:animEffect>
+                                  </p:childTnLst>
+                                </p:cTn>
+                              </p:par>
+                              <p:par>
+                                <p:cTn id="251" presetID="10" presetClass="entr" presetSubtype="0" fill="hold" grpId="0" nodeType="withEffect">
+                                  <p:stCondLst>
+                                    <p:cond delay="0"/>
+                                  </p:stCondLst>
+                                  <p:childTnLst>
+                                    <p:set>
+                                      <p:cBhvr>
+                                        <p:cTn id="252" dur="1" fill="hold">
+                                          <p:stCondLst>
+                                            <p:cond delay="0"/>
+                                          </p:stCondLst>
+                                        </p:cTn>
+                                        <p:tgtEl>
+                                          <p:spTgt spid="145"/>
+                                        </p:tgtEl>
+                                        <p:attrNameLst>
+                                          <p:attrName>style.visibility</p:attrName>
+                                        </p:attrNameLst>
+                                      </p:cBhvr>
+                                      <p:to>
+                                        <p:strVal val="visible"/>
+                                      </p:to>
+                                    </p:set>
+                                    <p:animEffect transition="in" filter="fade">
+                                      <p:cBhvr>
+                                        <p:cTn id="253" dur="500"/>
+                                        <p:tgtEl>
+                                          <p:spTgt spid="145"/>
+                                        </p:tgtEl>
+                                      </p:cBhvr>
+                                    </p:animEffect>
+                                  </p:childTnLst>
+                                </p:cTn>
+                              </p:par>
+                              <p:par>
+                                <p:cTn id="254" presetID="10" presetClass="entr" presetSubtype="0" fill="hold" grpId="0" nodeType="withEffect">
+                                  <p:stCondLst>
+                                    <p:cond delay="0"/>
+                                  </p:stCondLst>
+                                  <p:childTnLst>
+                                    <p:set>
+                                      <p:cBhvr>
+                                        <p:cTn id="255" dur="1" fill="hold">
+                                          <p:stCondLst>
+                                            <p:cond delay="0"/>
+                                          </p:stCondLst>
+                                        </p:cTn>
+                                        <p:tgtEl>
+                                          <p:spTgt spid="143"/>
+                                        </p:tgtEl>
+                                        <p:attrNameLst>
+                                          <p:attrName>style.visibility</p:attrName>
+                                        </p:attrNameLst>
+                                      </p:cBhvr>
+                                      <p:to>
+                                        <p:strVal val="visible"/>
+                                      </p:to>
+                                    </p:set>
+                                    <p:animEffect transition="in" filter="fade">
+                                      <p:cBhvr>
+                                        <p:cTn id="256" dur="500"/>
+                                        <p:tgtEl>
+                                          <p:spTgt spid="143"/>
+                                        </p:tgtEl>
+                                      </p:cBhvr>
+                                    </p:animEffect>
+                                  </p:childTnLst>
+                                </p:cTn>
+                              </p:par>
+                            </p:childTnLst>
+                          </p:cTn>
+                        </p:par>
+                      </p:childTnLst>
+                    </p:cTn>
+                  </p:par>
+                  <p:par>
+                    <p:cTn id="257" fill="hold">
+                      <p:stCondLst>
+                        <p:cond delay="indefinite"/>
+                      </p:stCondLst>
+                      <p:childTnLst>
+                        <p:par>
+                          <p:cTn id="258" fill="hold">
+                            <p:stCondLst>
+                              <p:cond delay="0"/>
+                            </p:stCondLst>
+                            <p:childTnLst>
+                              <p:par>
+                                <p:cTn id="259" presetID="10" presetClass="entr" presetSubtype="0" fill="hold" grpId="0" nodeType="clickEffect">
+                                  <p:stCondLst>
+                                    <p:cond delay="0"/>
+                                  </p:stCondLst>
+                                  <p:childTnLst>
+                                    <p:set>
+                                      <p:cBhvr>
+                                        <p:cTn id="260" dur="1" fill="hold">
+                                          <p:stCondLst>
+                                            <p:cond delay="0"/>
+                                          </p:stCondLst>
+                                        </p:cTn>
+                                        <p:tgtEl>
+                                          <p:spTgt spid="149"/>
+                                        </p:tgtEl>
+                                        <p:attrNameLst>
+                                          <p:attrName>style.visibility</p:attrName>
+                                        </p:attrNameLst>
+                                      </p:cBhvr>
+                                      <p:to>
+                                        <p:strVal val="visible"/>
+                                      </p:to>
+                                    </p:set>
+                                    <p:animEffect transition="in" filter="fade">
+                                      <p:cBhvr>
+                                        <p:cTn id="261" dur="500"/>
                                         <p:tgtEl>
                                           <p:spTgt spid="149"/>
                                         </p:tgtEl>
@@ -12981,6 +13562,10 @@
       <p:bldP spid="145" grpId="0" animBg="1"/>
       <p:bldP spid="146" grpId="0" animBg="1"/>
       <p:bldP spid="149" grpId="0"/>
+      <p:bldP spid="24" grpId="0" animBg="1"/>
+      <p:bldP spid="25" grpId="0" animBg="1"/>
+      <p:bldP spid="116" grpId="0" animBg="1"/>
+      <p:bldP spid="117" grpId="0" animBg="1"/>
     </p:bldLst>
   </p:timing>
 </p:sld>
@@ -15644,6 +16229,39 @@
           </a:p>
         </p:txBody>
       </p:sp>
+      <p:cxnSp>
+        <p:nvCxnSpPr>
+          <p:cNvPr id="65" name="Gerader Verbinder 64"/>
+          <p:cNvCxnSpPr>
+            <a:stCxn id="105" idx="0"/>
+            <a:endCxn id="116" idx="2"/>
+          </p:cNvCxnSpPr>
+          <p:nvPr/>
+        </p:nvCxnSpPr>
+        <p:spPr>
+          <a:xfrm flipV="1">
+            <a:off x="6678557" y="1952657"/>
+            <a:ext cx="1460947" cy="379439"/>
+          </a:xfrm>
+          <a:prstGeom prst="line">
+            <a:avLst/>
+          </a:prstGeom>
+        </p:spPr>
+        <p:style>
+          <a:lnRef idx="1">
+            <a:schemeClr val="accent1"/>
+          </a:lnRef>
+          <a:fillRef idx="0">
+            <a:schemeClr val="accent1"/>
+          </a:fillRef>
+          <a:effectRef idx="0">
+            <a:schemeClr val="accent1"/>
+          </a:effectRef>
+          <a:fontRef idx="minor">
+            <a:schemeClr val="tx1"/>
+          </a:fontRef>
+        </p:style>
+      </p:cxnSp>
     </p:spTree>
     <p:extLst>
       <p:ext uri="{BB962C8B-B14F-4D97-AF65-F5344CB8AC3E}">
@@ -15909,6 +16527,13 @@
   <p:clrMapOvr>
     <a:masterClrMapping/>
   </p:clrMapOvr>
+  <p:timing>
+    <p:tnLst>
+      <p:par>
+        <p:cTn id="1" dur="indefinite" restart="never" nodeType="tmRoot"/>
+      </p:par>
+    </p:tnLst>
+  </p:timing>
 </p:sld>
 </file>
 

--- a/99_Thinktank/Talks/21-12-07_Kolloquium/CERED_Presentation.pptx
+++ b/99_Thinktank/Talks/21-12-07_Kolloquium/CERED_Presentation.pptx
@@ -10504,6 +10504,106 @@
           </a:p>
         </p:txBody>
       </p:sp>
+      <p:sp>
+        <p:nvSpPr>
+          <p:cNvPr id="119" name="Rechteck 118"/>
+          <p:cNvSpPr/>
+          <p:nvPr/>
+        </p:nvSpPr>
+        <p:spPr>
+          <a:xfrm>
+            <a:off x="400089" y="3798590"/>
+            <a:ext cx="1486665" cy="486743"/>
+          </a:xfrm>
+          <a:prstGeom prst="rect">
+            <a:avLst/>
+          </a:prstGeom>
+          <a:noFill/>
+          <a:ln w="38100">
+            <a:solidFill>
+              <a:srgbClr val="FF0000"/>
+            </a:solidFill>
+          </a:ln>
+        </p:spPr>
+        <p:style>
+          <a:lnRef idx="2">
+            <a:schemeClr val="accent1">
+              <a:shade val="50000"/>
+            </a:schemeClr>
+          </a:lnRef>
+          <a:fillRef idx="1">
+            <a:schemeClr val="accent1"/>
+          </a:fillRef>
+          <a:effectRef idx="0">
+            <a:schemeClr val="accent1"/>
+          </a:effectRef>
+          <a:fontRef idx="minor">
+            <a:schemeClr val="lt1"/>
+          </a:fontRef>
+        </p:style>
+        <p:txBody>
+          <a:bodyPr rtlCol="0" anchor="ctr"/>
+          <a:lstStyle/>
+          <a:p>
+            <a:pPr algn="ctr"/>
+            <a:endParaRPr lang="en-GB" sz="1200" dirty="0" smtClean="0">
+              <a:solidFill>
+                <a:schemeClr val="tx1"/>
+              </a:solidFill>
+            </a:endParaRPr>
+          </a:p>
+        </p:txBody>
+      </p:sp>
+      <p:sp>
+        <p:nvSpPr>
+          <p:cNvPr id="120" name="Rechteck 119"/>
+          <p:cNvSpPr/>
+          <p:nvPr/>
+        </p:nvSpPr>
+        <p:spPr>
+          <a:xfrm>
+            <a:off x="7136685" y="3747759"/>
+            <a:ext cx="1486665" cy="486743"/>
+          </a:xfrm>
+          <a:prstGeom prst="rect">
+            <a:avLst/>
+          </a:prstGeom>
+          <a:noFill/>
+          <a:ln w="38100">
+            <a:solidFill>
+              <a:srgbClr val="FF0000"/>
+            </a:solidFill>
+          </a:ln>
+        </p:spPr>
+        <p:style>
+          <a:lnRef idx="2">
+            <a:schemeClr val="accent1">
+              <a:shade val="50000"/>
+            </a:schemeClr>
+          </a:lnRef>
+          <a:fillRef idx="1">
+            <a:schemeClr val="accent1"/>
+          </a:fillRef>
+          <a:effectRef idx="0">
+            <a:schemeClr val="accent1"/>
+          </a:effectRef>
+          <a:fontRef idx="minor">
+            <a:schemeClr val="lt1"/>
+          </a:fontRef>
+        </p:style>
+        <p:txBody>
+          <a:bodyPr rtlCol="0" anchor="ctr"/>
+          <a:lstStyle/>
+          <a:p>
+            <a:pPr algn="ctr"/>
+            <a:endParaRPr lang="en-GB" sz="1200" dirty="0" smtClean="0">
+              <a:solidFill>
+                <a:schemeClr val="tx1"/>
+              </a:solidFill>
+            </a:endParaRPr>
+          </a:p>
+        </p:txBody>
+      </p:sp>
     </p:spTree>
     <p:extLst>
       <p:ext uri="{BB962C8B-B14F-4D97-AF65-F5344CB8AC3E}">
@@ -12826,7 +12926,7 @@
                                           </p:stCondLst>
                                         </p:cTn>
                                         <p:tgtEl>
-                                          <p:spTgt spid="110"/>
+                                          <p:spTgt spid="107"/>
                                         </p:tgtEl>
                                         <p:attrNameLst>
                                           <p:attrName>style.visibility</p:attrName>
@@ -12840,7 +12940,7 @@
                                       <p:cBhvr>
                                         <p:cTn id="205" dur="500"/>
                                         <p:tgtEl>
-                                          <p:spTgt spid="110"/>
+                                          <p:spTgt spid="107"/>
                                         </p:tgtEl>
                                       </p:cBhvr>
                                     </p:animEffect>
@@ -12896,7 +12996,7 @@
                                           </p:stCondLst>
                                         </p:cTn>
                                         <p:tgtEl>
-                                          <p:spTgt spid="107"/>
+                                          <p:spTgt spid="110"/>
                                         </p:tgtEl>
                                         <p:attrNameLst>
                                           <p:attrName>style.visibility</p:attrName>
@@ -12910,7 +13010,7 @@
                                       <p:cBhvr>
                                         <p:cTn id="211" dur="500"/>
                                         <p:tgtEl>
-                                          <p:spTgt spid="107"/>
+                                          <p:spTgt spid="110"/>
                                         </p:tgtEl>
                                       </p:cBhvr>
                                     </p:animEffect>
@@ -13089,7 +13189,7 @@
                                           </p:stCondLst>
                                         </p:cTn>
                                         <p:tgtEl>
-                                          <p:spTgt spid="138"/>
+                                          <p:spTgt spid="119"/>
                                         </p:tgtEl>
                                         <p:attrNameLst>
                                           <p:attrName>style.visibility</p:attrName>
@@ -13103,7 +13203,77 @@
                                       <p:cBhvr>
                                         <p:cTn id="228" dur="500"/>
                                         <p:tgtEl>
+                                          <p:spTgt spid="119"/>
+                                        </p:tgtEl>
+                                      </p:cBhvr>
+                                    </p:animEffect>
+                                  </p:childTnLst>
+                                </p:cTn>
+                              </p:par>
+                              <p:par>
+                                <p:cTn id="229" presetID="10" presetClass="entr" presetSubtype="0" fill="hold" grpId="0" nodeType="withEffect">
+                                  <p:stCondLst>
+                                    <p:cond delay="0"/>
+                                  </p:stCondLst>
+                                  <p:childTnLst>
+                                    <p:set>
+                                      <p:cBhvr>
+                                        <p:cTn id="230" dur="1" fill="hold">
+                                          <p:stCondLst>
+                                            <p:cond delay="0"/>
+                                          </p:stCondLst>
+                                        </p:cTn>
+                                        <p:tgtEl>
                                           <p:spTgt spid="138"/>
+                                        </p:tgtEl>
+                                        <p:attrNameLst>
+                                          <p:attrName>style.visibility</p:attrName>
+                                        </p:attrNameLst>
+                                      </p:cBhvr>
+                                      <p:to>
+                                        <p:strVal val="visible"/>
+                                      </p:to>
+                                    </p:set>
+                                    <p:animEffect transition="in" filter="fade">
+                                      <p:cBhvr>
+                                        <p:cTn id="231" dur="500"/>
+                                        <p:tgtEl>
+                                          <p:spTgt spid="138"/>
+                                        </p:tgtEl>
+                                      </p:cBhvr>
+                                    </p:animEffect>
+                                  </p:childTnLst>
+                                </p:cTn>
+                              </p:par>
+                              <p:par>
+                                <p:cTn id="232" presetID="10" presetClass="entr" presetSubtype="0" fill="hold" grpId="0" nodeType="withEffect">
+                                  <p:stCondLst>
+                                    <p:cond delay="0"/>
+                                  </p:stCondLst>
+                                  <p:childTnLst>
+                                    <p:set>
+                                      <p:cBhvr>
+                                        <p:cTn id="233" dur="1" fill="hold">
+                                          <p:stCondLst>
+                                            <p:cond delay="0"/>
+                                          </p:stCondLst>
+                                        </p:cTn>
+                                        <p:tgtEl>
+                                          <p:spTgt spid="120"/>
+                                        </p:tgtEl>
+                                        <p:attrNameLst>
+                                          <p:attrName>style.visibility</p:attrName>
+                                        </p:attrNameLst>
+                                      </p:cBhvr>
+                                      <p:to>
+                                        <p:strVal val="visible"/>
+                                      </p:to>
+                                    </p:set>
+                                    <p:animEffect transition="in" filter="fade">
+                                      <p:cBhvr>
+                                        <p:cTn id="234" dur="500"/>
+                                        <p:tgtEl>
+                                          <p:spTgt spid="120"/>
                                         </p:tgtEl>
                                       </p:cBhvr>
                                     </p:animEffect>
@@ -13117,26 +13287,26 @@
                     </p:cTn>
                   </p:par>
                   <p:par>
-                    <p:cTn id="229" fill="hold">
+                    <p:cTn id="235" fill="hold">
                       <p:stCondLst>
                         <p:cond delay="indefinite"/>
                       </p:stCondLst>
                       <p:childTnLst>
                         <p:par>
-                          <p:cTn id="230" fill="hold">
+                          <p:cTn id="236" fill="hold">
                             <p:stCondLst>
                               <p:cond delay="0"/>
                             </p:stCondLst>
                             <p:childTnLst>
                               <p:par>
-                                <p:cTn id="231" presetID="10" presetClass="entr" presetSubtype="0" fill="hold" grpId="0" nodeType="clickEffect">
+                                <p:cTn id="237" presetID="10" presetClass="entr" presetSubtype="0" fill="hold" grpId="0" nodeType="clickEffect">
                                   <p:stCondLst>
                                     <p:cond delay="0"/>
                                   </p:stCondLst>
                                   <p:childTnLst>
                                     <p:set>
                                       <p:cBhvr>
-                                        <p:cTn id="232" dur="1" fill="hold">
+                                        <p:cTn id="238" dur="1" fill="hold">
                                           <p:stCondLst>
                                             <p:cond delay="0"/>
                                           </p:stCondLst>
@@ -13154,79 +13324,9 @@
                                     </p:set>
                                     <p:animEffect transition="in" filter="fade">
                                       <p:cBhvr>
-                                        <p:cTn id="233" dur="500"/>
+                                        <p:cTn id="239" dur="500"/>
                                         <p:tgtEl>
                                           <p:spTgt spid="25"/>
-                                        </p:tgtEl>
-                                      </p:cBhvr>
-                                    </p:animEffect>
-                                  </p:childTnLst>
-                                </p:cTn>
-                              </p:par>
-                              <p:par>
-                                <p:cTn id="234" presetID="10" presetClass="entr" presetSubtype="0" fill="hold" grpId="0" nodeType="withEffect">
-                                  <p:stCondLst>
-                                    <p:cond delay="0"/>
-                                  </p:stCondLst>
-                                  <p:childTnLst>
-                                    <p:set>
-                                      <p:cBhvr>
-                                        <p:cTn id="235" dur="1" fill="hold">
-                                          <p:stCondLst>
-                                            <p:cond delay="0"/>
-                                          </p:stCondLst>
-                                        </p:cTn>
-                                        <p:tgtEl>
-                                          <p:spTgt spid="116"/>
-                                        </p:tgtEl>
-                                        <p:attrNameLst>
-                                          <p:attrName>style.visibility</p:attrName>
-                                        </p:attrNameLst>
-                                      </p:cBhvr>
-                                      <p:to>
-                                        <p:strVal val="visible"/>
-                                      </p:to>
-                                    </p:set>
-                                    <p:animEffect transition="in" filter="fade">
-                                      <p:cBhvr>
-                                        <p:cTn id="236" dur="500"/>
-                                        <p:tgtEl>
-                                          <p:spTgt spid="116"/>
-                                        </p:tgtEl>
-                                      </p:cBhvr>
-                                    </p:animEffect>
-                                  </p:childTnLst>
-                                </p:cTn>
-                              </p:par>
-                              <p:par>
-                                <p:cTn id="237" presetID="10" presetClass="entr" presetSubtype="0" fill="hold" grpId="0" nodeType="withEffect">
-                                  <p:stCondLst>
-                                    <p:cond delay="0"/>
-                                  </p:stCondLst>
-                                  <p:childTnLst>
-                                    <p:set>
-                                      <p:cBhvr>
-                                        <p:cTn id="238" dur="1" fill="hold">
-                                          <p:stCondLst>
-                                            <p:cond delay="0"/>
-                                          </p:stCondLst>
-                                        </p:cTn>
-                                        <p:tgtEl>
-                                          <p:spTgt spid="117"/>
-                                        </p:tgtEl>
-                                        <p:attrNameLst>
-                                          <p:attrName>style.visibility</p:attrName>
-                                        </p:attrNameLst>
-                                      </p:cBhvr>
-                                      <p:to>
-                                        <p:strVal val="visible"/>
-                                      </p:to>
-                                    </p:set>
-                                    <p:animEffect transition="in" filter="fade">
-                                      <p:cBhvr>
-                                        <p:cTn id="239" dur="500"/>
-                                        <p:tgtEl>
-                                          <p:spTgt spid="117"/>
                                         </p:tgtEl>
                                       </p:cBhvr>
                                     </p:animEffect>
@@ -13247,7 +13347,7 @@
                                           </p:stCondLst>
                                         </p:cTn>
                                         <p:tgtEl>
-                                          <p:spTgt spid="24"/>
+                                          <p:spTgt spid="116"/>
                                         </p:tgtEl>
                                         <p:attrNameLst>
                                           <p:attrName>style.visibility</p:attrName>
@@ -13260,6 +13360,76 @@
                                     <p:animEffect transition="in" filter="fade">
                                       <p:cBhvr>
                                         <p:cTn id="242" dur="500"/>
+                                        <p:tgtEl>
+                                          <p:spTgt spid="116"/>
+                                        </p:tgtEl>
+                                      </p:cBhvr>
+                                    </p:animEffect>
+                                  </p:childTnLst>
+                                </p:cTn>
+                              </p:par>
+                              <p:par>
+                                <p:cTn id="243" presetID="10" presetClass="entr" presetSubtype="0" fill="hold" grpId="0" nodeType="withEffect">
+                                  <p:stCondLst>
+                                    <p:cond delay="0"/>
+                                  </p:stCondLst>
+                                  <p:childTnLst>
+                                    <p:set>
+                                      <p:cBhvr>
+                                        <p:cTn id="244" dur="1" fill="hold">
+                                          <p:stCondLst>
+                                            <p:cond delay="0"/>
+                                          </p:stCondLst>
+                                        </p:cTn>
+                                        <p:tgtEl>
+                                          <p:spTgt spid="117"/>
+                                        </p:tgtEl>
+                                        <p:attrNameLst>
+                                          <p:attrName>style.visibility</p:attrName>
+                                        </p:attrNameLst>
+                                      </p:cBhvr>
+                                      <p:to>
+                                        <p:strVal val="visible"/>
+                                      </p:to>
+                                    </p:set>
+                                    <p:animEffect transition="in" filter="fade">
+                                      <p:cBhvr>
+                                        <p:cTn id="245" dur="500"/>
+                                        <p:tgtEl>
+                                          <p:spTgt spid="117"/>
+                                        </p:tgtEl>
+                                      </p:cBhvr>
+                                    </p:animEffect>
+                                  </p:childTnLst>
+                                </p:cTn>
+                              </p:par>
+                              <p:par>
+                                <p:cTn id="246" presetID="10" presetClass="entr" presetSubtype="0" fill="hold" grpId="0" nodeType="withEffect">
+                                  <p:stCondLst>
+                                    <p:cond delay="0"/>
+                                  </p:stCondLst>
+                                  <p:childTnLst>
+                                    <p:set>
+                                      <p:cBhvr>
+                                        <p:cTn id="247" dur="1" fill="hold">
+                                          <p:stCondLst>
+                                            <p:cond delay="0"/>
+                                          </p:stCondLst>
+                                        </p:cTn>
+                                        <p:tgtEl>
+                                          <p:spTgt spid="24"/>
+                                        </p:tgtEl>
+                                        <p:attrNameLst>
+                                          <p:attrName>style.visibility</p:attrName>
+                                        </p:attrNameLst>
+                                      </p:cBhvr>
+                                      <p:to>
+                                        <p:strVal val="visible"/>
+                                      </p:to>
+                                    </p:set>
+                                    <p:animEffect transition="in" filter="fade">
+                                      <p:cBhvr>
+                                        <p:cTn id="248" dur="500"/>
                                         <p:tgtEl>
                                           <p:spTgt spid="24"/>
                                         </p:tgtEl>
@@ -13275,32 +13445,32 @@
                     </p:cTn>
                   </p:par>
                   <p:par>
-                    <p:cTn id="243" fill="hold">
+                    <p:cTn id="249" fill="hold">
                       <p:stCondLst>
                         <p:cond delay="indefinite"/>
                       </p:stCondLst>
                       <p:childTnLst>
                         <p:par>
-                          <p:cTn id="244" fill="hold">
+                          <p:cTn id="250" fill="hold">
                             <p:stCondLst>
                               <p:cond delay="0"/>
                             </p:stCondLst>
                             <p:childTnLst>
                               <p:par>
-                                <p:cTn id="245" presetID="10" presetClass="entr" presetSubtype="0" fill="hold" grpId="0" nodeType="clickEffect">
+                                <p:cTn id="251" presetID="10" presetClass="entr" presetSubtype="0" fill="hold" grpId="0" nodeType="clickEffect">
                                   <p:stCondLst>
                                     <p:cond delay="0"/>
                                   </p:stCondLst>
                                   <p:childTnLst>
                                     <p:set>
                                       <p:cBhvr>
-                                        <p:cTn id="246" dur="1" fill="hold">
+                                        <p:cTn id="252" dur="1" fill="hold">
                                           <p:stCondLst>
                                             <p:cond delay="0"/>
                                           </p:stCondLst>
                                         </p:cTn>
                                         <p:tgtEl>
-                                          <p:spTgt spid="144"/>
+                                          <p:spTgt spid="143"/>
                                         </p:tgtEl>
                                         <p:attrNameLst>
                                           <p:attrName>style.visibility</p:attrName>
@@ -13312,79 +13482,9 @@
                                     </p:set>
                                     <p:animEffect transition="in" filter="fade">
                                       <p:cBhvr>
-                                        <p:cTn id="247" dur="500"/>
-                                        <p:tgtEl>
-                                          <p:spTgt spid="144"/>
-                                        </p:tgtEl>
-                                      </p:cBhvr>
-                                    </p:animEffect>
-                                  </p:childTnLst>
-                                </p:cTn>
-                              </p:par>
-                              <p:par>
-                                <p:cTn id="248" presetID="10" presetClass="entr" presetSubtype="0" fill="hold" grpId="0" nodeType="withEffect">
-                                  <p:stCondLst>
-                                    <p:cond delay="0"/>
-                                  </p:stCondLst>
-                                  <p:childTnLst>
-                                    <p:set>
-                                      <p:cBhvr>
-                                        <p:cTn id="249" dur="1" fill="hold">
-                                          <p:stCondLst>
-                                            <p:cond delay="0"/>
-                                          </p:stCondLst>
-                                        </p:cTn>
-                                        <p:tgtEl>
-                                          <p:spTgt spid="146"/>
-                                        </p:tgtEl>
-                                        <p:attrNameLst>
-                                          <p:attrName>style.visibility</p:attrName>
-                                        </p:attrNameLst>
-                                      </p:cBhvr>
-                                      <p:to>
-                                        <p:strVal val="visible"/>
-                                      </p:to>
-                                    </p:set>
-                                    <p:animEffect transition="in" filter="fade">
-                                      <p:cBhvr>
-                                        <p:cTn id="250" dur="500"/>
-                                        <p:tgtEl>
-                                          <p:spTgt spid="146"/>
-                                        </p:tgtEl>
-                                      </p:cBhvr>
-                                    </p:animEffect>
-                                  </p:childTnLst>
-                                </p:cTn>
-                              </p:par>
-                              <p:par>
-                                <p:cTn id="251" presetID="10" presetClass="entr" presetSubtype="0" fill="hold" grpId="0" nodeType="withEffect">
-                                  <p:stCondLst>
-                                    <p:cond delay="0"/>
-                                  </p:stCondLst>
-                                  <p:childTnLst>
-                                    <p:set>
-                                      <p:cBhvr>
-                                        <p:cTn id="252" dur="1" fill="hold">
-                                          <p:stCondLst>
-                                            <p:cond delay="0"/>
-                                          </p:stCondLst>
-                                        </p:cTn>
-                                        <p:tgtEl>
-                                          <p:spTgt spid="145"/>
-                                        </p:tgtEl>
-                                        <p:attrNameLst>
-                                          <p:attrName>style.visibility</p:attrName>
-                                        </p:attrNameLst>
-                                      </p:cBhvr>
-                                      <p:to>
-                                        <p:strVal val="visible"/>
-                                      </p:to>
-                                    </p:set>
-                                    <p:animEffect transition="in" filter="fade">
-                                      <p:cBhvr>
                                         <p:cTn id="253" dur="500"/>
                                         <p:tgtEl>
-                                          <p:spTgt spid="145"/>
+                                          <p:spTgt spid="143"/>
                                         </p:tgtEl>
                                       </p:cBhvr>
                                     </p:animEffect>
@@ -13405,7 +13505,7 @@
                                           </p:stCondLst>
                                         </p:cTn>
                                         <p:tgtEl>
-                                          <p:spTgt spid="143"/>
+                                          <p:spTgt spid="145"/>
                                         </p:tgtEl>
                                         <p:attrNameLst>
                                           <p:attrName>style.visibility</p:attrName>
@@ -13419,7 +13519,77 @@
                                       <p:cBhvr>
                                         <p:cTn id="256" dur="500"/>
                                         <p:tgtEl>
-                                          <p:spTgt spid="143"/>
+                                          <p:spTgt spid="145"/>
+                                        </p:tgtEl>
+                                      </p:cBhvr>
+                                    </p:animEffect>
+                                  </p:childTnLst>
+                                </p:cTn>
+                              </p:par>
+                              <p:par>
+                                <p:cTn id="257" presetID="10" presetClass="entr" presetSubtype="0" fill="hold" grpId="0" nodeType="withEffect">
+                                  <p:stCondLst>
+                                    <p:cond delay="0"/>
+                                  </p:stCondLst>
+                                  <p:childTnLst>
+                                    <p:set>
+                                      <p:cBhvr>
+                                        <p:cTn id="258" dur="1" fill="hold">
+                                          <p:stCondLst>
+                                            <p:cond delay="0"/>
+                                          </p:stCondLst>
+                                        </p:cTn>
+                                        <p:tgtEl>
+                                          <p:spTgt spid="146"/>
+                                        </p:tgtEl>
+                                        <p:attrNameLst>
+                                          <p:attrName>style.visibility</p:attrName>
+                                        </p:attrNameLst>
+                                      </p:cBhvr>
+                                      <p:to>
+                                        <p:strVal val="visible"/>
+                                      </p:to>
+                                    </p:set>
+                                    <p:animEffect transition="in" filter="fade">
+                                      <p:cBhvr>
+                                        <p:cTn id="259" dur="500"/>
+                                        <p:tgtEl>
+                                          <p:spTgt spid="146"/>
+                                        </p:tgtEl>
+                                      </p:cBhvr>
+                                    </p:animEffect>
+                                  </p:childTnLst>
+                                </p:cTn>
+                              </p:par>
+                              <p:par>
+                                <p:cTn id="260" presetID="10" presetClass="entr" presetSubtype="0" fill="hold" grpId="0" nodeType="withEffect">
+                                  <p:stCondLst>
+                                    <p:cond delay="0"/>
+                                  </p:stCondLst>
+                                  <p:childTnLst>
+                                    <p:set>
+                                      <p:cBhvr>
+                                        <p:cTn id="261" dur="1" fill="hold">
+                                          <p:stCondLst>
+                                            <p:cond delay="0"/>
+                                          </p:stCondLst>
+                                        </p:cTn>
+                                        <p:tgtEl>
+                                          <p:spTgt spid="144"/>
+                                        </p:tgtEl>
+                                        <p:attrNameLst>
+                                          <p:attrName>style.visibility</p:attrName>
+                                        </p:attrNameLst>
+                                      </p:cBhvr>
+                                      <p:to>
+                                        <p:strVal val="visible"/>
+                                      </p:to>
+                                    </p:set>
+                                    <p:animEffect transition="in" filter="fade">
+                                      <p:cBhvr>
+                                        <p:cTn id="262" dur="500"/>
+                                        <p:tgtEl>
+                                          <p:spTgt spid="144"/>
                                         </p:tgtEl>
                                       </p:cBhvr>
                                     </p:animEffect>
@@ -13433,26 +13603,26 @@
                     </p:cTn>
                   </p:par>
                   <p:par>
-                    <p:cTn id="257" fill="hold">
+                    <p:cTn id="263" fill="hold">
                       <p:stCondLst>
                         <p:cond delay="indefinite"/>
                       </p:stCondLst>
                       <p:childTnLst>
                         <p:par>
-                          <p:cTn id="258" fill="hold">
+                          <p:cTn id="264" fill="hold">
                             <p:stCondLst>
                               <p:cond delay="0"/>
                             </p:stCondLst>
                             <p:childTnLst>
                               <p:par>
-                                <p:cTn id="259" presetID="10" presetClass="entr" presetSubtype="0" fill="hold" grpId="0" nodeType="clickEffect">
+                                <p:cTn id="265" presetID="10" presetClass="entr" presetSubtype="0" fill="hold" grpId="0" nodeType="clickEffect">
                                   <p:stCondLst>
                                     <p:cond delay="0"/>
                                   </p:stCondLst>
                                   <p:childTnLst>
                                     <p:set>
                                       <p:cBhvr>
-                                        <p:cTn id="260" dur="1" fill="hold">
+                                        <p:cTn id="266" dur="1" fill="hold">
                                           <p:stCondLst>
                                             <p:cond delay="0"/>
                                           </p:stCondLst>
@@ -13470,7 +13640,7 @@
                                     </p:set>
                                     <p:animEffect transition="in" filter="fade">
                                       <p:cBhvr>
-                                        <p:cTn id="261" dur="500"/>
+                                        <p:cTn id="267" dur="500"/>
                                         <p:tgtEl>
                                           <p:spTgt spid="149"/>
                                         </p:tgtEl>
@@ -13566,6 +13736,8 @@
       <p:bldP spid="25" grpId="0" animBg="1"/>
       <p:bldP spid="116" grpId="0" animBg="1"/>
       <p:bldP spid="117" grpId="0" animBg="1"/>
+      <p:bldP spid="119" grpId="0" animBg="1"/>
+      <p:bldP spid="120" grpId="0" animBg="1"/>
     </p:bldLst>
   </p:timing>
 </p:sld>

--- a/99_Thinktank/Talks/21-12-07_Kolloquium/CERED_Presentation.pptx
+++ b/99_Thinktank/Talks/21-12-07_Kolloquium/CERED_Presentation.pptx
@@ -17,17 +17,18 @@
     <p:sldId id="262" r:id="rId11"/>
     <p:sldId id="263" r:id="rId12"/>
     <p:sldId id="267" r:id="rId13"/>
-    <p:sldId id="268" r:id="rId14"/>
+    <p:sldId id="269" r:id="rId14"/>
+    <p:sldId id="268" r:id="rId15"/>
   </p:sldIdLst>
   <p:sldSz cx="9144000" cy="5715000" type="screen16x10"/>
   <p:notesSz cx="6858000" cy="9144000"/>
   <p:embeddedFontLst>
     <p:embeddedFont>
       <p:font typeface="Open Sans" panose="020B0606030504020204" pitchFamily="34" charset="0"/>
-      <p:regular r:id="rId15"/>
-      <p:bold r:id="rId16"/>
-      <p:italic r:id="rId17"/>
-      <p:boldItalic r:id="rId18"/>
+      <p:regular r:id="rId16"/>
+      <p:bold r:id="rId17"/>
+      <p:italic r:id="rId18"/>
+      <p:boldItalic r:id="rId19"/>
     </p:embeddedFont>
   </p:embeddedFontLst>
   <p:defaultTextStyle>
@@ -3626,116 +3627,170 @@
             <a:endParaRPr lang="en-GB" sz="1400" u="sng" dirty="0"/>
           </a:p>
           <a:p>
-            <a:r>
-              <a:rPr lang="en-GB" sz="1400" u="sng" dirty="0" smtClean="0"/>
-              <a:t>ER: Effort</a:t>
-            </a:r>
-          </a:p>
-          <a:p>
-            <a:pPr marL="285750" indent="-285750">
-              <a:buFont typeface="Arial" panose="020B0604020202020204" pitchFamily="34" charset="0"/>
-              <a:buChar char="•"/>
-            </a:pPr>
-            <a:endParaRPr lang="en-GB" sz="1400" dirty="0" smtClean="0"/>
-          </a:p>
-          <a:p>
-            <a:endParaRPr lang="en-GB" sz="1400" u="sng" dirty="0" smtClean="0"/>
-          </a:p>
-          <a:p>
-            <a:endParaRPr lang="en-GB" sz="1400" u="sng" dirty="0"/>
-          </a:p>
-          <a:p>
-            <a:r>
-              <a:rPr lang="en-GB" sz="1400" u="sng" dirty="0" smtClean="0"/>
-              <a:t>ER Choice:</a:t>
-            </a:r>
-            <a:endParaRPr lang="en-GB" sz="1400" dirty="0" smtClean="0"/>
-          </a:p>
-          <a:p>
-            <a:pPr marL="285750" indent="-285750">
-              <a:buFont typeface="Wingdings" panose="05000000000000000000" pitchFamily="2" charset="2"/>
-              <a:buChar char="§"/>
-            </a:pPr>
-            <a:r>
-              <a:rPr lang="en-GB" sz="1400" dirty="0" smtClean="0"/>
-              <a:t>Distraction: 		3 von 16</a:t>
-            </a:r>
-          </a:p>
-          <a:p>
-            <a:pPr marL="285750" indent="-285750">
-              <a:buFont typeface="Wingdings" panose="05000000000000000000" pitchFamily="2" charset="2"/>
-              <a:buChar char="§"/>
-            </a:pPr>
-            <a:r>
-              <a:rPr lang="en-GB" sz="1400" dirty="0" smtClean="0"/>
-              <a:t>Distancing:		6 von 16</a:t>
-            </a:r>
-          </a:p>
-          <a:p>
-            <a:pPr marL="285750" indent="-285750">
-              <a:buFont typeface="Wingdings" panose="05000000000000000000" pitchFamily="2" charset="2"/>
-              <a:buChar char="§"/>
-            </a:pPr>
-            <a:r>
-              <a:rPr lang="en-GB" sz="1400" dirty="0" smtClean="0"/>
-              <a:t>Suppression:		7 von 16</a:t>
-            </a:r>
-          </a:p>
-          <a:p>
-            <a:r>
-              <a:rPr lang="en-GB" sz="1400" dirty="0" err="1" smtClean="0"/>
-              <a:t>Gründe</a:t>
-            </a:r>
-            <a:r>
-              <a:rPr lang="en-GB" sz="1400" dirty="0" smtClean="0"/>
-              <a:t>: 13 von 16 </a:t>
-            </a:r>
-            <a:r>
-              <a:rPr lang="en-GB" sz="1400" dirty="0" err="1" smtClean="0"/>
-              <a:t>gaben</a:t>
-            </a:r>
-            <a:r>
-              <a:rPr lang="en-GB" sz="1400" dirty="0" smtClean="0"/>
-              <a:t> an, </a:t>
-            </a:r>
-            <a:r>
-              <a:rPr lang="en-GB" sz="1400" dirty="0" err="1" smtClean="0"/>
-              <a:t>dass</a:t>
-            </a:r>
-            <a:r>
-              <a:rPr lang="en-GB" sz="1400" dirty="0" smtClean="0"/>
-              <a:t> die </a:t>
-            </a:r>
-            <a:r>
-              <a:rPr lang="en-GB" sz="1400" dirty="0" err="1" smtClean="0"/>
-              <a:t>gewählte</a:t>
-            </a:r>
-            <a:r>
-              <a:rPr lang="en-GB" sz="1400" dirty="0" smtClean="0"/>
-              <a:t> </a:t>
-            </a:r>
-            <a:r>
-              <a:rPr lang="en-GB" sz="1400" dirty="0" err="1" smtClean="0"/>
-              <a:t>Strategie</a:t>
-            </a:r>
-            <a:r>
-              <a:rPr lang="en-GB" sz="1400" dirty="0" smtClean="0"/>
-              <a:t> </a:t>
-            </a:r>
-            <a:r>
-              <a:rPr lang="en-GB" sz="1400" dirty="0" err="1" smtClean="0"/>
-              <a:t>leichter</a:t>
-            </a:r>
-            <a:r>
-              <a:rPr lang="en-GB" sz="1400" dirty="0" smtClean="0"/>
-              <a:t> war</a:t>
-            </a:r>
-          </a:p>
-          <a:p>
             <a:endParaRPr lang="en-GB" sz="1400" u="sng" dirty="0" smtClean="0"/>
           </a:p>
         </p:txBody>
       </p:sp>
+      <p:sp>
+        <p:nvSpPr>
+          <p:cNvPr id="4" name="AutoShape 2" descr="http://127.0.0.1:36518/chunk_output/s/424F2679/c56szxb71ntp0/000015.png"/>
+          <p:cNvSpPr>
+            <a:spLocks noChangeAspect="1" noChangeArrowheads="1"/>
+          </p:cNvSpPr>
+          <p:nvPr/>
+        </p:nvSpPr>
+        <p:spPr bwMode="auto">
+          <a:xfrm>
+            <a:off x="351233" y="2111999"/>
+            <a:ext cx="2054688" cy="2054688"/>
+          </a:xfrm>
+          <a:prstGeom prst="rect">
+            <a:avLst/>
+          </a:prstGeom>
+          <a:noFill/>
+          <a:extLst>
+            <a:ext uri="{909E8E84-426E-40DD-AFC4-6F175D3DCCD1}">
+              <a14:hiddenFill xmlns:a14="http://schemas.microsoft.com/office/drawing/2010/main">
+                <a:solidFill>
+                  <a:srgbClr val="FFFFFF"/>
+                </a:solidFill>
+              </a14:hiddenFill>
+            </a:ext>
+          </a:extLst>
+        </p:spPr>
+        <p:txBody>
+          <a:bodyPr vert="horz" wrap="square" lIns="91440" tIns="45720" rIns="91440" bIns="45720" numCol="1" anchor="t" anchorCtr="0" compatLnSpc="1">
+            <a:prstTxWarp prst="textNoShape">
+              <a:avLst/>
+            </a:prstTxWarp>
+          </a:bodyPr>
+          <a:lstStyle/>
+          <a:p>
+            <a:endParaRPr lang="de-DE"/>
+          </a:p>
+        </p:txBody>
+      </p:sp>
+      <p:sp>
+        <p:nvSpPr>
+          <p:cNvPr id="5" name="AutoShape 4" descr="http://127.0.0.1:36518/chunk_output/s/424F2679/c56szxb71ntp0/000015.png"/>
+          <p:cNvSpPr>
+            <a:spLocks noChangeAspect="1" noChangeArrowheads="1"/>
+          </p:cNvSpPr>
+          <p:nvPr/>
+        </p:nvSpPr>
+        <p:spPr bwMode="auto">
+          <a:xfrm>
+            <a:off x="63500" y="-136525"/>
+            <a:ext cx="2939686" cy="2939686"/>
+          </a:xfrm>
+          <a:prstGeom prst="rect">
+            <a:avLst/>
+          </a:prstGeom>
+          <a:noFill/>
+          <a:extLst>
+            <a:ext uri="{909E8E84-426E-40DD-AFC4-6F175D3DCCD1}">
+              <a14:hiddenFill xmlns:a14="http://schemas.microsoft.com/office/drawing/2010/main">
+                <a:solidFill>
+                  <a:srgbClr val="FFFFFF"/>
+                </a:solidFill>
+              </a14:hiddenFill>
+            </a:ext>
+          </a:extLst>
+        </p:spPr>
+        <p:txBody>
+          <a:bodyPr vert="horz" wrap="square" lIns="91440" tIns="45720" rIns="91440" bIns="45720" numCol="1" anchor="t" anchorCtr="0" compatLnSpc="1">
+            <a:prstTxWarp prst="textNoShape">
+              <a:avLst/>
+            </a:prstTxWarp>
+          </a:bodyPr>
+          <a:lstStyle/>
+          <a:p>
+            <a:endParaRPr lang="de-DE"/>
+          </a:p>
+        </p:txBody>
+      </p:sp>
+      <p:pic>
+        <p:nvPicPr>
+          <p:cNvPr id="1030" name="Picture 6" descr="https://cdn.discordapp.com/attachments/691919447572742155/917437897324503060/unknown.png"/>
+          <p:cNvPicPr>
+            <a:picLocks noChangeAspect="1" noChangeArrowheads="1"/>
+          </p:cNvPicPr>
+          <p:nvPr/>
+        </p:nvPicPr>
+        <p:blipFill>
+          <a:blip r:embed="rId2">
+            <a:extLst>
+              <a:ext uri="{28A0092B-C50C-407E-A947-70E740481C1C}">
+                <a14:useLocalDpi xmlns:a14="http://schemas.microsoft.com/office/drawing/2010/main" val="0"/>
+              </a:ext>
+            </a:extLst>
+          </a:blip>
+          <a:srcRect/>
+          <a:stretch>
+            <a:fillRect/>
+          </a:stretch>
+        </p:blipFill>
+        <p:spPr bwMode="auto">
+          <a:xfrm>
+            <a:off x="370771" y="1683233"/>
+            <a:ext cx="4070300" cy="2511958"/>
+          </a:xfrm>
+          <a:prstGeom prst="rect">
+            <a:avLst/>
+          </a:prstGeom>
+          <a:noFill/>
+          <a:extLst>
+            <a:ext uri="{909E8E84-426E-40DD-AFC4-6F175D3DCCD1}">
+              <a14:hiddenFill xmlns:a14="http://schemas.microsoft.com/office/drawing/2010/main">
+                <a:solidFill>
+                  <a:srgbClr val="FFFFFF"/>
+                </a:solidFill>
+              </a14:hiddenFill>
+            </a:ext>
+          </a:extLst>
+        </p:spPr>
+      </p:pic>
+      <p:pic>
+        <p:nvPicPr>
+          <p:cNvPr id="1032" name="Picture 8" descr="https://cdn.discordapp.com/attachments/691919447572742155/917437799307808838/unknown.png"/>
+          <p:cNvPicPr>
+            <a:picLocks noChangeAspect="1" noChangeArrowheads="1"/>
+          </p:cNvPicPr>
+          <p:nvPr/>
+        </p:nvPicPr>
+        <p:blipFill>
+          <a:blip r:embed="rId3">
+            <a:extLst>
+              <a:ext uri="{28A0092B-C50C-407E-A947-70E740481C1C}">
+                <a14:useLocalDpi xmlns:a14="http://schemas.microsoft.com/office/drawing/2010/main" val="0"/>
+              </a:ext>
+            </a:extLst>
+          </a:blip>
+          <a:srcRect/>
+          <a:stretch>
+            <a:fillRect/>
+          </a:stretch>
+        </p:blipFill>
+        <p:spPr bwMode="auto">
+          <a:xfrm>
+            <a:off x="4751883" y="1683233"/>
+            <a:ext cx="4070302" cy="2511958"/>
+          </a:xfrm>
+          <a:prstGeom prst="rect">
+            <a:avLst/>
+          </a:prstGeom>
+          <a:noFill/>
+          <a:extLst>
+            <a:ext uri="{909E8E84-426E-40DD-AFC4-6F175D3DCCD1}">
+              <a14:hiddenFill xmlns:a14="http://schemas.microsoft.com/office/drawing/2010/main">
+                <a:solidFill>
+                  <a:srgbClr val="FFFFFF"/>
+                </a:solidFill>
+              </a14:hiddenFill>
+            </a:ext>
+          </a:extLst>
+        </p:spPr>
+      </p:pic>
     </p:spTree>
     <p:extLst>
       <p:ext uri="{BB962C8B-B14F-4D97-AF65-F5344CB8AC3E}">
@@ -3757,6 +3812,249 @@
 </file>
 
 <file path=ppt/slides/slide13.xml><?xml version="1.0" encoding="utf-8"?>
+<p:sld xmlns:a="http://schemas.openxmlformats.org/drawingml/2006/main" xmlns:r="http://schemas.openxmlformats.org/officeDocument/2006/relationships" xmlns:p="http://schemas.openxmlformats.org/presentationml/2006/main">
+  <p:cSld>
+    <p:spTree>
+      <p:nvGrpSpPr>
+        <p:cNvPr id="1" name=""/>
+        <p:cNvGrpSpPr/>
+        <p:nvPr/>
+      </p:nvGrpSpPr>
+      <p:grpSpPr>
+        <a:xfrm>
+          <a:off x="0" y="0"/>
+          <a:ext cx="0" cy="0"/>
+          <a:chOff x="0" y="0"/>
+          <a:chExt cx="0" cy="0"/>
+        </a:xfrm>
+      </p:grpSpPr>
+      <p:sp>
+        <p:nvSpPr>
+          <p:cNvPr id="2" name="Titel 1"/>
+          <p:cNvSpPr>
+            <a:spLocks noGrp="1"/>
+          </p:cNvSpPr>
+          <p:nvPr>
+            <p:ph type="title"/>
+          </p:nvPr>
+        </p:nvSpPr>
+        <p:spPr/>
+        <p:txBody>
+          <a:bodyPr/>
+          <a:lstStyle/>
+          <a:p>
+            <a:r>
+              <a:rPr lang="en-GB" dirty="0" smtClean="0"/>
+              <a:t>3. The study: Results of the pilot session 2</a:t>
+            </a:r>
+            <a:endParaRPr lang="en-GB" dirty="0"/>
+          </a:p>
+        </p:txBody>
+      </p:sp>
+      <p:sp>
+        <p:nvSpPr>
+          <p:cNvPr id="3" name="Inhaltsplatzhalter 2"/>
+          <p:cNvSpPr>
+            <a:spLocks noGrp="1"/>
+          </p:cNvSpPr>
+          <p:nvPr>
+            <p:ph sz="quarter" idx="10"/>
+          </p:nvPr>
+        </p:nvSpPr>
+        <p:spPr>
+          <a:xfrm>
+            <a:off x="301604" y="703428"/>
+            <a:ext cx="6318740" cy="1627231"/>
+          </a:xfrm>
+        </p:spPr>
+        <p:txBody>
+          <a:bodyPr/>
+          <a:lstStyle/>
+          <a:p>
+            <a:endParaRPr lang="en-GB" sz="1400" u="sng" dirty="0"/>
+          </a:p>
+          <a:p>
+            <a:r>
+              <a:rPr lang="en-GB" sz="1400" u="sng" dirty="0" smtClean="0"/>
+              <a:t>ER: Effort</a:t>
+            </a:r>
+          </a:p>
+          <a:p>
+            <a:pPr marL="285750" indent="-285750">
+              <a:buFont typeface="Arial" panose="020B0604020202020204" pitchFamily="34" charset="0"/>
+              <a:buChar char="•"/>
+            </a:pPr>
+            <a:endParaRPr lang="en-GB" sz="1400" dirty="0" smtClean="0"/>
+          </a:p>
+          <a:p>
+            <a:endParaRPr lang="en-GB" sz="1400" u="sng" dirty="0" smtClean="0"/>
+          </a:p>
+          <a:p>
+            <a:endParaRPr lang="en-GB" sz="1400" u="sng" dirty="0" smtClean="0"/>
+          </a:p>
+          <a:p>
+            <a:endParaRPr lang="en-GB" sz="1400" u="sng" dirty="0"/>
+          </a:p>
+          <a:p>
+            <a:endParaRPr lang="en-GB" sz="1400" u="sng" dirty="0" smtClean="0"/>
+          </a:p>
+          <a:p>
+            <a:endParaRPr lang="en-GB" sz="1400" u="sng" dirty="0"/>
+          </a:p>
+          <a:p>
+            <a:r>
+              <a:rPr lang="en-GB" sz="1400" u="sng" dirty="0" smtClean="0"/>
+              <a:t>ER Choice:</a:t>
+            </a:r>
+            <a:endParaRPr lang="en-GB" sz="1400" dirty="0" smtClean="0"/>
+          </a:p>
+          <a:p>
+            <a:pPr marL="285750" indent="-285750">
+              <a:buFont typeface="Wingdings" panose="05000000000000000000" pitchFamily="2" charset="2"/>
+              <a:buChar char="§"/>
+            </a:pPr>
+            <a:r>
+              <a:rPr lang="en-GB" sz="1400" dirty="0" smtClean="0"/>
+              <a:t>Distraction: 		3 von 16</a:t>
+            </a:r>
+          </a:p>
+          <a:p>
+            <a:pPr marL="285750" indent="-285750">
+              <a:buFont typeface="Wingdings" panose="05000000000000000000" pitchFamily="2" charset="2"/>
+              <a:buChar char="§"/>
+            </a:pPr>
+            <a:r>
+              <a:rPr lang="en-GB" sz="1400" dirty="0" smtClean="0"/>
+              <a:t>Distancing:		6 von 16</a:t>
+            </a:r>
+          </a:p>
+          <a:p>
+            <a:pPr marL="285750" indent="-285750">
+              <a:buFont typeface="Wingdings" panose="05000000000000000000" pitchFamily="2" charset="2"/>
+              <a:buChar char="§"/>
+            </a:pPr>
+            <a:r>
+              <a:rPr lang="en-GB" sz="1400" dirty="0" smtClean="0"/>
+              <a:t>Suppression:		7 von 16</a:t>
+            </a:r>
+          </a:p>
+          <a:p>
+            <a:r>
+              <a:rPr lang="en-GB" sz="1400" dirty="0" err="1" smtClean="0"/>
+              <a:t>Gründe</a:t>
+            </a:r>
+            <a:r>
+              <a:rPr lang="en-GB" sz="1400" dirty="0" smtClean="0"/>
+              <a:t>: 13 von 16 </a:t>
+            </a:r>
+            <a:r>
+              <a:rPr lang="en-GB" sz="1400" dirty="0" err="1" smtClean="0"/>
+              <a:t>gaben</a:t>
+            </a:r>
+            <a:r>
+              <a:rPr lang="en-GB" sz="1400" dirty="0" smtClean="0"/>
+              <a:t> an, </a:t>
+            </a:r>
+            <a:r>
+              <a:rPr lang="en-GB" sz="1400" dirty="0" err="1" smtClean="0"/>
+              <a:t>dass</a:t>
+            </a:r>
+            <a:r>
+              <a:rPr lang="en-GB" sz="1400" dirty="0" smtClean="0"/>
+              <a:t> die </a:t>
+            </a:r>
+            <a:r>
+              <a:rPr lang="en-GB" sz="1400" dirty="0" err="1" smtClean="0"/>
+              <a:t>gewählte</a:t>
+            </a:r>
+            <a:r>
+              <a:rPr lang="en-GB" sz="1400" dirty="0" smtClean="0"/>
+              <a:t> </a:t>
+            </a:r>
+            <a:r>
+              <a:rPr lang="en-GB" sz="1400" dirty="0" err="1" smtClean="0"/>
+              <a:t>Strategie</a:t>
+            </a:r>
+            <a:r>
+              <a:rPr lang="en-GB" sz="1400" dirty="0" smtClean="0"/>
+              <a:t> </a:t>
+            </a:r>
+            <a:r>
+              <a:rPr lang="en-GB" sz="1400" dirty="0" err="1" smtClean="0"/>
+              <a:t>leichter</a:t>
+            </a:r>
+            <a:r>
+              <a:rPr lang="en-GB" sz="1400" dirty="0" smtClean="0"/>
+              <a:t> war</a:t>
+            </a:r>
+          </a:p>
+          <a:p>
+            <a:endParaRPr lang="en-GB" sz="1400" u="sng" dirty="0" smtClean="0"/>
+          </a:p>
+        </p:txBody>
+      </p:sp>
+      <p:pic>
+        <p:nvPicPr>
+          <p:cNvPr id="2050" name="Picture 2" descr="https://cdn.discordapp.com/attachments/691919447572742155/917438340058480660/unknown.png"/>
+          <p:cNvPicPr>
+            <a:picLocks noChangeAspect="1" noChangeArrowheads="1"/>
+          </p:cNvPicPr>
+          <p:nvPr/>
+        </p:nvPicPr>
+        <p:blipFill>
+          <a:blip r:embed="rId2">
+            <a:extLst>
+              <a:ext uri="{28A0092B-C50C-407E-A947-70E740481C1C}">
+                <a14:useLocalDpi xmlns:a14="http://schemas.microsoft.com/office/drawing/2010/main" val="0"/>
+              </a:ext>
+            </a:extLst>
+          </a:blip>
+          <a:srcRect/>
+          <a:stretch>
+            <a:fillRect/>
+          </a:stretch>
+        </p:blipFill>
+        <p:spPr bwMode="auto">
+          <a:xfrm>
+            <a:off x="3460974" y="770884"/>
+            <a:ext cx="4819703" cy="2974446"/>
+          </a:xfrm>
+          <a:prstGeom prst="rect">
+            <a:avLst/>
+          </a:prstGeom>
+          <a:noFill/>
+          <a:extLst>
+            <a:ext uri="{909E8E84-426E-40DD-AFC4-6F175D3DCCD1}">
+              <a14:hiddenFill xmlns:a14="http://schemas.microsoft.com/office/drawing/2010/main">
+                <a:solidFill>
+                  <a:srgbClr val="FFFFFF"/>
+                </a:solidFill>
+              </a14:hiddenFill>
+            </a:ext>
+          </a:extLst>
+        </p:spPr>
+      </p:pic>
+    </p:spTree>
+    <p:extLst>
+      <p:ext uri="{BB962C8B-B14F-4D97-AF65-F5344CB8AC3E}">
+        <p14:creationId xmlns:p14="http://schemas.microsoft.com/office/powerpoint/2010/main" val="2151245194"/>
+      </p:ext>
+    </p:extLst>
+  </p:cSld>
+  <p:clrMapOvr>
+    <a:masterClrMapping/>
+  </p:clrMapOvr>
+  <p:timing>
+    <p:tnLst>
+      <p:par>
+        <p:cTn id="1" dur="indefinite" restart="never" nodeType="tmRoot"/>
+      </p:par>
+    </p:tnLst>
+  </p:timing>
+</p:sld>
+</file>
+
+<file path=ppt/slides/slide14.xml><?xml version="1.0" encoding="utf-8"?>
 <p:sld xmlns:a="http://schemas.openxmlformats.org/drawingml/2006/main" xmlns:r="http://schemas.openxmlformats.org/officeDocument/2006/relationships" xmlns:p="http://schemas.openxmlformats.org/presentationml/2006/main">
   <p:cSld>
     <p:spTree>

--- a/99_Thinktank/Talks/21-12-07_Kolloquium/CERED_Presentation.pptx
+++ b/99_Thinktank/Talks/21-12-07_Kolloquium/CERED_Presentation.pptx
@@ -19,16 +19,17 @@
     <p:sldId id="267" r:id="rId13"/>
     <p:sldId id="269" r:id="rId14"/>
     <p:sldId id="268" r:id="rId15"/>
+    <p:sldId id="270" r:id="rId16"/>
   </p:sldIdLst>
   <p:sldSz cx="9144000" cy="5715000" type="screen16x10"/>
   <p:notesSz cx="6858000" cy="9144000"/>
   <p:embeddedFontLst>
     <p:embeddedFont>
       <p:font typeface="Open Sans" panose="020B0606030504020204" pitchFamily="34" charset="0"/>
-      <p:regular r:id="rId16"/>
-      <p:bold r:id="rId17"/>
-      <p:italic r:id="rId18"/>
-      <p:boldItalic r:id="rId19"/>
+      <p:regular r:id="rId17"/>
+      <p:bold r:id="rId18"/>
+      <p:italic r:id="rId19"/>
+      <p:boldItalic r:id="rId20"/>
     </p:embeddedFont>
   </p:embeddedFontLst>
   <p:defaultTextStyle>
@@ -3791,6 +3792,54 @@
           </a:extLst>
         </p:spPr>
       </p:pic>
+      <p:sp>
+        <p:nvSpPr>
+          <p:cNvPr id="6" name="Geschweifte Klammer rechts 5"/>
+          <p:cNvSpPr/>
+          <p:nvPr/>
+        </p:nvSpPr>
+        <p:spPr>
+          <a:xfrm rot="16200000">
+            <a:off x="2487583" y="762030"/>
+            <a:ext cx="82445" cy="1702952"/>
+          </a:xfrm>
+          <a:prstGeom prst="rightBrace">
+            <a:avLst>
+              <a:gd name="adj1" fmla="val 35942"/>
+              <a:gd name="adj2" fmla="val 50000"/>
+            </a:avLst>
+          </a:prstGeom>
+          <a:ln w="12700">
+            <a:solidFill>
+              <a:schemeClr val="bg2">
+                <a:lumMod val="50000"/>
+              </a:schemeClr>
+            </a:solidFill>
+          </a:ln>
+        </p:spPr>
+        <p:style>
+          <a:lnRef idx="1">
+            <a:schemeClr val="accent1"/>
+          </a:lnRef>
+          <a:fillRef idx="0">
+            <a:schemeClr val="accent1"/>
+          </a:fillRef>
+          <a:effectRef idx="0">
+            <a:schemeClr val="accent1"/>
+          </a:effectRef>
+          <a:fontRef idx="minor">
+            <a:schemeClr val="tx1"/>
+          </a:fontRef>
+        </p:style>
+        <p:txBody>
+          <a:bodyPr rtlCol="0" anchor="ctr"/>
+          <a:lstStyle/>
+          <a:p>
+            <a:pPr algn="ctr"/>
+            <a:endParaRPr lang="de-DE"/>
+          </a:p>
+        </p:txBody>
+      </p:sp>
     </p:spTree>
     <p:extLst>
       <p:ext uri="{BB962C8B-B14F-4D97-AF65-F5344CB8AC3E}">
@@ -3864,7 +3913,7 @@
         <p:spPr>
           <a:xfrm>
             <a:off x="301604" y="703428"/>
-            <a:ext cx="6318740" cy="1627231"/>
+            <a:ext cx="3159370" cy="1627231"/>
           </a:xfrm>
         </p:spPr>
         <p:txBody>
@@ -3881,21 +3930,69 @@
           </a:p>
           <a:p>
             <a:pPr marL="285750" indent="-285750">
-              <a:buFont typeface="Arial" panose="020B0604020202020204" pitchFamily="34" charset="0"/>
-              <a:buChar char="•"/>
+              <a:buFont typeface="Wingdings" panose="05000000000000000000" pitchFamily="2" charset="2"/>
+              <a:buChar char="§"/>
             </a:pPr>
-            <a:endParaRPr lang="en-GB" sz="1400" dirty="0" smtClean="0"/>
-          </a:p>
-          <a:p>
-            <a:endParaRPr lang="en-GB" sz="1400" u="sng" dirty="0" smtClean="0"/>
-          </a:p>
-          <a:p>
-            <a:endParaRPr lang="en-GB" sz="1400" u="sng" dirty="0" smtClean="0"/>
-          </a:p>
-          <a:p>
-            <a:endParaRPr lang="en-GB" sz="1400" u="sng" dirty="0"/>
-          </a:p>
-          <a:p>
+            <a:r>
+              <a:rPr lang="en-GB" sz="1400" dirty="0" err="1" smtClean="0"/>
+              <a:t>Anwendung</a:t>
+            </a:r>
+            <a:r>
+              <a:rPr lang="en-GB" sz="1400" dirty="0" smtClean="0"/>
+              <a:t> </a:t>
+            </a:r>
+            <a:r>
+              <a:rPr lang="en-GB" sz="1400" dirty="0" err="1" smtClean="0"/>
+              <a:t>aller</a:t>
+            </a:r>
+            <a:r>
+              <a:rPr lang="en-GB" sz="1400" dirty="0" smtClean="0"/>
+              <a:t> </a:t>
+            </a:r>
+            <a:r>
+              <a:rPr lang="en-GB" sz="1400" dirty="0" err="1" smtClean="0"/>
+              <a:t>drei</a:t>
+            </a:r>
+            <a:r>
+              <a:rPr lang="en-GB" sz="1400" dirty="0" smtClean="0"/>
+              <a:t> </a:t>
+            </a:r>
+            <a:r>
+              <a:rPr lang="en-GB" sz="1400" dirty="0" err="1" smtClean="0"/>
+              <a:t>Regulationsstrategien</a:t>
+            </a:r>
+            <a:r>
+              <a:rPr lang="en-GB" sz="1400" dirty="0" smtClean="0"/>
+              <a:t> </a:t>
+            </a:r>
+            <a:r>
+              <a:rPr lang="en-GB" sz="1400" dirty="0" err="1" smtClean="0"/>
+              <a:t>anstrengender</a:t>
+            </a:r>
+            <a:r>
+              <a:rPr lang="en-GB" sz="1400" dirty="0" smtClean="0"/>
+              <a:t>, </a:t>
+            </a:r>
+            <a:r>
+              <a:rPr lang="en-GB" sz="1400" dirty="0" err="1" smtClean="0"/>
+              <a:t>als</a:t>
+            </a:r>
+            <a:r>
+              <a:rPr lang="en-GB" sz="1400" dirty="0" smtClean="0"/>
+              <a:t> das </a:t>
+            </a:r>
+            <a:r>
+              <a:rPr lang="en-GB" sz="1400" dirty="0" err="1" smtClean="0"/>
+              <a:t>Anschauen</a:t>
+            </a:r>
+            <a:r>
+              <a:rPr lang="en-GB" sz="1400" dirty="0" smtClean="0"/>
+              <a:t> der </a:t>
+            </a:r>
+            <a:r>
+              <a:rPr lang="en-GB" sz="1400" dirty="0" err="1" smtClean="0"/>
+              <a:t>Bilder</a:t>
+            </a:r>
             <a:endParaRPr lang="en-GB" sz="1400" u="sng" dirty="0" smtClean="0"/>
           </a:p>
           <a:p>
@@ -4016,7 +4113,7 @@
         </p:blipFill>
         <p:spPr bwMode="auto">
           <a:xfrm>
-            <a:off x="3460974" y="770884"/>
+            <a:off x="3903184" y="1220589"/>
             <a:ext cx="4819703" cy="2974446"/>
           </a:xfrm>
           <a:prstGeom prst="rect">
@@ -4107,7 +4204,7 @@
         <p:spPr>
           <a:xfrm>
             <a:off x="656035" y="858574"/>
-            <a:ext cx="7935516" cy="3620823"/>
+            <a:ext cx="3683617" cy="3620823"/>
           </a:xfrm>
         </p:spPr>
         <p:txBody>
@@ -4136,7 +4233,15 @@
             </a:r>
           </a:p>
           <a:p>
-            <a:endParaRPr lang="en-GB" sz="1400" dirty="0"/>
+            <a:r>
+              <a:rPr lang="en-GB" sz="1400" b="1" dirty="0" err="1" smtClean="0"/>
+              <a:t>Statistik</a:t>
+            </a:r>
+            <a:r>
+              <a:rPr lang="en-GB" sz="1400" b="1" dirty="0" smtClean="0"/>
+              <a:t>:</a:t>
+            </a:r>
+            <a:endParaRPr lang="en-GB" sz="1400" b="1" dirty="0"/>
           </a:p>
           <a:p>
             <a:pPr marL="285750" indent="-285750">
@@ -4151,14 +4256,54 @@
               <a:rPr lang="en-GB" sz="1400" dirty="0" err="1" smtClean="0"/>
               <a:t>Ergebnisse</a:t>
             </a:r>
-            <a:endParaRPr lang="en-GB" sz="1400" dirty="0" smtClean="0"/>
+            <a:r>
+              <a:rPr lang="en-GB" sz="1400" dirty="0" smtClean="0"/>
+              <a:t> (Corrugator und </a:t>
+            </a:r>
+            <a:r>
+              <a:rPr lang="en-GB" sz="1400" dirty="0" err="1" smtClean="0"/>
+              <a:t>Levator</a:t>
+            </a:r>
+            <a:r>
+              <a:rPr lang="en-GB" sz="1400" dirty="0" smtClean="0"/>
+              <a:t>)</a:t>
+            </a:r>
+            <a:endParaRPr lang="en-GB" sz="1400" dirty="0"/>
           </a:p>
           <a:p>
             <a:pPr marL="285750" indent="-285750">
               <a:buFontTx/>
               <a:buChar char="-"/>
             </a:pPr>
-            <a:endParaRPr lang="en-GB" sz="1400" u="sng" dirty="0"/>
+            <a:r>
+              <a:rPr lang="en-GB" sz="1400" dirty="0" err="1" smtClean="0"/>
+              <a:t>Systematik</a:t>
+            </a:r>
+            <a:r>
+              <a:rPr lang="en-GB" sz="1400" dirty="0" smtClean="0"/>
+              <a:t> in </a:t>
+            </a:r>
+            <a:r>
+              <a:rPr lang="en-GB" sz="1400" dirty="0" err="1" smtClean="0"/>
+              <a:t>Subjektive</a:t>
+            </a:r>
+            <a:r>
+              <a:rPr lang="en-GB" sz="1400" dirty="0" smtClean="0"/>
+              <a:t> </a:t>
+            </a:r>
+            <a:r>
+              <a:rPr lang="en-GB" sz="1400" dirty="0" err="1" smtClean="0"/>
+              <a:t>Werte</a:t>
+            </a:r>
+            <a:r>
+              <a:rPr lang="en-GB" sz="1400" dirty="0" smtClean="0"/>
+              <a:t> </a:t>
+            </a:r>
+            <a:r>
+              <a:rPr lang="en-GB" sz="1400" dirty="0" err="1" smtClean="0"/>
+              <a:t>bringen</a:t>
+            </a:r>
+            <a:endParaRPr lang="en-GB" sz="1400" dirty="0" smtClean="0"/>
           </a:p>
           <a:p>
             <a:pPr marL="285750" indent="-285750">
@@ -4166,6 +4311,35 @@
               <a:buChar char="-"/>
             </a:pPr>
             <a:r>
+              <a:rPr lang="en-GB" sz="1400" dirty="0" err="1" smtClean="0"/>
+              <a:t>Vorhersage</a:t>
+            </a:r>
+            <a:r>
+              <a:rPr lang="en-GB" sz="1400" dirty="0" smtClean="0"/>
+              <a:t> </a:t>
+            </a:r>
+            <a:r>
+              <a:rPr lang="en-GB" sz="1400" dirty="0" err="1" smtClean="0"/>
+              <a:t>Subjektiver</a:t>
+            </a:r>
+            <a:r>
+              <a:rPr lang="en-GB" sz="1400" dirty="0" smtClean="0"/>
+              <a:t> </a:t>
+            </a:r>
+            <a:r>
+              <a:rPr lang="en-GB" sz="1400" dirty="0" err="1" smtClean="0"/>
+              <a:t>Werte</a:t>
+            </a:r>
+            <a:r>
+              <a:rPr lang="en-GB" sz="1400" dirty="0" smtClean="0"/>
+              <a:t>:</a:t>
+            </a:r>
+          </a:p>
+          <a:p>
+            <a:pPr lvl="1" indent="0">
+              <a:buNone/>
+            </a:pPr>
+            <a:r>
               <a:rPr lang="en-GB" sz="1400" dirty="0" smtClean="0"/>
               <a:t>Multiples </a:t>
             </a:r>
@@ -4175,11 +4349,272 @@
             </a:r>
             <a:r>
               <a:rPr lang="en-GB" sz="1400" dirty="0" smtClean="0"/>
-              <a:t> Modell um SVs der </a:t>
+              <a:t> </a:t>
+            </a:r>
+            <a:r>
+              <a:rPr lang="en-GB" sz="1400" dirty="0" smtClean="0"/>
+              <a:t>Modell </a:t>
             </a:r>
             <a:r>
               <a:rPr lang="en-GB" sz="1400" dirty="0" err="1" smtClean="0"/>
-              <a:t>Strategien</a:t>
+              <a:t>mit</a:t>
+            </a:r>
+            <a:r>
+              <a:rPr lang="en-GB" sz="1400" dirty="0" smtClean="0"/>
+              <a:t> den </a:t>
+            </a:r>
+            <a:r>
+              <a:rPr lang="en-GB" sz="1400" dirty="0" err="1" smtClean="0"/>
+              <a:t>Prädiktoren</a:t>
+            </a:r>
+            <a:r>
+              <a:rPr lang="en-GB" sz="1400" dirty="0" smtClean="0"/>
+              <a:t>:</a:t>
+            </a:r>
+          </a:p>
+          <a:p>
+            <a:pPr marL="582707" lvl="1" indent="-285750">
+              <a:buFontTx/>
+              <a:buChar char="-"/>
+            </a:pPr>
+            <a:r>
+              <a:rPr lang="en-GB" sz="1400" dirty="0" err="1" smtClean="0"/>
+              <a:t>Subjektives</a:t>
+            </a:r>
+            <a:r>
+              <a:rPr lang="en-GB" sz="1400" dirty="0" smtClean="0"/>
+              <a:t> Arousal-Rating</a:t>
+            </a:r>
+          </a:p>
+          <a:p>
+            <a:pPr marL="582707" lvl="1" indent="-285750">
+              <a:buFontTx/>
+              <a:buChar char="-"/>
+            </a:pPr>
+            <a:r>
+              <a:rPr lang="en-GB" sz="1400" dirty="0" smtClean="0"/>
+              <a:t>EMG </a:t>
+            </a:r>
+            <a:r>
+              <a:rPr lang="en-GB" sz="1400" dirty="0" err="1" smtClean="0"/>
+              <a:t>Aktivität</a:t>
+            </a:r>
+            <a:endParaRPr lang="en-GB" sz="1400" dirty="0" smtClean="0"/>
+          </a:p>
+          <a:p>
+            <a:pPr marL="582707" lvl="1" indent="-285750">
+              <a:buFontTx/>
+              <a:buChar char="-"/>
+            </a:pPr>
+            <a:r>
+              <a:rPr lang="en-GB" sz="1400" dirty="0" err="1" smtClean="0"/>
+              <a:t>subjektives</a:t>
+            </a:r>
+            <a:r>
+              <a:rPr lang="en-GB" sz="1400" dirty="0" smtClean="0"/>
+              <a:t> Effort-Rating</a:t>
+            </a:r>
+            <a:endParaRPr lang="en-GB" sz="1400" dirty="0" smtClean="0"/>
+          </a:p>
+        </p:txBody>
+      </p:sp>
+      <p:sp>
+        <p:nvSpPr>
+          <p:cNvPr id="4" name="Inhaltsplatzhalter 2"/>
+          <p:cNvSpPr txBox="1">
+            <a:spLocks/>
+          </p:cNvSpPr>
+          <p:nvPr/>
+        </p:nvSpPr>
+        <p:spPr>
+          <a:xfrm>
+            <a:off x="4676258" y="858573"/>
+            <a:ext cx="3683617" cy="3620823"/>
+          </a:xfrm>
+          <a:prstGeom prst="rect">
+            <a:avLst/>
+          </a:prstGeom>
+          <a:ln>
+            <a:noFill/>
+          </a:ln>
+        </p:spPr>
+        <p:txBody>
+          <a:bodyPr vert="horz" lIns="0" tIns="0" rIns="0" bIns="0" rtlCol="0">
+            <a:noAutofit/>
+          </a:bodyPr>
+          <a:lstStyle>
+            <a:lvl1pPr marL="0" indent="0" algn="l" defTabSz="685702" rtl="0" eaLnBrk="1" latinLnBrk="0" hangingPunct="1">
+              <a:spcBef>
+                <a:spcPts val="900"/>
+              </a:spcBef>
+              <a:buFont typeface="Arial" panose="020B0604020202020204" pitchFamily="34" charset="0"/>
+              <a:buNone/>
+              <a:defRPr sz="1200" kern="1200">
+                <a:solidFill>
+                  <a:schemeClr val="tx2"/>
+                </a:solidFill>
+                <a:latin typeface="Open Sans" panose="020B0606030504020204" pitchFamily="34" charset="0"/>
+                <a:ea typeface="+mn-ea"/>
+                <a:cs typeface="+mn-cs"/>
+              </a:defRPr>
+            </a:lvl1pPr>
+            <a:lvl2pPr marL="296957" indent="-242965" algn="l" defTabSz="685702" rtl="0" eaLnBrk="1" latinLnBrk="0" hangingPunct="1">
+              <a:spcBef>
+                <a:spcPts val="225"/>
+              </a:spcBef>
+              <a:buFont typeface="Open Sans" panose="020B0606030504020204" pitchFamily="34" charset="0"/>
+              <a:buChar char="—"/>
+              <a:defRPr sz="1200" kern="1200">
+                <a:solidFill>
+                  <a:schemeClr val="tx2"/>
+                </a:solidFill>
+                <a:latin typeface="Open Sans" panose="020B0606030504020204" pitchFamily="34" charset="0"/>
+                <a:ea typeface="+mn-ea"/>
+                <a:cs typeface="+mn-cs"/>
+              </a:defRPr>
+            </a:lvl2pPr>
+            <a:lvl3pPr marL="0" indent="0" algn="l" defTabSz="685702" rtl="0" eaLnBrk="1" latinLnBrk="0" hangingPunct="1">
+              <a:spcBef>
+                <a:spcPts val="900"/>
+              </a:spcBef>
+              <a:buFont typeface="Arial" panose="020B0604020202020204" pitchFamily="34" charset="0"/>
+              <a:buNone/>
+              <a:defRPr sz="1050" kern="1200">
+                <a:solidFill>
+                  <a:schemeClr val="tx2"/>
+                </a:solidFill>
+                <a:latin typeface="Open Sans" panose="020B0606030504020204" pitchFamily="34" charset="0"/>
+                <a:ea typeface="+mn-ea"/>
+                <a:cs typeface="+mn-cs"/>
+              </a:defRPr>
+            </a:lvl3pPr>
+            <a:lvl4pPr marL="296957" indent="-161977" algn="l" defTabSz="685702" rtl="0" eaLnBrk="1" latinLnBrk="0" hangingPunct="1">
+              <a:spcBef>
+                <a:spcPts val="225"/>
+              </a:spcBef>
+              <a:buFont typeface="Symbol" panose="05050102010706020507" pitchFamily="18" charset="2"/>
+              <a:buChar char="-"/>
+              <a:defRPr sz="1050" kern="1200">
+                <a:solidFill>
+                  <a:schemeClr val="tx2"/>
+                </a:solidFill>
+                <a:latin typeface="Open Sans" panose="020B0606030504020204" pitchFamily="34" charset="0"/>
+                <a:ea typeface="+mn-ea"/>
+                <a:cs typeface="+mn-cs"/>
+              </a:defRPr>
+            </a:lvl4pPr>
+            <a:lvl5pPr marL="431937" indent="-134522" algn="l" defTabSz="685702" rtl="0" eaLnBrk="1" latinLnBrk="0" hangingPunct="1">
+              <a:spcBef>
+                <a:spcPts val="225"/>
+              </a:spcBef>
+              <a:buFont typeface="Symbol" panose="05050102010706020507" pitchFamily="18" charset="2"/>
+              <a:buChar char="-"/>
+              <a:defRPr sz="1050" kern="1200" baseline="0">
+                <a:solidFill>
+                  <a:schemeClr val="tx2"/>
+                </a:solidFill>
+                <a:latin typeface="Open Sans" panose="020B0606030504020204" pitchFamily="34" charset="0"/>
+                <a:ea typeface="+mn-ea"/>
+                <a:cs typeface="+mn-cs"/>
+              </a:defRPr>
+            </a:lvl5pPr>
+            <a:lvl6pPr marL="269042" indent="0" algn="l" defTabSz="685702" rtl="0" eaLnBrk="1" latinLnBrk="0" hangingPunct="1">
+              <a:spcBef>
+                <a:spcPts val="0"/>
+              </a:spcBef>
+              <a:buFont typeface="Arial" panose="020B0604020202020204" pitchFamily="34" charset="0"/>
+              <a:buNone/>
+              <a:defRPr sz="2400" b="1" kern="1200">
+                <a:solidFill>
+                  <a:schemeClr val="bg1"/>
+                </a:solidFill>
+                <a:latin typeface="+mn-lt"/>
+                <a:ea typeface="+mn-ea"/>
+                <a:cs typeface="+mn-cs"/>
+              </a:defRPr>
+            </a:lvl6pPr>
+            <a:lvl7pPr marL="269042" indent="0" algn="l" defTabSz="685702" rtl="0" eaLnBrk="1" latinLnBrk="0" hangingPunct="1">
+              <a:spcBef>
+                <a:spcPts val="0"/>
+              </a:spcBef>
+              <a:buFont typeface="Arial" panose="020B0604020202020204" pitchFamily="34" charset="0"/>
+              <a:buNone/>
+              <a:defRPr sz="2400" kern="1200">
+                <a:solidFill>
+                  <a:schemeClr val="bg1"/>
+                </a:solidFill>
+                <a:latin typeface="+mn-lt"/>
+                <a:ea typeface="+mn-ea"/>
+                <a:cs typeface="+mn-cs"/>
+              </a:defRPr>
+            </a:lvl7pPr>
+            <a:lvl8pPr marL="2571377" indent="-171425" algn="l" defTabSz="685702" rtl="0" eaLnBrk="1" latinLnBrk="0" hangingPunct="1">
+              <a:spcBef>
+                <a:spcPct val="20000"/>
+              </a:spcBef>
+              <a:buFont typeface="Arial" panose="020B0604020202020204" pitchFamily="34" charset="0"/>
+              <a:buChar char="•"/>
+              <a:defRPr sz="1500" kern="1200">
+                <a:solidFill>
+                  <a:schemeClr val="tx1"/>
+                </a:solidFill>
+                <a:latin typeface="+mn-lt"/>
+                <a:ea typeface="+mn-ea"/>
+                <a:cs typeface="+mn-cs"/>
+              </a:defRPr>
+            </a:lvl8pPr>
+            <a:lvl9pPr marL="2914226" indent="-171425" algn="l" defTabSz="685702" rtl="0" eaLnBrk="1" latinLnBrk="0" hangingPunct="1">
+              <a:spcBef>
+                <a:spcPct val="20000"/>
+              </a:spcBef>
+              <a:buFont typeface="Arial" panose="020B0604020202020204" pitchFamily="34" charset="0"/>
+              <a:buChar char="•"/>
+              <a:defRPr sz="1500" kern="1200">
+                <a:solidFill>
+                  <a:schemeClr val="tx1"/>
+                </a:solidFill>
+                <a:latin typeface="+mn-lt"/>
+                <a:ea typeface="+mn-ea"/>
+                <a:cs typeface="+mn-cs"/>
+              </a:defRPr>
+            </a:lvl9pPr>
+          </a:lstStyle>
+          <a:p>
+            <a:endParaRPr lang="en-GB" sz="1400" b="1" dirty="0" smtClean="0"/>
+          </a:p>
+          <a:p>
+            <a:r>
+              <a:rPr lang="en-GB" sz="1400" b="1" dirty="0" smtClean="0"/>
+              <a:t>Registered Report:</a:t>
+            </a:r>
+          </a:p>
+          <a:p>
+            <a:pPr marL="285750" indent="-285750">
+              <a:buFontTx/>
+              <a:buChar char="-"/>
+            </a:pPr>
+            <a:r>
+              <a:rPr lang="en-GB" sz="1400" dirty="0" err="1" smtClean="0"/>
+              <a:t>Ergebnisse</a:t>
+            </a:r>
+            <a:r>
+              <a:rPr lang="en-GB" sz="1400" dirty="0" smtClean="0"/>
+              <a:t> der </a:t>
+            </a:r>
+            <a:r>
+              <a:rPr lang="en-GB" sz="1400" dirty="0" err="1" smtClean="0"/>
+              <a:t>Pilotuntersuchung</a:t>
+            </a:r>
+            <a:endParaRPr lang="en-GB" sz="1400" dirty="0" smtClean="0"/>
+          </a:p>
+          <a:p>
+            <a:pPr marL="285750" indent="-285750">
+              <a:buFontTx/>
+              <a:buChar char="-"/>
+            </a:pPr>
+            <a:r>
+              <a:rPr lang="en-GB" sz="1400" dirty="0" err="1" smtClean="0"/>
+              <a:t>Auswahl</a:t>
             </a:r>
             <a:r>
               <a:rPr lang="en-GB" sz="1400" dirty="0" smtClean="0"/>
@@ -4187,9 +4622,26 @@
             </a:r>
             <a:r>
               <a:rPr lang="en-GB" sz="1400" dirty="0" err="1" smtClean="0"/>
-              <a:t>vorherzusagen</a:t>
-            </a:r>
+              <a:t>eines</a:t>
+            </a:r>
+            <a:r>
+              <a:rPr lang="en-GB" sz="1400" dirty="0" smtClean="0"/>
+              <a:t> Journals</a:t>
+            </a:r>
+          </a:p>
+          <a:p>
+            <a:pPr marL="285750" indent="-285750">
+              <a:buFontTx/>
+              <a:buChar char="-"/>
+            </a:pPr>
             <a:endParaRPr lang="en-GB" sz="1400" dirty="0" smtClean="0"/>
+          </a:p>
+          <a:p>
+            <a:pPr marL="285750" indent="-285750">
+              <a:buFontTx/>
+              <a:buChar char="-"/>
+            </a:pPr>
+            <a:endParaRPr lang="en-GB" sz="1400" u="sng" dirty="0" smtClean="0"/>
           </a:p>
         </p:txBody>
       </p:sp>
@@ -4197,6 +4649,74 @@
     <p:extLst>
       <p:ext uri="{BB962C8B-B14F-4D97-AF65-F5344CB8AC3E}">
         <p14:creationId xmlns:p14="http://schemas.microsoft.com/office/powerpoint/2010/main" val="801955661"/>
+      </p:ext>
+    </p:extLst>
+  </p:cSld>
+  <p:clrMapOvr>
+    <a:masterClrMapping/>
+  </p:clrMapOvr>
+  <p:timing>
+    <p:tnLst>
+      <p:par>
+        <p:cTn id="1" dur="indefinite" restart="never" nodeType="tmRoot"/>
+      </p:par>
+    </p:tnLst>
+  </p:timing>
+</p:sld>
+</file>
+
+<file path=ppt/slides/slide15.xml><?xml version="1.0" encoding="utf-8"?>
+<p:sld xmlns:a="http://schemas.openxmlformats.org/drawingml/2006/main" xmlns:r="http://schemas.openxmlformats.org/officeDocument/2006/relationships" xmlns:p="http://schemas.openxmlformats.org/presentationml/2006/main">
+  <p:cSld>
+    <p:spTree>
+      <p:nvGrpSpPr>
+        <p:cNvPr id="1" name=""/>
+        <p:cNvGrpSpPr/>
+        <p:nvPr/>
+      </p:nvGrpSpPr>
+      <p:grpSpPr>
+        <a:xfrm>
+          <a:off x="0" y="0"/>
+          <a:ext cx="0" cy="0"/>
+          <a:chOff x="0" y="0"/>
+          <a:chExt cx="0" cy="0"/>
+        </a:xfrm>
+      </p:grpSpPr>
+      <p:sp>
+        <p:nvSpPr>
+          <p:cNvPr id="4" name="Textplatzhalter 3"/>
+          <p:cNvSpPr>
+            <a:spLocks noGrp="1"/>
+          </p:cNvSpPr>
+          <p:nvPr>
+            <p:ph type="body" sz="quarter" idx="11"/>
+          </p:nvPr>
+        </p:nvSpPr>
+        <p:spPr/>
+        <p:txBody>
+          <a:bodyPr/>
+          <a:lstStyle/>
+          <a:p>
+            <a:r>
+              <a:rPr lang="de-DE" sz="2000" dirty="0" err="1" smtClean="0">
+                <a:solidFill>
+                  <a:schemeClr val="bg1"/>
+                </a:solidFill>
+              </a:rPr>
+              <a:t>Discussion</a:t>
+            </a:r>
+            <a:endParaRPr lang="de-DE" sz="2000" dirty="0">
+              <a:solidFill>
+                <a:schemeClr val="bg1"/>
+              </a:solidFill>
+            </a:endParaRPr>
+          </a:p>
+        </p:txBody>
+      </p:sp>
+    </p:spTree>
+    <p:extLst>
+      <p:ext uri="{BB962C8B-B14F-4D97-AF65-F5344CB8AC3E}">
+        <p14:creationId xmlns:p14="http://schemas.microsoft.com/office/powerpoint/2010/main" val="3535410509"/>
       </p:ext>
     </p:extLst>
   </p:cSld>

--- a/99_Thinktank/Talks/21-12-07_Kolloquium/CERED_Presentation.pptx
+++ b/99_Thinktank/Talks/21-12-07_Kolloquium/CERED_Presentation.pptx
@@ -3971,7 +3971,7 @@
             </a:r>
             <a:r>
               <a:rPr lang="en-GB" sz="1400" dirty="0" smtClean="0"/>
-              <a:t>, </a:t>
+              <a:t> </a:t>
             </a:r>
             <a:r>
               <a:rPr lang="en-GB" sz="1400" dirty="0" err="1" smtClean="0"/>
@@ -4341,11 +4341,11 @@
             </a:pPr>
             <a:r>
               <a:rPr lang="en-GB" sz="1400" dirty="0" smtClean="0"/>
-              <a:t>Multiples </a:t>
+              <a:t>Multi-Level-Model </a:t>
             </a:r>
             <a:r>
               <a:rPr lang="en-GB" sz="1400" dirty="0" err="1" smtClean="0"/>
-              <a:t>lineares</a:t>
+              <a:t>mit</a:t>
             </a:r>
             <a:r>
               <a:rPr lang="en-GB" sz="1400" dirty="0" smtClean="0"/>
@@ -4353,15 +4353,7 @@
             </a:r>
             <a:r>
               <a:rPr lang="en-GB" sz="1400" dirty="0" smtClean="0"/>
-              <a:t>Modell </a:t>
-            </a:r>
-            <a:r>
-              <a:rPr lang="en-GB" sz="1400" dirty="0" err="1" smtClean="0"/>
-              <a:t>mit</a:t>
-            </a:r>
-            <a:r>
-              <a:rPr lang="en-GB" sz="1400" dirty="0" smtClean="0"/>
-              <a:t> den </a:t>
+              <a:t>den </a:t>
             </a:r>
             <a:r>
               <a:rPr lang="en-GB" sz="1400" dirty="0" err="1" smtClean="0"/>
@@ -4407,14 +4399,21 @@
               <a:buChar char="-"/>
             </a:pPr>
             <a:r>
+              <a:rPr lang="en-GB" sz="1400" dirty="0" err="1"/>
+              <a:t>S</a:t>
+            </a:r>
+            <a:r>
               <a:rPr lang="en-GB" sz="1400" dirty="0" err="1" smtClean="0"/>
-              <a:t>subjektives</a:t>
+              <a:t>ubjektives</a:t>
             </a:r>
             <a:r>
               <a:rPr lang="en-GB" sz="1400" dirty="0" smtClean="0"/>
-              <a:t> Effort-Rating</a:t>
-            </a:r>
-            <a:endParaRPr lang="en-GB" sz="1400" dirty="0" smtClean="0"/>
+              <a:t> </a:t>
+            </a:r>
+            <a:r>
+              <a:rPr lang="en-GB" sz="1400" dirty="0" smtClean="0"/>
+              <a:t>Effort-Rating</a:t>
+            </a:r>
           </a:p>
         </p:txBody>
       </p:sp>
